--- a/Assets/Class/Animator/PPT Data/Animator Example.pptx
+++ b/Assets/Class/Animator/PPT Data/Animator Example.pptx
@@ -2,26 +2,26 @@
 <file path=ppt/presentation.xml><?xml version="1.0" encoding="utf-8"?>
 <p:presentation xmlns:a="http://schemas.openxmlformats.org/drawingml/2006/main" xmlns:r="http://schemas.openxmlformats.org/officeDocument/2006/relationships" xmlns:p="http://schemas.openxmlformats.org/presentationml/2006/main" xmlns:p14="http://schemas.microsoft.com/office/powerpoint/2010/main" saveSubsetFonts="1" firstSlideNum="0">
   <p:sldMasterIdLst>
-    <p:sldMasterId id="2147486230" r:id="rId12"/>
+    <p:sldMasterId id="2147486276" r:id="rId12"/>
   </p:sldMasterIdLst>
   <p:notesMasterIdLst>
     <p:notesMasterId r:id="rId14"/>
   </p:notesMasterIdLst>
   <p:sldIdLst>
     <p:sldId id="294" r:id="rId16"/>
-    <p:sldId id="295" r:id="rId18"/>
-    <p:sldId id="296" r:id="rId20"/>
-    <p:sldId id="316" r:id="rId22"/>
-    <p:sldId id="291" r:id="rId24"/>
-    <p:sldId id="297" r:id="rId26"/>
-    <p:sldId id="298" r:id="rId27"/>
-    <p:sldId id="299" r:id="rId29"/>
-    <p:sldId id="300" r:id="rId31"/>
-    <p:sldId id="301" r:id="rId33"/>
-    <p:sldId id="302" r:id="rId35"/>
-    <p:sldId id="292" r:id="rId36"/>
-    <p:sldId id="303" r:id="rId37"/>
-    <p:sldId id="304" r:id="rId39"/>
+    <p:sldId id="295" r:id="rId17"/>
+    <p:sldId id="296" r:id="rId18"/>
+    <p:sldId id="316" r:id="rId19"/>
+    <p:sldId id="291" r:id="rId21"/>
+    <p:sldId id="297" r:id="rId23"/>
+    <p:sldId id="298" r:id="rId25"/>
+    <p:sldId id="300" r:id="rId27"/>
+    <p:sldId id="301" r:id="rId29"/>
+    <p:sldId id="302" r:id="rId31"/>
+    <p:sldId id="292" r:id="rId33"/>
+    <p:sldId id="303" r:id="rId35"/>
+    <p:sldId id="304" r:id="rId37"/>
+    <p:sldId id="317" r:id="rId39"/>
   </p:sldIdLst>
   <p:sldSz cx="12192000" cy="6858000"/>
   <p:notesSz cx="6858000" cy="9144000"/>
@@ -794,7 +794,7 @@
         <p:spPr>
           <a:xfrm rot="0">
             <a:off x="685800" y="1143000"/>
-            <a:ext cx="5490845" cy="3090545"/>
+            <a:ext cx="5490210" cy="3089910"/>
           </a:xfrm>
           <a:prstGeom prst="rect"/>
           <a:noFill/>
@@ -833,7 +833,7 @@
         <p:spPr>
           <a:xfrm rot="0">
             <a:off x="685800" y="4400550"/>
-            <a:ext cx="5490845" cy="3604895"/>
+            <a:ext cx="5490210" cy="3604260"/>
           </a:xfrm>
           <a:prstGeom prst="rect"/>
         </p:spPr>
@@ -863,7 +863,7 @@
         <p:spPr>
           <a:xfrm rot="0">
             <a:off x="3884930" y="8685530"/>
-            <a:ext cx="2976245" cy="462915"/>
+            <a:ext cx="2975610" cy="462280"/>
           </a:xfrm>
           <a:prstGeom prst="rect"/>
         </p:spPr>
@@ -936,7 +936,7 @@
         <p:spPr>
           <a:xfrm rot="0">
             <a:off x="685800" y="1143000"/>
-            <a:ext cx="5490210" cy="3089910"/>
+            <a:ext cx="5490845" cy="3090545"/>
           </a:xfrm>
           <a:prstGeom prst="rect"/>
           <a:noFill/>
@@ -975,7 +975,7 @@
         <p:spPr>
           <a:xfrm rot="0">
             <a:off x="685800" y="4400550"/>
-            <a:ext cx="5490210" cy="3604260"/>
+            <a:ext cx="5490845" cy="3604895"/>
           </a:xfrm>
           <a:prstGeom prst="rect"/>
         </p:spPr>
@@ -1005,7 +1005,7 @@
         <p:spPr>
           <a:xfrm rot="0">
             <a:off x="3884930" y="8685530"/>
-            <a:ext cx="2975610" cy="462280"/>
+            <a:ext cx="2976245" cy="462915"/>
           </a:xfrm>
           <a:prstGeom prst="rect"/>
         </p:spPr>
@@ -1220,7 +1220,7 @@
         <p:spPr>
           <a:xfrm rot="0">
             <a:off x="685800" y="1143000"/>
-            <a:ext cx="5490845" cy="3090545"/>
+            <a:ext cx="5491480" cy="3091180"/>
           </a:xfrm>
           <a:prstGeom prst="rect"/>
           <a:noFill/>
@@ -1259,7 +1259,7 @@
         <p:spPr>
           <a:xfrm rot="0">
             <a:off x="685800" y="4400550"/>
-            <a:ext cx="5490845" cy="3604895"/>
+            <a:ext cx="5491480" cy="3605530"/>
           </a:xfrm>
           <a:prstGeom prst="rect"/>
         </p:spPr>
@@ -1289,7 +1289,7 @@
         <p:spPr>
           <a:xfrm rot="0">
             <a:off x="3884930" y="8685530"/>
-            <a:ext cx="2976245" cy="462915"/>
+            <a:ext cx="2976880" cy="463550"/>
           </a:xfrm>
           <a:prstGeom prst="rect"/>
         </p:spPr>
@@ -7634,7 +7634,7 @@
       </p:pic>
       <p:pic>
         <p:nvPicPr>
-          <p:cNvPr id="1155" name="그림 52" descr="C:/Users/Admin1/AppData/Roaming/PolarisOffice/ETemp/8652_21207216/fImage211862728467.png"/>
+          <p:cNvPr id="1155" name="그림 52"/>
           <p:cNvPicPr>
             <a:picLocks noChangeAspect="1"/>
           </p:cNvPicPr>
@@ -7656,6 +7656,256 @@
           <a:xfrm rot="0">
             <a:off x="6816725" y="1359535"/>
             <a:ext cx="4258945" cy="4002405"/>
+          </a:xfrm>
+          <a:prstGeom prst="rect"/>
+          <a:noFill/>
+        </p:spPr>
+      </p:pic>
+      <p:sp>
+        <p:nvSpPr>
+          <p:cNvPr id="1156" name="텍스트 상자 1"/>
+          <p:cNvSpPr txBox="1">
+            <a:spLocks/>
+          </p:cNvSpPr>
+          <p:nvPr/>
+        </p:nvSpPr>
+        <p:spPr>
+          <a:xfrm rot="0">
+            <a:off x="1263650" y="5208905"/>
+            <a:ext cx="4142105" cy="954405"/>
+          </a:xfrm>
+          <a:prstGeom prst="rect"/>
+          <a:noFill/>
+          <a:ln w="0">
+            <a:noFill/>
+            <a:prstDash/>
+          </a:ln>
+        </p:spPr>
+        <p:txBody>
+          <a:bodyPr wrap="square" lIns="89535" tIns="46355" rIns="89535" bIns="46355" numCol="1" vert="horz" anchor="t">
+            <a:spAutoFit/>
+          </a:bodyPr>
+          <a:lstStyle/>
+          <a:p>
+            <a:pPr marL="0" indent="0" algn="l" latinLnBrk="0" hangingPunct="1">
+              <a:buFontTx/>
+              <a:buNone/>
+            </a:pPr>
+            <a:r>
+              <a:rPr lang="ko-KR" sz="2000" b="1">
+                <a:solidFill>
+                  <a:srgbClr val="0611F2"/>
+                </a:solidFill>
+                <a:latin typeface="맑은 고딕" charset="0"/>
+                <a:ea typeface="맑은 고딕" charset="0"/>
+              </a:rPr>
+              <a:t>1.</a:t>
+            </a:r>
+            <a:r>
+              <a:rPr lang="ko-KR" sz="2000">
+                <a:latin typeface="맑은 고딕" charset="0"/>
+                <a:ea typeface="맑은 고딕" charset="0"/>
+              </a:rPr>
+              <a:t> </a:t>
+            </a:r>
+            <a:r>
+              <a:rPr lang="ko-KR" sz="2000">
+                <a:latin typeface="맑은 고딕" charset="0"/>
+                <a:ea typeface="맑은 고딕" charset="0"/>
+              </a:rPr>
+              <a:t>첫 번째로 Google에 </a:t>
+            </a:r>
+            <a:r>
+              <a:rPr lang="ko-KR" sz="1800">
+                <a:latin typeface="맑은 고딕" charset="0"/>
+                <a:ea typeface="맑은 고딕" charset="0"/>
+              </a:rPr>
+              <a:t>mixamo라고</a:t>
+            </a:r>
+            <a:r>
+              <a:rPr lang="ko-KR" sz="1800">
+                <a:latin typeface="맑은 고딕" charset="0"/>
+                <a:ea typeface="맑은 고딕" charset="0"/>
+              </a:rPr>
+              <a:t> </a:t>
+            </a:r>
+            <a:r>
+              <a:rPr lang="ko-KR" sz="1800">
+                <a:latin typeface="맑은 고딕" charset="0"/>
+                <a:ea typeface="맑은 고딕" charset="0"/>
+              </a:rPr>
+              <a:t>검색한</a:t>
+            </a:r>
+            <a:r>
+              <a:rPr lang="ko-KR" sz="1800">
+                <a:latin typeface="맑은 고딕" charset="0"/>
+                <a:ea typeface="맑은 고딕" charset="0"/>
+              </a:rPr>
+              <a:t> </a:t>
+            </a:r>
+            <a:r>
+              <a:rPr lang="ko-KR" sz="1800">
+                <a:latin typeface="맑은 고딕" charset="0"/>
+                <a:ea typeface="맑은 고딕" charset="0"/>
+              </a:rPr>
+              <a:t>다음</a:t>
+            </a:r>
+            <a:r>
+              <a:rPr lang="ko-KR" sz="1800">
+                <a:latin typeface="맑은 고딕" charset="0"/>
+                <a:ea typeface="맑은 고딕" charset="0"/>
+              </a:rPr>
+              <a:t> </a:t>
+            </a:r>
+            <a:r>
+              <a:rPr lang="ko-KR" sz="1800">
+                <a:latin typeface="맑은 고딕" charset="0"/>
+                <a:ea typeface="맑은 고딕" charset="0"/>
+              </a:rPr>
+              <a:t>사이트에</a:t>
+            </a:r>
+            <a:r>
+              <a:rPr lang="ko-KR" sz="1800">
+                <a:latin typeface="맑은 고딕" charset="0"/>
+                <a:ea typeface="맑은 고딕" charset="0"/>
+              </a:rPr>
+              <a:t> </a:t>
+            </a:r>
+            <a:r>
+              <a:rPr lang="ko-KR" sz="1800">
+                <a:latin typeface="맑은 고딕" charset="0"/>
+                <a:ea typeface="맑은 고딕" charset="0"/>
+              </a:rPr>
+              <a:t>접속하여</a:t>
+            </a:r>
+            <a:r>
+              <a:rPr lang="ko-KR" sz="1800">
+                <a:latin typeface="맑은 고딕" charset="0"/>
+                <a:ea typeface="맑은 고딕" charset="0"/>
+              </a:rPr>
+              <a:t> </a:t>
+            </a:r>
+            <a:r>
+              <a:rPr lang="ko-KR" sz="1800">
+                <a:latin typeface="맑은 고딕" charset="0"/>
+                <a:ea typeface="맑은 고딕" charset="0"/>
+              </a:rPr>
+              <a:t>Sign Up for Free를 선택합니다.</a:t>
+            </a:r>
+            <a:endParaRPr lang="ko-KR" altLang="en-US" sz="1800">
+              <a:latin typeface="맑은 고딕" charset="0"/>
+              <a:ea typeface="맑은 고딕" charset="0"/>
+            </a:endParaRPr>
+          </a:p>
+        </p:txBody>
+      </p:sp>
+      <p:sp>
+        <p:nvSpPr>
+          <p:cNvPr id="1157" name="텍스트 상자 2"/>
+          <p:cNvSpPr txBox="1">
+            <a:spLocks/>
+          </p:cNvSpPr>
+          <p:nvPr/>
+        </p:nvSpPr>
+        <p:spPr>
+          <a:xfrm rot="0">
+            <a:off x="6825615" y="5482590"/>
+            <a:ext cx="4258945" cy="679450"/>
+          </a:xfrm>
+          <a:prstGeom prst="rect"/>
+          <a:noFill/>
+          <a:ln w="0">
+            <a:noFill/>
+            <a:prstDash/>
+          </a:ln>
+        </p:spPr>
+        <p:txBody>
+          <a:bodyPr wrap="square" lIns="89535" tIns="46355" rIns="89535" bIns="46355" numCol="1" vert="horz" anchor="t">
+            <a:spAutoFit/>
+          </a:bodyPr>
+          <a:lstStyle/>
+          <a:p>
+            <a:pPr marL="0" indent="0" algn="l" latinLnBrk="0" hangingPunct="1">
+              <a:buFontTx/>
+              <a:buNone/>
+            </a:pPr>
+            <a:r>
+              <a:rPr lang="ko-KR" sz="2000" b="1">
+                <a:solidFill>
+                  <a:srgbClr val="0611F2"/>
+                </a:solidFill>
+                <a:latin typeface="맑은 고딕" charset="0"/>
+                <a:ea typeface="맑은 고딕" charset="0"/>
+              </a:rPr>
+              <a:t>2. </a:t>
+            </a:r>
+            <a:r>
+              <a:rPr lang="ko-KR" sz="1800">
+                <a:latin typeface="맑은 고딕" charset="0"/>
+                <a:ea typeface="맑은 고딕" charset="0"/>
+              </a:rPr>
+              <a:t>그리고 Google 계정으로 로그인을 시도합니다.</a:t>
+            </a:r>
+            <a:endParaRPr lang="ko-KR" altLang="en-US" sz="1800">
+              <a:latin typeface="맑은 고딕" charset="0"/>
+              <a:ea typeface="맑은 고딕" charset="0"/>
+            </a:endParaRPr>
+          </a:p>
+        </p:txBody>
+      </p:sp>
+      <p:pic>
+        <p:nvPicPr>
+          <p:cNvPr id="1158" name="그림 3" descr="C:/Users/Admin1/AppData/Roaming/PolarisOffice/ETemp/9144_11002792/fImage40558127141.png"/>
+          <p:cNvPicPr>
+            <a:picLocks noChangeAspect="1"/>
+          </p:cNvPicPr>
+          <p:nvPr/>
+        </p:nvPicPr>
+        <p:blipFill rotWithShape="1">
+          <a:blip r:embed="rId2" cstate="hqprint">
+            <a:extLst>
+              <a:ext uri="{28A0092B-C50C-407E-A947-70E740481C1C}">
+                <a14:useLocalDpi xmlns:a14="http://schemas.microsoft.com/office/drawing/2010/main"/>
+              </a:ext>
+            </a:extLst>
+          </a:blip>
+          <a:stretch>
+            <a:fillRect/>
+          </a:stretch>
+        </p:blipFill>
+        <p:spPr>
+          <a:xfrm rot="0">
+            <a:off x="1267460" y="1371600"/>
+            <a:ext cx="4137660" cy="3709035"/>
+          </a:xfrm>
+          <a:prstGeom prst="rect"/>
+          <a:noFill/>
+        </p:spPr>
+      </p:pic>
+      <p:pic>
+        <p:nvPicPr>
+          <p:cNvPr id="1159" name="그림 4" descr="C:/Users/Admin1/AppData/Roaming/PolarisOffice/ETemp/9144_11002792/fImage211862728467.png"/>
+          <p:cNvPicPr>
+            <a:picLocks noChangeAspect="1"/>
+          </p:cNvPicPr>
+          <p:nvPr/>
+        </p:nvPicPr>
+        <p:blipFill rotWithShape="1">
+          <a:blip r:embed="rId3" cstate="hqprint">
+            <a:extLst>
+              <a:ext uri="{28A0092B-C50C-407E-A947-70E740481C1C}">
+                <a14:useLocalDpi xmlns:a14="http://schemas.microsoft.com/office/drawing/2010/main"/>
+              </a:ext>
+            </a:extLst>
+          </a:blip>
+          <a:stretch>
+            <a:fillRect/>
+          </a:stretch>
+        </p:blipFill>
+        <p:spPr>
+          <a:xfrm rot="0">
+            <a:off x="6816725" y="1359535"/>
+            <a:ext cx="4259580" cy="4003040"/>
           </a:xfrm>
           <a:prstGeom prst="rect"/>
           <a:noFill/>
@@ -7711,8 +7961,8 @@
         </p:nvSpPr>
         <p:spPr>
           <a:xfrm rot="0">
-            <a:off x="4696460" y="380365"/>
-            <a:ext cx="2802890" cy="554990"/>
+            <a:off x="4664075" y="417195"/>
+            <a:ext cx="2861310" cy="554990"/>
           </a:xfrm>
           <a:prstGeom prst="rect"/>
           <a:noFill/>
@@ -7739,7 +7989,17 @@
                 <a:latin typeface="맑은 고딕" charset="0"/>
                 <a:ea typeface="맑은 고딕" charset="0"/>
               </a:rPr>
-              <a:t>아홉 번째 과정</a:t>
+              <a:t>아홉</a:t>
+            </a:r>
+            <a:r>
+              <a:rPr lang="ko-KR" altLang="en-US" sz="3000" b="1">
+                <a:solidFill>
+                  <a:schemeClr val="tx1"/>
+                </a:solidFill>
+                <a:latin typeface="맑은 고딕" charset="0"/>
+                <a:ea typeface="맑은 고딕" charset="0"/>
+              </a:rPr>
+              <a:t> 번째 과정</a:t>
             </a:r>
             <a:endParaRPr lang="ko-KR" altLang="en-US" sz="3000" b="1">
               <a:solidFill>
@@ -7761,8 +8021,8 @@
         </p:nvSpPr>
         <p:spPr>
           <a:xfrm rot="0">
-            <a:off x="6835775" y="5537835"/>
-            <a:ext cx="4166870" cy="678180"/>
+            <a:off x="6814820" y="4220845"/>
+            <a:ext cx="4217670" cy="2061845"/>
           </a:xfrm>
           <a:prstGeom prst="rect"/>
           <a:noFill/>
@@ -7789,79 +8049,100 @@
                 <a:latin typeface="맑은 고딕" charset="0"/>
                 <a:ea typeface="맑은 고딕" charset="0"/>
               </a:rPr>
-              <a:t>23. </a:t>
+              <a:t>2</a:t>
+            </a:r>
+            <a:r>
+              <a:rPr lang="ko-KR" sz="2000" b="1">
+                <a:solidFill>
+                  <a:srgbClr val="0611F2"/>
+                </a:solidFill>
+                <a:latin typeface="맑은 고딕" charset="0"/>
+                <a:ea typeface="맑은 고딕" charset="0"/>
+              </a:rPr>
+              <a:t>7</a:t>
+            </a:r>
+            <a:r>
+              <a:rPr lang="ko-KR" sz="2000" b="1">
+                <a:solidFill>
+                  <a:srgbClr val="0611F2"/>
+                </a:solidFill>
+                <a:latin typeface="맑은 고딕" charset="0"/>
+                <a:ea typeface="맑은 고딕" charset="0"/>
+              </a:rPr>
+              <a:t>. </a:t>
             </a:r>
             <a:r>
               <a:rPr lang="ko-KR" sz="1800">
                 <a:latin typeface="맑은 고딕" charset="0"/>
                 <a:ea typeface="맑은 고딕" charset="0"/>
               </a:rPr>
-              <a:t>그리고 각각의 애니메이션을 Base Layer에 추가합니다.</a:t>
+              <a:t>이제</a:t>
+            </a:r>
+            <a:r>
+              <a:rPr lang="ko-KR" sz="1800">
+                <a:latin typeface="맑은 고딕" charset="0"/>
+                <a:ea typeface="맑은 고딕" charset="0"/>
+              </a:rPr>
+              <a:t> AnimationAction 스크립트</a:t>
+            </a:r>
+            <a:r>
+              <a:rPr lang="ko-KR" sz="1800">
+                <a:latin typeface="맑은 고딕" charset="0"/>
+                <a:ea typeface="맑은 고딕" charset="0"/>
+              </a:rPr>
+              <a:t>에서</a:t>
+            </a:r>
+            <a:r>
+              <a:rPr lang="ko-KR" sz="1800">
+                <a:latin typeface="맑은 고딕" charset="0"/>
+                <a:ea typeface="맑은 고딕" charset="0"/>
+              </a:rPr>
+              <a:t> 애니메이터 변수를 선언합니다.</a:t>
             </a:r>
             <a:endParaRPr lang="ko-KR" altLang="en-US" sz="1800">
               <a:latin typeface="맑은 고딕" charset="0"/>
               <a:ea typeface="맑은 고딕" charset="0"/>
             </a:endParaRPr>
           </a:p>
-        </p:txBody>
-      </p:sp>
-      <p:sp>
-        <p:nvSpPr>
-          <p:cNvPr id="1170" name="Rect 0"/>
-          <p:cNvSpPr txBox="1">
-            <a:spLocks/>
-          </p:cNvSpPr>
-          <p:nvPr/>
-        </p:nvSpPr>
-        <p:spPr>
-          <a:xfrm rot="0">
-            <a:off x="1184275" y="2752725"/>
-            <a:ext cx="4166870" cy="678180"/>
-          </a:xfrm>
-          <a:prstGeom prst="rect"/>
-          <a:noFill/>
-          <a:ln w="0">
-            <a:noFill/>
-            <a:prstDash/>
-          </a:ln>
-        </p:spPr>
-        <p:txBody>
-          <a:bodyPr wrap="square" lIns="89535" tIns="46355" rIns="89535" bIns="46355" numCol="1" vert="horz" anchor="t">
-            <a:spAutoFit/>
-          </a:bodyPr>
-          <a:lstStyle/>
           <a:p>
             <a:pPr marL="0" indent="0" algn="l" latinLnBrk="0" hangingPunct="1">
               <a:buFontTx/>
               <a:buNone/>
             </a:pPr>
-            <a:r>
-              <a:rPr lang="ko-KR" sz="2000" b="1">
-                <a:solidFill>
-                  <a:srgbClr val="0611F2"/>
-                </a:solidFill>
-                <a:latin typeface="맑은 고딕" charset="0"/>
-                <a:ea typeface="맑은 고딕" charset="0"/>
-              </a:rPr>
-              <a:t>21. </a:t>
-            </a:r>
-            <a:r>
-              <a:rPr lang="ko-KR" sz="1800">
-                <a:latin typeface="맑은 고딕" charset="0"/>
-                <a:ea typeface="맑은 고딕" charset="0"/>
-              </a:rPr>
-              <a:t>그다음 애니메이션 파일을 유니티 프로젝트에 추가합니다. </a:t>
-            </a:r>
             <a:endParaRPr lang="ko-KR" altLang="en-US" sz="1800">
               <a:latin typeface="맑은 고딕" charset="0"/>
               <a:ea typeface="맑은 고딕" charset="0"/>
             </a:endParaRPr>
           </a:p>
+          <a:p>
+            <a:pPr marL="0" indent="0" algn="l" latinLnBrk="0" hangingPunct="1">
+              <a:buFontTx/>
+              <a:buNone/>
+            </a:pPr>
+            <a:r>
+              <a:rPr lang="ko-KR" sz="1800">
+                <a:latin typeface="맑은 고딕" charset="0"/>
+                <a:ea typeface="맑은 고딕" charset="0"/>
+              </a:rPr>
+              <a:t>그</a:t>
+            </a:r>
+            <a:r>
+              <a:rPr lang="ko-KR" sz="1800">
+                <a:latin typeface="맑은 고딕" charset="0"/>
+                <a:ea typeface="맑은 고딕" charset="0"/>
+              </a:rPr>
+              <a:t>런 다음 Kick( ) 함수와 Running( ) 함수를 선언하고 애니메이션을 실행시키는 Play( ) 함수를 선언합니다.</a:t>
+            </a:r>
+            <a:endParaRPr lang="ko-KR" altLang="en-US" sz="1800">
+              <a:latin typeface="맑은 고딕" charset="0"/>
+              <a:ea typeface="맑은 고딕" charset="0"/>
+            </a:endParaRPr>
+          </a:p>
         </p:txBody>
       </p:sp>
       <p:pic>
         <p:nvPicPr>
-          <p:cNvPr id="1171" name="그림 173" descr="C:/Users/Admin1/AppData/Roaming/PolarisOffice/ETemp/9880_20815312/fImage226374495447.png"/>
+          <p:cNvPr id="1165" name="Picture " descr="C:/Users/Admin1/AppData/Roaming/PolarisOffice/ETemp/7956_23580608/fImage45714593811.png"/>
           <p:cNvPicPr>
             <a:picLocks noChangeAspect="1"/>
           </p:cNvPicPr>
@@ -7881,8 +8162,8 @@
         </p:blipFill>
         <p:spPr>
           <a:xfrm rot="0">
-            <a:off x="1179195" y="1542415"/>
-            <a:ext cx="2012315" cy="1048385"/>
+            <a:off x="6814820" y="1480820"/>
+            <a:ext cx="4205605" cy="2637790"/>
           </a:xfrm>
           <a:prstGeom prst="roundRect"/>
           <a:solidFill>
@@ -7892,38 +8173,7 @@
       </p:pic>
       <p:pic>
         <p:nvPicPr>
-          <p:cNvPr id="1176" name="그림 180" descr="C:/Users/Admin1/AppData/Roaming/PolarisOffice/ETemp/9880_20815312/fImage40644541726.png"/>
-          <p:cNvPicPr>
-            <a:picLocks noChangeAspect="1"/>
-          </p:cNvPicPr>
-          <p:nvPr/>
-        </p:nvPicPr>
-        <p:blipFill rotWithShape="1">
-          <a:blip r:embed="rId3" cstate="hqprint">
-            <a:extLst>
-              <a:ext uri="{28A0092B-C50C-407E-A947-70E740481C1C}">
-                <a14:useLocalDpi xmlns:a14="http://schemas.microsoft.com/office/drawing/2010/main"/>
-              </a:ext>
-            </a:extLst>
-          </a:blip>
-          <a:stretch>
-            <a:fillRect/>
-          </a:stretch>
-        </p:blipFill>
-        <p:spPr>
-          <a:xfrm rot="0">
-            <a:off x="4484370" y="1543050"/>
-            <a:ext cx="868045" cy="1048385"/>
-          </a:xfrm>
-          <a:prstGeom prst="roundRect"/>
-          <a:solidFill>
-            <a:srgbClr val="EDEDED"/>
-          </a:solidFill>
-        </p:spPr>
-      </p:pic>
-      <p:pic>
-        <p:nvPicPr>
-          <p:cNvPr id="1177" name="그림 181" descr="C:/Users/Admin1/AppData/Roaming/PolarisOffice/ETemp/9880_20815312/fImage41594554771.png"/>
+          <p:cNvPr id="1168" name="그림 205" descr="C:/Users/Admin1/AppData/Roaming/PolarisOffice/ETemp/7956_23580608/fImage16105485333.png"/>
           <p:cNvPicPr>
             <a:picLocks noChangeAspect="1"/>
           </p:cNvPicPr>
@@ -7943,8 +8193,8 @@
         </p:blipFill>
         <p:spPr>
           <a:xfrm rot="0">
-            <a:off x="3480435" y="1543050"/>
-            <a:ext cx="842010" cy="1056640"/>
+            <a:off x="1123950" y="1476375"/>
+            <a:ext cx="4245610" cy="2641600"/>
           </a:xfrm>
           <a:prstGeom prst="roundRect"/>
           <a:solidFill>
@@ -7952,232 +8202,18 @@
           </a:solidFill>
         </p:spPr>
       </p:pic>
-      <p:pic>
-        <p:nvPicPr>
-          <p:cNvPr id="1178" name="그림 186" descr="C:/Users/Admin1/AppData/Roaming/PolarisOffice/ETemp/9880_20815312/fImage61714561538.png"/>
-          <p:cNvPicPr>
-            <a:picLocks noChangeAspect="1"/>
-          </p:cNvPicPr>
-          <p:nvPr/>
-        </p:nvPicPr>
-        <p:blipFill rotWithShape="1">
-          <a:blip r:embed="rId5" cstate="hqprint">
-            <a:extLst>
-              <a:ext uri="{28A0092B-C50C-407E-A947-70E740481C1C}">
-                <a14:useLocalDpi xmlns:a14="http://schemas.microsoft.com/office/drawing/2010/main"/>
-              </a:ext>
-            </a:extLst>
-          </a:blip>
-          <a:stretch>
-            <a:fillRect/>
-          </a:stretch>
-        </p:blipFill>
-        <p:spPr>
-          <a:xfrm rot="0">
-            <a:off x="6843395" y="3380105"/>
-            <a:ext cx="4167505" cy="2034540"/>
-          </a:xfrm>
-          <a:prstGeom prst="roundRect"/>
-          <a:solidFill>
-            <a:srgbClr val="EDEDED"/>
-          </a:solidFill>
-        </p:spPr>
-      </p:pic>
-      <p:pic>
-        <p:nvPicPr>
-          <p:cNvPr id="1179" name="그림 189"/>
-          <p:cNvPicPr>
-            <a:picLocks noChangeAspect="1"/>
-          </p:cNvPicPr>
-          <p:nvPr/>
-        </p:nvPicPr>
-        <p:blipFill rotWithShape="1">
-          <a:blip r:embed="rId6" cstate="print">
-            <a:extLst>
-              <a:ext uri="{28A0092B-C50C-407E-A947-70E740481C1C}">
-                <a14:useLocalDpi xmlns:a14="http://schemas.microsoft.com/office/drawing/2010/main" val="0"/>
-              </a:ext>
-            </a:extLst>
-          </a:blip>
-          <a:stretch>
-            <a:fillRect/>
-          </a:stretch>
-        </p:blipFill>
-        <p:spPr>
-          <a:xfrm rot="0">
-            <a:off x="8183245" y="1801495"/>
-            <a:ext cx="2818765" cy="1350645"/>
-          </a:xfrm>
-          <a:prstGeom prst="roundRect"/>
-          <a:solidFill>
-            <a:srgbClr val="EDEDED"/>
-          </a:solidFill>
-        </p:spPr>
-      </p:pic>
-      <p:pic>
-        <p:nvPicPr>
-          <p:cNvPr id="1180" name="그림 190"/>
-          <p:cNvPicPr>
-            <a:picLocks noChangeAspect="1"/>
-          </p:cNvPicPr>
-          <p:nvPr/>
-        </p:nvPicPr>
-        <p:blipFill rotWithShape="1">
-          <a:blip r:embed="rId7" cstate="print">
-            <a:extLst>
-              <a:ext uri="{28A0092B-C50C-407E-A947-70E740481C1C}">
-                <a14:useLocalDpi xmlns:a14="http://schemas.microsoft.com/office/drawing/2010/main" val="0"/>
-              </a:ext>
-            </a:extLst>
-          </a:blip>
-          <a:stretch>
-            <a:fillRect/>
-          </a:stretch>
-        </p:blipFill>
-        <p:spPr>
-          <a:xfrm rot="0">
-            <a:off x="6832600" y="2627630"/>
-            <a:ext cx="867410" cy="516255"/>
-          </a:xfrm>
-          <a:prstGeom prst="roundRect"/>
-          <a:solidFill>
-            <a:srgbClr val="EDEDED"/>
-          </a:solidFill>
-        </p:spPr>
-      </p:pic>
-      <p:pic>
-        <p:nvPicPr>
-          <p:cNvPr id="1181" name="그림 191"/>
-          <p:cNvPicPr>
-            <a:picLocks noChangeAspect="1"/>
-          </p:cNvPicPr>
-          <p:nvPr/>
-        </p:nvPicPr>
-        <p:blipFill rotWithShape="1">
-          <a:blip r:embed="rId8" cstate="print">
-            <a:extLst>
-              <a:ext uri="{28A0092B-C50C-407E-A947-70E740481C1C}">
-                <a14:useLocalDpi xmlns:a14="http://schemas.microsoft.com/office/drawing/2010/main" val="0"/>
-              </a:ext>
-            </a:extLst>
-          </a:blip>
-          <a:stretch>
-            <a:fillRect/>
-          </a:stretch>
-        </p:blipFill>
-        <p:spPr>
-          <a:xfrm rot="0">
-            <a:off x="6835140" y="1811020"/>
-            <a:ext cx="841375" cy="586740"/>
-          </a:xfrm>
-          <a:prstGeom prst="roundRect"/>
-          <a:solidFill>
-            <a:srgbClr val="EDEDED"/>
-          </a:solidFill>
-        </p:spPr>
-      </p:pic>
-      <p:sp>
-        <p:nvSpPr>
-          <p:cNvPr id="1182" name="도형 192"/>
-          <p:cNvSpPr>
-            <a:spLocks/>
-          </p:cNvSpPr>
-          <p:nvPr/>
-        </p:nvSpPr>
-        <p:spPr>
-          <a:xfrm rot="0">
-            <a:off x="7174865" y="1549400"/>
-            <a:ext cx="3018155" cy="515620"/>
-          </a:xfrm>
-          <a:prstGeom prst="curvedDownArrow"/>
-        </p:spPr>
-        <p:style>
-          <a:lnRef idx="2">
-            <a:schemeClr val="accent1">
-              <a:shade val="50000"/>
-            </a:schemeClr>
-          </a:lnRef>
-          <a:fillRef idx="1">
-            <a:schemeClr val="accent1"/>
-          </a:fillRef>
-          <a:effectRef idx="0">
-            <a:schemeClr val="accent1"/>
-          </a:effectRef>
-          <a:fontRef idx="minor">
-            <a:schemeClr val="lt1"/>
-          </a:fontRef>
-        </p:style>
-        <p:txBody>
-          <a:bodyPr wrap="square" lIns="91440" tIns="45720" rIns="91440" bIns="45720" vert="horz" anchor="ctr">
-            <a:noAutofit/>
-          </a:bodyPr>
-          <a:lstStyle/>
-          <a:p>
-            <a:pPr marL="0" indent="0" algn="ctr" hangingPunct="1"/>
-            <a:endParaRPr lang="ko-KR" altLang="en-US" sz="1800">
-              <a:latin typeface="맑은 고딕" charset="0"/>
-              <a:ea typeface="맑은 고딕" charset="0"/>
-            </a:endParaRPr>
-          </a:p>
-        </p:txBody>
-      </p:sp>
-      <p:sp>
-        <p:nvSpPr>
-          <p:cNvPr id="1183" name="도형 193"/>
-          <p:cNvSpPr>
-            <a:spLocks/>
-          </p:cNvSpPr>
-          <p:nvPr/>
-        </p:nvSpPr>
-        <p:spPr>
-          <a:xfrm rot="0">
-            <a:off x="7174865" y="2319655"/>
-            <a:ext cx="3018155" cy="515620"/>
-          </a:xfrm>
-          <a:prstGeom prst="curvedDownArrow"/>
-        </p:spPr>
-        <p:style>
-          <a:lnRef idx="2">
-            <a:schemeClr val="accent1">
-              <a:shade val="50000"/>
-            </a:schemeClr>
-          </a:lnRef>
-          <a:fillRef idx="1">
-            <a:schemeClr val="accent1"/>
-          </a:fillRef>
-          <a:effectRef idx="0">
-            <a:schemeClr val="accent1"/>
-          </a:effectRef>
-          <a:fontRef idx="minor">
-            <a:schemeClr val="lt1"/>
-          </a:fontRef>
-        </p:style>
-        <p:txBody>
-          <a:bodyPr wrap="square" lIns="91440" tIns="45720" rIns="91440" bIns="45720" vert="horz" anchor="ctr">
-            <a:noAutofit/>
-          </a:bodyPr>
-          <a:lstStyle/>
-          <a:p>
-            <a:pPr marL="0" indent="0" algn="ctr" hangingPunct="1"/>
-            <a:endParaRPr lang="ko-KR" altLang="en-US" sz="1800">
-              <a:latin typeface="맑은 고딕" charset="0"/>
-              <a:ea typeface="맑은 고딕" charset="0"/>
-            </a:endParaRPr>
-          </a:p>
-        </p:txBody>
-      </p:sp>
-      <p:sp>
-        <p:nvSpPr>
-          <p:cNvPr id="1188" name="텍스트 상자 204"/>
+      <p:sp>
+        <p:nvSpPr>
+          <p:cNvPr id="1169" name="텍스트 상자 208"/>
           <p:cNvSpPr txBox="1">
             <a:spLocks/>
           </p:cNvSpPr>
           <p:nvPr/>
         </p:nvSpPr>
         <p:spPr>
-          <a:xfrm rot="0">
-            <a:off x="1184275" y="5262880"/>
-            <a:ext cx="4159885" cy="954405"/>
+          <a:xfrm>
+            <a:off x="1125855" y="4225290"/>
+            <a:ext cx="4248785" cy="2061845"/>
           </a:xfrm>
           <a:prstGeom prst="rect"/>
           <a:noFill/>
@@ -8204,84 +8240,76 @@
                 <a:latin typeface="맑은 고딕" charset="0"/>
                 <a:ea typeface="맑은 고딕" charset="0"/>
               </a:rPr>
-              <a:t>22. </a:t>
+              <a:t>2</a:t>
+            </a:r>
+            <a:r>
+              <a:rPr lang="ko-KR" sz="2000" b="1">
+                <a:solidFill>
+                  <a:srgbClr val="0611F2"/>
+                </a:solidFill>
+                <a:latin typeface="맑은 고딕" charset="0"/>
+                <a:ea typeface="맑은 고딕" charset="0"/>
+              </a:rPr>
+              <a:t>6</a:t>
+            </a:r>
+            <a:r>
+              <a:rPr lang="ko-KR" sz="2000" b="1">
+                <a:solidFill>
+                  <a:srgbClr val="0611F2"/>
+                </a:solidFill>
+                <a:latin typeface="맑은 고딕" charset="0"/>
+                <a:ea typeface="맑은 고딕" charset="0"/>
+              </a:rPr>
+              <a:t>. </a:t>
             </a:r>
             <a:r>
               <a:rPr lang="ko-KR" sz="1800">
                 <a:latin typeface="맑은 고딕" charset="0"/>
                 <a:ea typeface="맑은 고딕" charset="0"/>
               </a:rPr>
-              <a:t>그리고 애니메이션을 선택한 다음 애니메이션 클립 이름을 각각의 애니메이션 이름으로 변경합니다. </a:t>
+              <a:t>마지막으로</a:t>
+            </a:r>
+            <a:r>
+              <a:rPr lang="ko-KR" sz="1800">
+                <a:latin typeface="맑은 고딕" charset="0"/>
+                <a:ea typeface="맑은 고딕" charset="0"/>
+              </a:rPr>
+              <a:t> Running Animation과 Kick 애니메이션을 선택하고 Make Transition을 생성합니다.</a:t>
             </a:r>
             <a:endParaRPr lang="ko-KR" altLang="en-US" sz="1800">
               <a:latin typeface="맑은 고딕" charset="0"/>
               <a:ea typeface="맑은 고딕" charset="0"/>
             </a:endParaRPr>
           </a:p>
-        </p:txBody>
-      </p:sp>
-      <p:pic>
-        <p:nvPicPr>
-          <p:cNvPr id="1190" name="그림 20" descr="C:/Users/Admin1/AppData/Roaming/PolarisOffice/ETemp/9880_20815312/fImage185935541.png"/>
-          <p:cNvPicPr>
-            <a:picLocks noChangeAspect="1"/>
-          </p:cNvPicPr>
-          <p:nvPr/>
-        </p:nvPicPr>
-        <p:blipFill rotWithShape="1">
-          <a:blip r:embed="rId14" cstate="print">
-            <a:extLst>
-              <a:ext uri="{28A0092B-C50C-407E-A947-70E740481C1C}">
-                <a14:useLocalDpi xmlns:a14="http://schemas.microsoft.com/office/drawing/2010/main" val="0"/>
-              </a:ext>
-            </a:extLst>
-          </a:blip>
-          <a:stretch>
-            <a:fillRect/>
-          </a:stretch>
-        </p:blipFill>
-        <p:spPr>
-          <a:xfrm rot="0">
-            <a:off x="1162050" y="4476750"/>
-            <a:ext cx="4182110" cy="648335"/>
-          </a:xfrm>
-          <a:prstGeom prst="roundRect"/>
-          <a:solidFill>
-            <a:srgbClr val="EDEDED"/>
-          </a:solidFill>
-        </p:spPr>
-      </p:pic>
-      <p:pic>
-        <p:nvPicPr>
-          <p:cNvPr id="1191" name="그림 23" descr="C:/Users/Admin1/AppData/Roaming/PolarisOffice/ETemp/9880_20815312/fImage18583568467.png"/>
-          <p:cNvPicPr>
-            <a:picLocks noChangeAspect="1"/>
-          </p:cNvPicPr>
-          <p:nvPr/>
-        </p:nvPicPr>
-        <p:blipFill rotWithShape="1">
-          <a:blip r:embed="rId15" cstate="print">
-            <a:extLst>
-              <a:ext uri="{28A0092B-C50C-407E-A947-70E740481C1C}">
-                <a14:useLocalDpi xmlns:a14="http://schemas.microsoft.com/office/drawing/2010/main" val="0"/>
-              </a:ext>
-            </a:extLst>
-          </a:blip>
-          <a:stretch>
-            <a:fillRect/>
-          </a:stretch>
-        </p:blipFill>
-        <p:spPr>
-          <a:xfrm rot="0">
-            <a:off x="1181100" y="3590925"/>
-            <a:ext cx="4163060" cy="657860"/>
-          </a:xfrm>
-          <a:prstGeom prst="roundRect"/>
-          <a:solidFill>
-            <a:srgbClr val="EDEDED"/>
-          </a:solidFill>
-        </p:spPr>
-      </p:pic>
+          <a:p>
+            <a:pPr marL="0" indent="0" algn="l" latinLnBrk="0" hangingPunct="1">
+              <a:buFontTx/>
+              <a:buNone/>
+            </a:pPr>
+            <a:endParaRPr lang="ko-KR" altLang="en-US" sz="1800">
+              <a:latin typeface="맑은 고딕" charset="0"/>
+              <a:ea typeface="맑은 고딕" charset="0"/>
+            </a:endParaRPr>
+          </a:p>
+          <a:p>
+            <a:pPr marL="0" indent="0" algn="l" latinLnBrk="0" hangingPunct="1">
+              <a:buFontTx/>
+              <a:buNone/>
+            </a:pPr>
+            <a:r>
+              <a:rPr lang="ko-KR" sz="1800">
+                <a:latin typeface="맑은 고딕" charset="0"/>
+                <a:ea typeface="맑은 고딕" charset="0"/>
+              </a:rPr>
+              <a:t>그리고 Idle 애니메이션으로 연결하면 애니메이션이 끝났을 때 자동으로 Idle 애니메이션으로 돌아가도록 설정됩니다.</a:t>
+            </a:r>
+            <a:endParaRPr lang="ko-KR" altLang="en-US" sz="1800">
+              <a:latin typeface="맑은 고딕" charset="0"/>
+              <a:ea typeface="맑은 고딕" charset="0"/>
+            </a:endParaRPr>
+          </a:p>
+        </p:txBody>
+      </p:sp>
     </p:spTree>
   </p:cSld>
   <p:clrMapOvr>
@@ -8324,7 +8352,7 @@
       </p:grpSpPr>
       <p:sp>
         <p:nvSpPr>
-          <p:cNvPr id="1154" name="Rect 0"/>
+          <p:cNvPr id="1115" name="Rect 0"/>
           <p:cNvSpPr txBox="1">
             <a:spLocks/>
           </p:cNvSpPr>
@@ -8332,8 +8360,110 @@
         </p:nvSpPr>
         <p:spPr>
           <a:xfrm rot="0">
-            <a:off x="4915535" y="408940"/>
-            <a:ext cx="2371725" cy="554990"/>
+            <a:off x="1351280" y="3894455"/>
+            <a:ext cx="4017645" cy="2308225"/>
+          </a:xfrm>
+          <a:prstGeom prst="rect"/>
+          <a:noFill/>
+          <a:ln w="0">
+            <a:noFill/>
+            <a:prstDash/>
+          </a:ln>
+        </p:spPr>
+        <p:txBody>
+          <a:bodyPr wrap="square" lIns="89535" tIns="46355" rIns="89535" bIns="46355" numCol="1" vert="horz" anchor="t">
+            <a:spAutoFit/>
+          </a:bodyPr>
+          <a:lstStyle/>
+          <a:p>
+            <a:pPr marL="0" indent="0" algn="l" latinLnBrk="0" hangingPunct="1">
+              <a:buFontTx/>
+              <a:buNone/>
+            </a:pPr>
+            <a:r>
+              <a:rPr lang="ko-KR" sz="1800">
+                <a:latin typeface="맑은 고딕" charset="0"/>
+                <a:ea typeface="맑은 고딕" charset="0"/>
+              </a:rPr>
+              <a:t>메카님 애니메이션이란?</a:t>
+            </a:r>
+            <a:endParaRPr lang="ko-KR" altLang="en-US" sz="1800">
+              <a:latin typeface="맑은 고딕" charset="0"/>
+              <a:ea typeface="맑은 고딕" charset="0"/>
+            </a:endParaRPr>
+          </a:p>
+          <a:p>
+            <a:pPr marL="0" indent="0" algn="l" latinLnBrk="0" hangingPunct="1">
+              <a:buFontTx/>
+              <a:buNone/>
+            </a:pPr>
+            <a:r>
+              <a:rPr lang="ko-KR" sz="1800">
+                <a:latin typeface="맑은 고딕" charset="0"/>
+                <a:ea typeface="맑은 고딕" charset="0"/>
+              </a:rPr>
+              <a:t>애니메이션의 전환 방식이 스테이트 머신으로 동작하는 애니메이션입니다.</a:t>
+            </a:r>
+            <a:endParaRPr lang="ko-KR" altLang="en-US" sz="1800">
+              <a:latin typeface="맑은 고딕" charset="0"/>
+              <a:ea typeface="맑은 고딕" charset="0"/>
+            </a:endParaRPr>
+          </a:p>
+          <a:p>
+            <a:pPr marL="0" indent="0" algn="l" latinLnBrk="0" hangingPunct="1">
+              <a:buFontTx/>
+              <a:buNone/>
+            </a:pPr>
+            <a:endParaRPr lang="ko-KR" altLang="en-US" sz="1800">
+              <a:latin typeface="맑은 고딕" charset="0"/>
+              <a:ea typeface="맑은 고딕" charset="0"/>
+            </a:endParaRPr>
+          </a:p>
+          <a:p>
+            <a:pPr marL="0" indent="0" algn="l" latinLnBrk="0" hangingPunct="1">
+              <a:buFontTx/>
+              <a:buNone/>
+            </a:pPr>
+            <a:r>
+              <a:rPr lang="ko-KR" sz="1800">
+                <a:latin typeface="맑은 고딕" charset="0"/>
+                <a:ea typeface="맑은 고딕" charset="0"/>
+              </a:rPr>
+              <a:t>그리고 애니메이션을 연결하는 트랜지션은 또 다른 애니메이션으로 </a:t>
+            </a:r>
+            <a:r>
+              <a:rPr lang="ko-KR" sz="1800">
+                <a:latin typeface="맑은 고딕" charset="0"/>
+                <a:ea typeface="맑은 고딕" charset="0"/>
+              </a:rPr>
+              <a:t>상태를 </a:t>
+            </a:r>
+            <a:r>
+              <a:rPr lang="ko-KR" sz="1800">
+                <a:latin typeface="맑은 고딕" charset="0"/>
+                <a:ea typeface="맑은 고딕" charset="0"/>
+              </a:rPr>
+              <a:t>전이하기 위해 설정하는 것입니다.</a:t>
+            </a:r>
+            <a:endParaRPr lang="ko-KR" altLang="en-US" sz="1800">
+              <a:latin typeface="맑은 고딕" charset="0"/>
+              <a:ea typeface="맑은 고딕" charset="0"/>
+            </a:endParaRPr>
+          </a:p>
+        </p:txBody>
+      </p:sp>
+      <p:sp>
+        <p:nvSpPr>
+          <p:cNvPr id="1130" name="텍스트 상자 209"/>
+          <p:cNvSpPr txBox="1">
+            <a:spLocks/>
+          </p:cNvSpPr>
+          <p:nvPr/>
+        </p:nvSpPr>
+        <p:spPr>
+          <a:xfrm rot="0">
+            <a:off x="4801235" y="461010"/>
+            <a:ext cx="2594610" cy="554990"/>
           </a:xfrm>
           <a:prstGeom prst="rect"/>
           <a:noFill/>
@@ -8374,7 +8504,7 @@
       </p:sp>
       <p:sp>
         <p:nvSpPr>
-          <p:cNvPr id="1157" name="Rect 0"/>
+          <p:cNvPr id="1132" name="텍스트 상자 41"/>
           <p:cNvSpPr txBox="1">
             <a:spLocks/>
           </p:cNvSpPr>
@@ -8382,8 +8512,8 @@
         </p:nvSpPr>
         <p:spPr>
           <a:xfrm rot="0">
-            <a:off x="6844665" y="4220845"/>
-            <a:ext cx="4183380" cy="2061845"/>
+            <a:off x="6797675" y="4693285"/>
+            <a:ext cx="4201160" cy="1508125"/>
           </a:xfrm>
           <a:prstGeom prst="rect"/>
           <a:noFill/>
@@ -8410,14 +8540,41 @@
                 <a:latin typeface="맑은 고딕" charset="0"/>
                 <a:ea typeface="맑은 고딕" charset="0"/>
               </a:rPr>
-              <a:t>25. </a:t>
+              <a:t>2</a:t>
+            </a:r>
+            <a:r>
+              <a:rPr lang="ko-KR" sz="2000" b="1">
+                <a:solidFill>
+                  <a:srgbClr val="0611F2"/>
+                </a:solidFill>
+                <a:latin typeface="맑은 고딕" charset="0"/>
+                <a:ea typeface="맑은 고딕" charset="0"/>
+              </a:rPr>
+              <a:t>8</a:t>
+            </a:r>
+            <a:r>
+              <a:rPr lang="ko-KR" sz="2000" b="1">
+                <a:solidFill>
+                  <a:srgbClr val="0611F2"/>
+                </a:solidFill>
+                <a:latin typeface="맑은 고딕" charset="0"/>
+                <a:ea typeface="맑은 고딕" charset="0"/>
+              </a:rPr>
+              <a:t>. </a:t>
             </a:r>
             <a:r>
               <a:rPr lang="ko-KR" sz="1800">
                 <a:latin typeface="맑은 고딕" charset="0"/>
                 <a:ea typeface="맑은 고딕" charset="0"/>
               </a:rPr>
-              <a:t>그다음 AnimationAction 스크립트를 선택하고 애니메이터 컴포넌트를 가져올 수 있는 애니메이터 변수를 선언합니다.</a:t>
+              <a:t>이제</a:t>
+            </a:r>
+            <a:r>
+              <a:rPr lang="ko-KR" sz="1800">
+                <a:latin typeface="맑은 고딕" charset="0"/>
+                <a:ea typeface="맑은 고딕" charset="0"/>
+              </a:rPr>
+              <a:t> Animation Action 오브젝트를 선택합니다.</a:t>
             </a:r>
             <a:endParaRPr lang="ko-KR" altLang="en-US" sz="1800">
               <a:latin typeface="맑은 고딕" charset="0"/>
@@ -8444,7 +8601,14 @@
                 <a:latin typeface="맑은 고딕" charset="0"/>
                 <a:ea typeface="맑은 고딕" charset="0"/>
               </a:rPr>
-              <a:t>그리고 애니메이션을 실행시킬 수 있는 함수를 생성합니다.</a:t>
+              <a:t>그리고</a:t>
+            </a:r>
+            <a:r>
+              <a:rPr lang="ko-KR" sz="1800">
+                <a:latin typeface="맑은 고딕" charset="0"/>
+                <a:ea typeface="맑은 고딕" charset="0"/>
+              </a:rPr>
+              <a:t> Animator 컴포넌트에 Dreyar By M.Aure 캐릭터 오브젝트를 넣어줍니다.</a:t>
             </a:r>
             <a:endParaRPr lang="ko-KR" altLang="en-US" sz="1800">
               <a:latin typeface="맑은 고딕" charset="0"/>
@@ -8455,14 +8619,14 @@
       </p:sp>
       <p:pic>
         <p:nvPicPr>
-          <p:cNvPr id="1165" name="Picture " descr="C:/Users/Admin1/AppData/Roaming/PolarisOffice/ETemp/8732_13555696/fImage45714593811.png"/>
+          <p:cNvPr id="1133" name="그림 42" descr="C:/Users/Admin1/AppData/Roaming/PolarisOffice/ETemp/7956_23580608/fImage169704987673.png"/>
           <p:cNvPicPr>
             <a:picLocks noChangeAspect="1"/>
           </p:cNvPicPr>
           <p:nvPr/>
         </p:nvPicPr>
         <p:blipFill rotWithShape="1">
-          <a:blip r:embed="rId2" cstate="hqprint">
+          <a:blip r:embed="rId23" cstate="hqprint">
             <a:extLst>
               <a:ext uri="{28A0092B-C50C-407E-A947-70E740481C1C}">
                 <a14:useLocalDpi xmlns:a14="http://schemas.microsoft.com/office/drawing/2010/main"/>
@@ -8475,28 +8639,26 @@
         </p:blipFill>
         <p:spPr>
           <a:xfrm rot="0">
-            <a:off x="6838950" y="1485900"/>
-            <a:ext cx="4180840" cy="2632075"/>
-          </a:xfrm>
-          <a:prstGeom prst="roundRect"/>
-          <a:solidFill>
-            <a:srgbClr val="EDEDED"/>
-          </a:solidFill>
+            <a:off x="8113395" y="1411605"/>
+            <a:ext cx="2890520" cy="3145155"/>
+          </a:xfrm>
+          <a:prstGeom prst="rect"/>
+          <a:noFill/>
         </p:spPr>
       </p:pic>
       <p:pic>
         <p:nvPicPr>
-          <p:cNvPr id="1168" name="그림 205"/>
+          <p:cNvPr id="1136" name="그림 33" descr="C:/Users/Admin1/AppData/Roaming/PolarisOffice/ETemp/7956_23580608/fImage64442294464.png"/>
           <p:cNvPicPr>
             <a:picLocks noChangeAspect="1"/>
           </p:cNvPicPr>
           <p:nvPr/>
         </p:nvPicPr>
         <p:blipFill rotWithShape="1">
-          <a:blip r:embed="rId4" cstate="hqprint">
+          <a:blip r:embed="rId25" cstate="print">
             <a:extLst>
               <a:ext uri="{28A0092B-C50C-407E-A947-70E740481C1C}">
-                <a14:useLocalDpi xmlns:a14="http://schemas.microsoft.com/office/drawing/2010/main"/>
+                <a14:useLocalDpi xmlns:a14="http://schemas.microsoft.com/office/drawing/2010/main" val="0"/>
               </a:ext>
             </a:extLst>
           </a:blip>
@@ -8506,8 +8668,8 @@
         </p:blipFill>
         <p:spPr>
           <a:xfrm rot="0">
-            <a:off x="1123950" y="1476375"/>
-            <a:ext cx="4250055" cy="2640965"/>
+            <a:off x="6806565" y="2113280"/>
+            <a:ext cx="1143635" cy="1792605"/>
           </a:xfrm>
           <a:prstGeom prst="roundRect"/>
           <a:solidFill>
@@ -8515,87 +8677,69 @@
           </a:solidFill>
         </p:spPr>
       </p:pic>
-      <p:sp>
-        <p:nvSpPr>
-          <p:cNvPr id="1169" name="텍스트 상자 208"/>
-          <p:cNvSpPr txBox="1">
-            <a:spLocks/>
-          </p:cNvSpPr>
+      <p:cxnSp>
+        <p:nvCxnSpPr>
+          <p:cNvPr id="1135" name="도형 44"/>
+          <p:cNvCxnSpPr/>
           <p:nvPr/>
-        </p:nvSpPr>
-        <p:spPr>
-          <a:xfrm rot="0">
-            <a:off x="1125855" y="4225290"/>
-            <a:ext cx="4248150" cy="2063115"/>
-          </a:xfrm>
-          <a:prstGeom prst="rect"/>
-          <a:noFill/>
-          <a:ln w="0">
-            <a:noFill/>
+        </p:nvCxnSpPr>
+        <p:spPr>
+          <a:xfrm rot="0">
+            <a:off x="7931785" y="3342640"/>
+            <a:ext cx="2967990" cy="956310"/>
+          </a:xfrm>
+          <a:prstGeom prst="straightConnector1"/>
+          <a:ln w="19050" cap="flat" cmpd="sng">
             <a:prstDash/>
+            <a:tailEnd type="triangle" w="med" len="med"/>
           </a:ln>
         </p:spPr>
-        <p:txBody>
-          <a:bodyPr wrap="square" lIns="89535" tIns="46355" rIns="89535" bIns="46355" numCol="1" vert="horz" anchor="t">
-            <a:spAutoFit/>
-          </a:bodyPr>
-          <a:lstStyle/>
-          <a:p>
-            <a:pPr marL="0" indent="0" algn="l" latinLnBrk="0" hangingPunct="1">
-              <a:buFontTx/>
-              <a:buNone/>
-            </a:pPr>
-            <a:r>
-              <a:rPr lang="ko-KR" sz="2000" b="1">
-                <a:solidFill>
-                  <a:srgbClr val="0611F2"/>
-                </a:solidFill>
-                <a:latin typeface="맑은 고딕" charset="0"/>
-                <a:ea typeface="맑은 고딕" charset="0"/>
-              </a:rPr>
-              <a:t>24. </a:t>
-            </a:r>
-            <a:r>
-              <a:rPr lang="ko-KR" sz="1800">
-                <a:latin typeface="맑은 고딕" charset="0"/>
-                <a:ea typeface="맑은 고딕" charset="0"/>
-              </a:rPr>
-              <a:t>그런 다음 Running Animation과 Kick 애니메이션을 선택하고 Make Transition을 생성합니다.</a:t>
-            </a:r>
-            <a:endParaRPr lang="ko-KR" altLang="en-US" sz="1800">
-              <a:latin typeface="맑은 고딕" charset="0"/>
-              <a:ea typeface="맑은 고딕" charset="0"/>
-            </a:endParaRPr>
-          </a:p>
-          <a:p>
-            <a:pPr marL="0" indent="0" algn="l" latinLnBrk="0" hangingPunct="1">
-              <a:buFontTx/>
-              <a:buNone/>
-            </a:pPr>
-            <a:endParaRPr lang="ko-KR" altLang="en-US" sz="1800">
-              <a:latin typeface="맑은 고딕" charset="0"/>
-              <a:ea typeface="맑은 고딕" charset="0"/>
-            </a:endParaRPr>
-          </a:p>
-          <a:p>
-            <a:pPr marL="0" indent="0" algn="l" latinLnBrk="0" hangingPunct="1">
-              <a:buFontTx/>
-              <a:buNone/>
-            </a:pPr>
-            <a:r>
-              <a:rPr lang="ko-KR" sz="1800">
-                <a:latin typeface="맑은 고딕" charset="0"/>
-                <a:ea typeface="맑은 고딕" charset="0"/>
-              </a:rPr>
-              <a:t>그리고 Idle 애니메이션으로 연결하면 애니메이션이 끝났을 때 자동으로 Idle 애니메이션으로 돌아가도록 설정됩니다.</a:t>
-            </a:r>
-            <a:endParaRPr lang="ko-KR" altLang="en-US" sz="1800">
-              <a:latin typeface="맑은 고딕" charset="0"/>
-              <a:ea typeface="맑은 고딕" charset="0"/>
-            </a:endParaRPr>
-          </a:p>
-        </p:txBody>
-      </p:sp>
+        <p:style>
+          <a:lnRef idx="3">
+            <a:schemeClr val="accent2"/>
+          </a:lnRef>
+          <a:fillRef idx="0">
+            <a:schemeClr val="accent2"/>
+          </a:fillRef>
+          <a:effectRef idx="2">
+            <a:schemeClr val="accent2"/>
+          </a:effectRef>
+          <a:fontRef idx="minor">
+            <a:schemeClr val="tx1"/>
+          </a:fontRef>
+        </p:style>
+      </p:cxnSp>
+      <p:pic>
+        <p:nvPicPr>
+          <p:cNvPr id="1137" name="그림 67" descr="C:/Users/Admin1/AppData/Roaming/PolarisOffice/ETemp/7956_23580608/fImage109342515705.png"/>
+          <p:cNvPicPr>
+            <a:picLocks noChangeAspect="1"/>
+          </p:cNvPicPr>
+          <p:nvPr/>
+        </p:nvPicPr>
+        <p:blipFill rotWithShape="1">
+          <a:blip r:embed="rId26" cstate="print">
+            <a:extLst>
+              <a:ext uri="{28A0092B-C50C-407E-A947-70E740481C1C}">
+                <a14:useLocalDpi xmlns:a14="http://schemas.microsoft.com/office/drawing/2010/main" val="0"/>
+              </a:ext>
+            </a:extLst>
+          </a:blip>
+          <a:stretch>
+            <a:fillRect/>
+          </a:stretch>
+        </p:blipFill>
+        <p:spPr>
+          <a:xfrm rot="0">
+            <a:off x="1342390" y="1411605"/>
+            <a:ext cx="4027170" cy="2338705"/>
+          </a:xfrm>
+          <a:prstGeom prst="roundRect"/>
+          <a:solidFill>
+            <a:srgbClr val="EDEDED"/>
+          </a:solidFill>
+        </p:spPr>
+      </p:pic>
     </p:spTree>
   </p:cSld>
   <p:clrMapOvr>
@@ -8638,7 +8782,7 @@
       </p:grpSpPr>
       <p:sp>
         <p:nvSpPr>
-          <p:cNvPr id="1115" name="Rect 0"/>
+          <p:cNvPr id="1127" name="Rect 0"/>
           <p:cNvSpPr txBox="1">
             <a:spLocks/>
           </p:cNvSpPr>
@@ -8646,8 +8790,8 @@
         </p:nvSpPr>
         <p:spPr>
           <a:xfrm rot="0">
-            <a:off x="1247775" y="5280025"/>
-            <a:ext cx="4129405" cy="923925"/>
+            <a:off x="1377950" y="4867910"/>
+            <a:ext cx="3996690" cy="1231265"/>
           </a:xfrm>
           <a:prstGeom prst="rect"/>
           <a:noFill/>
@@ -8667,11 +8811,69 @@
               <a:buNone/>
             </a:pPr>
             <a:r>
+              <a:rPr lang="ko-KR" sz="2000" b="1">
+                <a:solidFill>
+                  <a:srgbClr val="0611F2"/>
+                </a:solidFill>
+                <a:latin typeface="맑은 고딕" charset="0"/>
+                <a:ea typeface="맑은 고딕" charset="0"/>
+              </a:rPr>
+              <a:t>2</a:t>
+            </a:r>
+            <a:r>
+              <a:rPr lang="ko-KR" sz="2000" b="1">
+                <a:solidFill>
+                  <a:srgbClr val="0611F2"/>
+                </a:solidFill>
+                <a:latin typeface="맑은 고딕" charset="0"/>
+                <a:ea typeface="맑은 고딕" charset="0"/>
+              </a:rPr>
+              <a:t>9</a:t>
+            </a:r>
+            <a:r>
+              <a:rPr lang="ko-KR" sz="2000" b="1">
+                <a:solidFill>
+                  <a:srgbClr val="0611F2"/>
+                </a:solidFill>
+                <a:latin typeface="맑은 고딕" charset="0"/>
+                <a:ea typeface="맑은 고딕" charset="0"/>
+              </a:rPr>
+              <a:t>. </a:t>
+            </a:r>
+            <a:r>
               <a:rPr lang="ko-KR" sz="1800">
                 <a:latin typeface="맑은 고딕" charset="0"/>
                 <a:ea typeface="맑은 고딕" charset="0"/>
               </a:rPr>
-              <a:t>트랜지션은 애니메이션의 상태를 특정한 방향으로 결정하여 상태를 이어주는 것입니다.</a:t>
+              <a:t>그런 다음 Button을 2개 생성</a:t>
+            </a:r>
+            <a:r>
+              <a:rPr lang="ko-KR" sz="1800">
+                <a:latin typeface="맑은 고딕" charset="0"/>
+                <a:ea typeface="맑은 고딕" charset="0"/>
+              </a:rPr>
+              <a:t>한 다음</a:t>
+            </a:r>
+            <a:r>
+              <a:rPr lang="ko-KR" sz="1800">
+                <a:latin typeface="맑은 고딕" charset="0"/>
+                <a:ea typeface="맑은 고딕" charset="0"/>
+              </a:rPr>
+              <a:t> 각각의 버튼 이름을 Kick Button과 Running Button</a:t>
+            </a:r>
+            <a:r>
+              <a:rPr lang="ko-KR" sz="1800">
+                <a:latin typeface="맑은 고딕" charset="0"/>
+                <a:ea typeface="맑은 고딕" charset="0"/>
+              </a:rPr>
+              <a:t>이라는 이름으로</a:t>
+            </a:r>
+            <a:r>
+              <a:rPr lang="ko-KR" sz="1800">
+                <a:latin typeface="맑은 고딕" charset="0"/>
+                <a:ea typeface="맑은 고딕" charset="0"/>
+              </a:rPr>
+              <a:t> 정의합니다.</a:t>
             </a:r>
             <a:endParaRPr lang="ko-KR" altLang="en-US" sz="1800">
               <a:latin typeface="맑은 고딕" charset="0"/>
@@ -8682,16 +8884,16 @@
       </p:sp>
       <p:sp>
         <p:nvSpPr>
-          <p:cNvPr id="1130" name="텍스트 상자 209"/>
+          <p:cNvPr id="1130" name="Rect 0"/>
           <p:cNvSpPr txBox="1">
             <a:spLocks/>
           </p:cNvSpPr>
           <p:nvPr/>
         </p:nvSpPr>
         <p:spPr>
-          <a:xfrm rot="0">
+          <a:xfrm>
             <a:off x="4705985" y="408940"/>
-            <a:ext cx="2781300" cy="554990"/>
+            <a:ext cx="2781935" cy="554990"/>
           </a:xfrm>
           <a:prstGeom prst="rect"/>
           <a:noFill/>
@@ -8718,7 +8920,27 @@
                 <a:latin typeface="맑은 고딕" charset="0"/>
                 <a:ea typeface="맑은 고딕" charset="0"/>
               </a:rPr>
-              <a:t>열한 번째 과정</a:t>
+              <a:t>열</a:t>
+            </a:r>
+            <a:r>
+              <a:rPr lang="ko-KR" altLang="en-US" sz="3000" b="1">
+                <a:solidFill>
+                  <a:schemeClr val="tx1"/>
+                </a:solidFill>
+                <a:latin typeface="맑은 고딕" charset="0"/>
+                <a:ea typeface="맑은 고딕" charset="0"/>
+              </a:rPr>
+              <a:t>한</a:t>
+            </a:r>
+            <a:r>
+              <a:rPr lang="ko-KR" altLang="en-US" sz="3000" b="1">
+                <a:solidFill>
+                  <a:schemeClr val="tx1"/>
+                </a:solidFill>
+                <a:latin typeface="맑은 고딕" charset="0"/>
+                <a:ea typeface="맑은 고딕" charset="0"/>
+              </a:rPr>
+              <a:t> 번째 과정</a:t>
             </a:r>
             <a:endParaRPr lang="ko-KR" altLang="en-US" sz="3000" b="1">
               <a:solidFill>
@@ -8732,14 +8954,14 @@
       </p:sp>
       <p:pic>
         <p:nvPicPr>
-          <p:cNvPr id="1131" name="그림 30" descr="C:/Users/Admin1/AppData/Roaming/PolarisOffice/ETemp/8732_13555696/fImage295483705724.jpeg"/>
+          <p:cNvPr id="1134" name="그림 217" descr="C:/Users/Admin1/AppData/Roaming/PolarisOffice/ETemp/7956_23580608/fImage191385015141.png"/>
           <p:cNvPicPr>
             <a:picLocks noChangeAspect="1"/>
           </p:cNvPicPr>
           <p:nvPr/>
         </p:nvPicPr>
         <p:blipFill rotWithShape="1">
-          <a:blip r:embed="rId22" cstate="hqprint">
+          <a:blip r:embed="rId4" cstate="hqprint">
             <a:extLst>
               <a:ext uri="{28A0092B-C50C-407E-A947-70E740481C1C}">
                 <a14:useLocalDpi xmlns:a14="http://schemas.microsoft.com/office/drawing/2010/main"/>
@@ -8752,8 +8974,8 @@
         </p:blipFill>
         <p:spPr>
           <a:xfrm rot="0">
-            <a:off x="1247775" y="1476375"/>
-            <a:ext cx="4125595" cy="3670300"/>
+            <a:off x="1377315" y="1385570"/>
+            <a:ext cx="2734945" cy="3304540"/>
           </a:xfrm>
           <a:prstGeom prst="roundRect"/>
           <a:solidFill>
@@ -8761,100 +8983,19 @@
           </a:solidFill>
         </p:spPr>
       </p:pic>
-      <p:sp>
-        <p:nvSpPr>
-          <p:cNvPr id="1132" name="텍스트 상자 41"/>
-          <p:cNvSpPr txBox="1">
-            <a:spLocks/>
-          </p:cNvSpPr>
-          <p:nvPr/>
-        </p:nvSpPr>
-        <p:spPr>
-          <a:xfrm rot="0">
-            <a:off x="6678295" y="4693285"/>
-            <a:ext cx="4319905" cy="1509395"/>
-          </a:xfrm>
-          <a:prstGeom prst="rect"/>
-          <a:noFill/>
-          <a:ln w="0">
-            <a:noFill/>
-            <a:prstDash/>
-          </a:ln>
-        </p:spPr>
-        <p:txBody>
-          <a:bodyPr wrap="square" lIns="89535" tIns="46355" rIns="89535" bIns="46355" numCol="1" vert="horz" anchor="t">
-            <a:spAutoFit/>
-          </a:bodyPr>
-          <a:lstStyle/>
-          <a:p>
-            <a:pPr marL="0" indent="0" algn="l" latinLnBrk="0" hangingPunct="1">
-              <a:buFontTx/>
-              <a:buNone/>
-            </a:pPr>
-            <a:r>
-              <a:rPr lang="ko-KR" sz="2000" b="1">
-                <a:solidFill>
-                  <a:srgbClr val="0611F2"/>
-                </a:solidFill>
-                <a:latin typeface="맑은 고딕" charset="0"/>
-                <a:ea typeface="맑은 고딕" charset="0"/>
-              </a:rPr>
-              <a:t>26. </a:t>
-            </a:r>
-            <a:r>
-              <a:rPr lang="ko-KR" sz="1800">
-                <a:latin typeface="맑은 고딕" charset="0"/>
-                <a:ea typeface="맑은 고딕" charset="0"/>
-              </a:rPr>
-              <a:t>그다음 Animation Action 게임 오브젝트를 선택합니다.</a:t>
-            </a:r>
-            <a:endParaRPr lang="ko-KR" altLang="en-US" sz="1800">
-              <a:latin typeface="맑은 고딕" charset="0"/>
-              <a:ea typeface="맑은 고딕" charset="0"/>
-            </a:endParaRPr>
-          </a:p>
-          <a:p>
-            <a:pPr marL="0" indent="0" algn="l" latinLnBrk="0" hangingPunct="1">
-              <a:buFontTx/>
-              <a:buNone/>
-            </a:pPr>
-            <a:endParaRPr lang="ko-KR" altLang="en-US" sz="1800">
-              <a:latin typeface="맑은 고딕" charset="0"/>
-              <a:ea typeface="맑은 고딕" charset="0"/>
-            </a:endParaRPr>
-          </a:p>
-          <a:p>
-            <a:pPr marL="0" indent="0" algn="l" latinLnBrk="0" hangingPunct="1">
-              <a:buFontTx/>
-              <a:buNone/>
-            </a:pPr>
-            <a:r>
-              <a:rPr lang="ko-KR" sz="1800">
-                <a:latin typeface="맑은 고딕" charset="0"/>
-                <a:ea typeface="맑은 고딕" charset="0"/>
-              </a:rPr>
-              <a:t>그리고 Animator 컴포넌트에 Dreyar By M.Aure 캐릭터 오브젝트를 넣어줍니다.</a:t>
-            </a:r>
-            <a:endParaRPr lang="ko-KR" altLang="en-US" sz="1800">
-              <a:latin typeface="맑은 고딕" charset="0"/>
-              <a:ea typeface="맑은 고딕" charset="0"/>
-            </a:endParaRPr>
-          </a:p>
-        </p:txBody>
-      </p:sp>
       <p:pic>
         <p:nvPicPr>
-          <p:cNvPr id="1133" name="그림 42" descr="C:/Users/Admin1/AppData/Roaming/PolarisOffice/ETemp/8732_13555696/fImage169704987673.png"/>
+          <p:cNvPr id="1135" name="그림 50" descr="C:/Users/Admin1/AppData/Roaming/PolarisOffice/ETemp/7956_23580608/fImage92502368145.png"/>
           <p:cNvPicPr>
             <a:picLocks noChangeAspect="1"/>
           </p:cNvPicPr>
           <p:nvPr/>
         </p:nvPicPr>
         <p:blipFill rotWithShape="1">
-          <a:blip r:embed="rId23" cstate="hqprint">
+          <a:blip r:embed="rId7" cstate="print">
             <a:extLst>
               <a:ext uri="{28A0092B-C50C-407E-A947-70E740481C1C}">
-                <a14:useLocalDpi xmlns:a14="http://schemas.microsoft.com/office/drawing/2010/main"/>
+                <a14:useLocalDpi xmlns:a14="http://schemas.microsoft.com/office/drawing/2010/main" val="0"/>
               </a:ext>
             </a:extLst>
           </a:blip>
@@ -8864,26 +9005,92 @@
         </p:blipFill>
         <p:spPr>
           <a:xfrm rot="0">
-            <a:off x="8113395" y="1476375"/>
-            <a:ext cx="2889885" cy="3079750"/>
+            <a:off x="4225925" y="2087245"/>
+            <a:ext cx="1154430" cy="2070100"/>
+          </a:xfrm>
+          <a:prstGeom prst="roundRect"/>
+          <a:solidFill>
+            <a:srgbClr val="EDEDED"/>
+          </a:solidFill>
+        </p:spPr>
+      </p:pic>
+      <p:sp>
+        <p:nvSpPr>
+          <p:cNvPr id="1138" name="텍스트 상자 58"/>
+          <p:cNvSpPr txBox="1">
+            <a:spLocks/>
+          </p:cNvSpPr>
+          <p:nvPr/>
+        </p:nvSpPr>
+        <p:spPr>
+          <a:xfrm rot="0">
+            <a:off x="6807835" y="5477510"/>
+            <a:ext cx="4241800" cy="677545"/>
           </a:xfrm>
           <a:prstGeom prst="rect"/>
           <a:noFill/>
-        </p:spPr>
-      </p:pic>
+          <a:ln w="0">
+            <a:noFill/>
+            <a:prstDash/>
+          </a:ln>
+        </p:spPr>
+        <p:txBody>
+          <a:bodyPr wrap="square" lIns="89535" tIns="46355" rIns="89535" bIns="46355" numCol="1" vert="horz" anchor="t">
+            <a:spAutoFit/>
+          </a:bodyPr>
+          <a:lstStyle/>
+          <a:p>
+            <a:pPr marL="0" indent="0" algn="l" latinLnBrk="0" hangingPunct="1">
+              <a:buFontTx/>
+              <a:buNone/>
+            </a:pPr>
+            <a:r>
+              <a:rPr lang="ko-KR" sz="2000" b="1">
+                <a:solidFill>
+                  <a:srgbClr val="0611F2"/>
+                </a:solidFill>
+                <a:latin typeface="맑은 고딕" charset="0"/>
+                <a:ea typeface="맑은 고딕" charset="0"/>
+              </a:rPr>
+              <a:t>30</a:t>
+            </a:r>
+            <a:r>
+              <a:rPr lang="ko-KR" sz="2000" b="1">
+                <a:solidFill>
+                  <a:srgbClr val="0611F2"/>
+                </a:solidFill>
+                <a:latin typeface="맑은 고딕" charset="0"/>
+                <a:ea typeface="맑은 고딕" charset="0"/>
+              </a:rPr>
+              <a:t>. </a:t>
+            </a:r>
+            <a:r>
+              <a:rPr lang="ko-KR" sz="1800">
+                <a:latin typeface="맑은 고딕" charset="0"/>
+                <a:ea typeface="맑은 고딕" charset="0"/>
+              </a:rPr>
+              <a:t>그리고 Kick Button과 Running Button의 앵커와 위치를 설정합니다.</a:t>
+            </a:r>
+            <a:endParaRPr lang="ko-KR" altLang="en-US" sz="1800">
+              <a:latin typeface="맑은 고딕" charset="0"/>
+              <a:ea typeface="맑은 고딕" charset="0"/>
+            </a:endParaRPr>
+          </a:p>
+        </p:txBody>
+      </p:sp>
       <p:pic>
         <p:nvPicPr>
-          <p:cNvPr id="1134" name="그림 43"/>
+          <p:cNvPr id="1139" name="그림 78" descr="C:/Users/Admin1/AppData/Roaming/PolarisOffice/ETemp/7956_23580608/fImage121153393281.png"/>
           <p:cNvPicPr>
             <a:picLocks noChangeAspect="1"/>
           </p:cNvPicPr>
           <p:nvPr/>
         </p:nvPicPr>
         <p:blipFill rotWithShape="1">
-          <a:blip r:embed="rId24" cstate="hqprint">
+          <a:blip r:embed="rId8" cstate="print">
             <a:extLst>
               <a:ext uri="{28A0092B-C50C-407E-A947-70E740481C1C}">
-                <a14:useLocalDpi xmlns:a14="http://schemas.microsoft.com/office/drawing/2010/main"/>
+                <a14:useLocalDpi xmlns:a14="http://schemas.microsoft.com/office/drawing/2010/main" val="0"/>
               </a:ext>
             </a:extLst>
           </a:blip>
@@ -8893,8 +9100,8 @@
         </p:blipFill>
         <p:spPr>
           <a:xfrm rot="0">
-            <a:off x="6686550" y="2438400"/>
-            <a:ext cx="1219835" cy="1287145"/>
+            <a:off x="6814820" y="1384935"/>
+            <a:ext cx="4234815" cy="1837055"/>
           </a:xfrm>
           <a:prstGeom prst="roundRect"/>
           <a:solidFill>
@@ -8902,38 +9109,37 @@
           </a:solidFill>
         </p:spPr>
       </p:pic>
-      <p:cxnSp>
-        <p:nvCxnSpPr>
-          <p:cNvPr id="1135" name="도형 44"/>
-          <p:cNvCxnSpPr/>
+      <p:pic>
+        <p:nvPicPr>
+          <p:cNvPr id="1140" name="그림 81" descr="C:/Users/Admin1/AppData/Roaming/PolarisOffice/ETemp/7956_23580608/fImage123733406827.png"/>
+          <p:cNvPicPr>
+            <a:picLocks noChangeAspect="1"/>
+          </p:cNvPicPr>
           <p:nvPr/>
-        </p:nvCxnSpPr>
-        <p:spPr>
-          <a:xfrm rot="0">
-            <a:off x="7877175" y="3219450"/>
-            <a:ext cx="3021965" cy="1078865"/>
-          </a:xfrm>
-          <a:prstGeom prst="straightConnector1"/>
-          <a:ln w="19050" cap="flat" cmpd="sng">
-            <a:prstDash/>
-            <a:tailEnd type="triangle" w="med" len="med"/>
-          </a:ln>
-        </p:spPr>
-        <p:style>
-          <a:lnRef idx="3">
-            <a:schemeClr val="accent2"/>
-          </a:lnRef>
-          <a:fillRef idx="0">
-            <a:schemeClr val="accent2"/>
-          </a:fillRef>
-          <a:effectRef idx="2">
-            <a:schemeClr val="accent2"/>
-          </a:effectRef>
-          <a:fontRef idx="minor">
-            <a:schemeClr val="tx1"/>
-          </a:fontRef>
-        </p:style>
-      </p:cxnSp>
+        </p:nvPicPr>
+        <p:blipFill rotWithShape="1">
+          <a:blip r:embed="rId9" cstate="print">
+            <a:extLst>
+              <a:ext uri="{28A0092B-C50C-407E-A947-70E740481C1C}">
+                <a14:useLocalDpi xmlns:a14="http://schemas.microsoft.com/office/drawing/2010/main" val="0"/>
+              </a:ext>
+            </a:extLst>
+          </a:blip>
+          <a:stretch>
+            <a:fillRect/>
+          </a:stretch>
+        </p:blipFill>
+        <p:spPr>
+          <a:xfrm rot="0">
+            <a:off x="6805295" y="3461385"/>
+            <a:ext cx="4253230" cy="1838325"/>
+          </a:xfrm>
+          <a:prstGeom prst="roundRect"/>
+          <a:solidFill>
+            <a:srgbClr val="EDEDED"/>
+          </a:solidFill>
+        </p:spPr>
+      </p:pic>
     </p:spTree>
   </p:cSld>
   <p:clrMapOvr>
@@ -8984,8 +9190,8 @@
         </p:nvSpPr>
         <p:spPr>
           <a:xfrm rot="0">
-            <a:off x="6815455" y="4755515"/>
-            <a:ext cx="3996055" cy="1231265"/>
+            <a:off x="6813550" y="4495800"/>
+            <a:ext cx="4271010" cy="1784985"/>
           </a:xfrm>
           <a:prstGeom prst="rect"/>
           <a:noFill/>
@@ -9012,20 +9218,127 @@
                 <a:latin typeface="맑은 고딕" charset="0"/>
                 <a:ea typeface="맑은 고딕" charset="0"/>
               </a:rPr>
-              <a:t>27. </a:t>
+              <a:t>32</a:t>
+            </a:r>
+            <a:r>
+              <a:rPr lang="ko-KR" sz="2000" b="1">
+                <a:solidFill>
+                  <a:srgbClr val="0611F2"/>
+                </a:solidFill>
+                <a:latin typeface="맑은 고딕" charset="0"/>
+                <a:ea typeface="맑은 고딕" charset="0"/>
+              </a:rPr>
+              <a:t>. </a:t>
             </a:r>
             <a:r>
               <a:rPr lang="ko-KR" sz="1800">
                 <a:latin typeface="맑은 고딕" charset="0"/>
                 <a:ea typeface="맑은 고딕" charset="0"/>
               </a:rPr>
-              <a:t>그런 다음 Button을 2개 생성하고 각각의 버튼 이름을 Kick Button과 Running Button으로 정의합니다.</a:t>
+              <a:t>이제</a:t>
+            </a:r>
+            <a:r>
+              <a:rPr lang="ko-KR" sz="1800">
+                <a:latin typeface="맑은 고딕" charset="0"/>
+                <a:ea typeface="맑은 고딕" charset="0"/>
+              </a:rPr>
+              <a:t> </a:t>
+            </a:r>
+            <a:r>
+              <a:rPr lang="ko-KR" sz="1800">
+                <a:latin typeface="맑은 고딕" charset="0"/>
+                <a:ea typeface="맑은 고딕" charset="0"/>
+              </a:rPr>
+              <a:t>Kick</a:t>
+            </a:r>
+            <a:r>
+              <a:rPr sz="1800">
+                <a:latin typeface="맑은 고딕" charset="0"/>
+                <a:ea typeface="맑은 고딕" charset="0"/>
+              </a:rPr>
+              <a:t> Button과 </a:t>
+            </a:r>
+            <a:r>
+              <a:rPr sz="1800">
+                <a:latin typeface="맑은 고딕" charset="0"/>
+                <a:ea typeface="맑은 고딕" charset="0"/>
+              </a:rPr>
+              <a:t>Running </a:t>
+            </a:r>
+            <a:r>
+              <a:rPr sz="1800">
+                <a:latin typeface="맑은 고딕" charset="0"/>
+                <a:ea typeface="맑은 고딕" charset="0"/>
+              </a:rPr>
+              <a:t>Button</a:t>
+            </a:r>
+            <a:r>
+              <a:rPr lang="ko-KR" sz="1800">
+                <a:latin typeface="맑은 고딕" charset="0"/>
+                <a:ea typeface="맑은 고딕" charset="0"/>
+              </a:rPr>
+              <a:t>에 이벤트 함수를 선택합니다.</a:t>
             </a:r>
             <a:endParaRPr lang="ko-KR" altLang="en-US" sz="1800">
               <a:latin typeface="맑은 고딕" charset="0"/>
               <a:ea typeface="맑은 고딕" charset="0"/>
             </a:endParaRPr>
           </a:p>
+          <a:p>
+            <a:pPr marL="0" indent="0" algn="l" latinLnBrk="0" hangingPunct="1">
+              <a:buFontTx/>
+              <a:buNone/>
+            </a:pPr>
+            <a:endParaRPr lang="ko-KR" altLang="en-US" sz="1800">
+              <a:latin typeface="맑은 고딕" charset="0"/>
+              <a:ea typeface="맑은 고딕" charset="0"/>
+            </a:endParaRPr>
+          </a:p>
+          <a:p>
+            <a:pPr marL="0" indent="0" algn="l" latinLnBrk="0" hangingPunct="1">
+              <a:buFontTx/>
+              <a:buNone/>
+            </a:pPr>
+            <a:r>
+              <a:rPr lang="ko-KR" sz="1800">
+                <a:latin typeface="맑은 고딕" charset="0"/>
+                <a:ea typeface="맑은 고딕" charset="0"/>
+              </a:rPr>
+              <a:t>그런 다음 </a:t>
+            </a:r>
+            <a:r>
+              <a:rPr lang="ko-KR" sz="1800">
+                <a:latin typeface="맑은 고딕" charset="0"/>
+                <a:ea typeface="맑은 고딕" charset="0"/>
+              </a:rPr>
+              <a:t>AnimationAction 스크립트</a:t>
+            </a:r>
+            <a:r>
+              <a:rPr lang="ko-KR" sz="1800">
+                <a:latin typeface="맑은 고딕" charset="0"/>
+                <a:ea typeface="맑은 고딕" charset="0"/>
+              </a:rPr>
+              <a:t>에 있는 Kick( )함수와 Running( ) 함수를 등록합니다.</a:t>
+            </a:r>
+            <a:r>
+              <a:rPr lang="ko-KR" sz="1800">
+                <a:latin typeface="맑은 고딕" charset="0"/>
+                <a:ea typeface="맑은 고딕" charset="0"/>
+              </a:rPr>
+              <a:t> </a:t>
+            </a:r>
+            <a:r>
+              <a:rPr lang="ko-KR" sz="1800">
+                <a:latin typeface="맑은 고딕" charset="0"/>
+                <a:ea typeface="맑은 고딕" charset="0"/>
+              </a:rPr>
+              <a:t> </a:t>
+            </a:r>
+            <a:endParaRPr lang="ko-KR" altLang="en-US" sz="1800">
+              <a:latin typeface="맑은 고딕" charset="0"/>
+              <a:ea typeface="맑은 고딕" charset="0"/>
+            </a:endParaRPr>
+          </a:p>
         </p:txBody>
       </p:sp>
       <p:sp>
@@ -9037,9 +9350,9 @@
           <p:nvPr/>
         </p:nvSpPr>
         <p:spPr>
-          <a:xfrm rot="0">
+          <a:xfrm>
             <a:off x="4705985" y="408940"/>
-            <a:ext cx="2781300" cy="554990"/>
+            <a:ext cx="2781935" cy="554990"/>
           </a:xfrm>
           <a:prstGeom prst="rect"/>
           <a:noFill/>
@@ -9066,7 +9379,27 @@
                 <a:latin typeface="맑은 고딕" charset="0"/>
                 <a:ea typeface="맑은 고딕" charset="0"/>
               </a:rPr>
-              <a:t>열두 번째 과정</a:t>
+              <a:t>열</a:t>
+            </a:r>
+            <a:r>
+              <a:rPr lang="ko-KR" altLang="en-US" sz="3000" b="1">
+                <a:solidFill>
+                  <a:schemeClr val="tx1"/>
+                </a:solidFill>
+                <a:latin typeface="맑은 고딕" charset="0"/>
+                <a:ea typeface="맑은 고딕" charset="0"/>
+              </a:rPr>
+              <a:t>두</a:t>
+            </a:r>
+            <a:r>
+              <a:rPr lang="ko-KR" altLang="en-US" sz="3000" b="1">
+                <a:solidFill>
+                  <a:schemeClr val="tx1"/>
+                </a:solidFill>
+                <a:latin typeface="맑은 고딕" charset="0"/>
+                <a:ea typeface="맑은 고딕" charset="0"/>
+              </a:rPr>
+              <a:t> 번째 과정</a:t>
             </a:r>
             <a:endParaRPr lang="ko-KR" altLang="en-US" sz="3000" b="1">
               <a:solidFill>
@@ -9080,7 +9413,7 @@
       </p:sp>
       <p:pic>
         <p:nvPicPr>
-          <p:cNvPr id="1134" name="그림 217" descr="C:/Users/Admin1/AppData/Roaming/PolarisOffice/ETemp/9880_20815312/fImage191385015141.png"/>
+          <p:cNvPr id="1138" name="그림 223" descr="C:/Users/Admin1/AppData/Roaming/PolarisOffice/ETemp/7956_23580608/fImage51935165547.png"/>
           <p:cNvPicPr>
             <a:picLocks noChangeAspect="1"/>
           </p:cNvPicPr>
@@ -9100,8 +9433,8 @@
         </p:blipFill>
         <p:spPr>
           <a:xfrm rot="0">
-            <a:off x="6823710" y="1490345"/>
-            <a:ext cx="2734310" cy="3129915"/>
+            <a:off x="6814820" y="2961005"/>
+            <a:ext cx="4274820" cy="1412240"/>
           </a:xfrm>
           <a:prstGeom prst="roundRect"/>
           <a:solidFill>
@@ -9111,7 +9444,7 @@
       </p:pic>
       <p:pic>
         <p:nvPicPr>
-          <p:cNvPr id="1135" name="그림 218" descr="C:/Users/Admin1/AppData/Roaming/PolarisOffice/ETemp/9880_20815312/fImage77175027711.png"/>
+          <p:cNvPr id="1139" name="그림 224" descr="C:/Users/Admin1/AppData/Roaming/PolarisOffice/ETemp/7956_23580608/fImage51055177644.png"/>
           <p:cNvPicPr>
             <a:picLocks noChangeAspect="1"/>
           </p:cNvPicPr>
@@ -9131,8 +9464,8 @@
         </p:blipFill>
         <p:spPr>
           <a:xfrm rot="0">
-            <a:off x="9667875" y="2033270"/>
-            <a:ext cx="1143635" cy="2039620"/>
+            <a:off x="6814820" y="1376045"/>
+            <a:ext cx="4282440" cy="1421765"/>
           </a:xfrm>
           <a:prstGeom prst="roundRect"/>
           <a:solidFill>
@@ -9140,6 +9473,289 @@
           </a:solidFill>
         </p:spPr>
       </p:pic>
+      <p:pic>
+        <p:nvPicPr>
+          <p:cNvPr id="1144" name="그림 60" descr="C:/Users/Admin1/AppData/Roaming/PolarisOffice/ETemp/7956_23580608/fImage30172469961.png"/>
+          <p:cNvPicPr>
+            <a:picLocks noChangeAspect="1"/>
+          </p:cNvPicPr>
+          <p:nvPr/>
+        </p:nvPicPr>
+        <p:blipFill rotWithShape="1">
+          <a:blip r:embed="rId10" cstate="hqprint">
+            <a:extLst>
+              <a:ext uri="{28A0092B-C50C-407E-A947-70E740481C1C}">
+                <a14:useLocalDpi xmlns:a14="http://schemas.microsoft.com/office/drawing/2010/main"/>
+              </a:ext>
+            </a:extLst>
+          </a:blip>
+          <a:stretch>
+            <a:fillRect/>
+          </a:stretch>
+        </p:blipFill>
+        <p:spPr>
+          <a:xfrm rot="0">
+            <a:off x="2693670" y="1376680"/>
+            <a:ext cx="2662555" cy="1290955"/>
+          </a:xfrm>
+          <a:prstGeom prst="roundRect"/>
+          <a:solidFill>
+            <a:srgbClr val="EDEDED"/>
+          </a:solidFill>
+        </p:spPr>
+      </p:pic>
+      <p:pic>
+        <p:nvPicPr>
+          <p:cNvPr id="1145" name="그림 61" descr="C:/Users/Admin1/AppData/Roaming/PolarisOffice/ETemp/7956_23580608/fImage5566247491.png"/>
+          <p:cNvPicPr>
+            <a:picLocks noChangeAspect="1"/>
+          </p:cNvPicPr>
+          <p:nvPr/>
+        </p:nvPicPr>
+        <p:blipFill rotWithShape="1">
+          <a:blip r:embed="rId11" cstate="hqprint">
+            <a:extLst>
+              <a:ext uri="{28A0092B-C50C-407E-A947-70E740481C1C}">
+                <a14:useLocalDpi xmlns:a14="http://schemas.microsoft.com/office/drawing/2010/main"/>
+              </a:ext>
+            </a:extLst>
+          </a:blip>
+          <a:stretch>
+            <a:fillRect/>
+          </a:stretch>
+        </p:blipFill>
+        <p:spPr>
+          <a:xfrm rot="0">
+            <a:off x="2702560" y="2961005"/>
+            <a:ext cx="2653030" cy="1299845"/>
+          </a:xfrm>
+          <a:prstGeom prst="roundRect"/>
+          <a:solidFill>
+            <a:srgbClr val="EDEDED"/>
+          </a:solidFill>
+        </p:spPr>
+      </p:pic>
+      <p:pic>
+        <p:nvPicPr>
+          <p:cNvPr id="1146" name="그림 70" descr="C:/Users/Admin1/AppData/Roaming/PolarisOffice/ETemp/7956_23580608/fImage93932522995.png"/>
+          <p:cNvPicPr>
+            <a:picLocks noChangeAspect="1"/>
+          </p:cNvPicPr>
+          <p:nvPr/>
+        </p:nvPicPr>
+        <p:blipFill rotWithShape="1">
+          <a:blip r:embed="rId12" cstate="print">
+            <a:extLst>
+              <a:ext uri="{28A0092B-C50C-407E-A947-70E740481C1C}">
+                <a14:useLocalDpi xmlns:a14="http://schemas.microsoft.com/office/drawing/2010/main" val="0"/>
+              </a:ext>
+            </a:extLst>
+          </a:blip>
+          <a:stretch>
+            <a:fillRect/>
+          </a:stretch>
+        </p:blipFill>
+        <p:spPr>
+          <a:xfrm rot="0">
+            <a:off x="1256030" y="1376680"/>
+            <a:ext cx="1334135" cy="2886710"/>
+          </a:xfrm>
+          <a:prstGeom prst="roundRect"/>
+          <a:solidFill>
+            <a:srgbClr val="EDEDED"/>
+          </a:solidFill>
+        </p:spPr>
+      </p:pic>
+      <p:cxnSp>
+        <p:nvCxnSpPr>
+          <p:cNvPr id="1147" name="도형 73"/>
+          <p:cNvCxnSpPr/>
+          <p:nvPr/>
+        </p:nvCxnSpPr>
+        <p:spPr>
+          <a:xfrm rot="0">
+            <a:off x="2485390" y="2952750"/>
+            <a:ext cx="988060" cy="805815"/>
+          </a:xfrm>
+          <a:prstGeom prst="straightConnector1"/>
+          <a:ln w="6350" cap="flat" cmpd="sng">
+            <a:prstDash/>
+            <a:headEnd type="none" w="med" len="med"/>
+            <a:tailEnd type="triangle" w="med" len="med"/>
+          </a:ln>
+        </p:spPr>
+        <p:style>
+          <a:lnRef idx="1">
+            <a:schemeClr val="accent1"/>
+          </a:lnRef>
+          <a:fillRef idx="0">
+            <a:schemeClr val="accent1"/>
+          </a:fillRef>
+          <a:effectRef idx="0">
+            <a:schemeClr val="accent1"/>
+          </a:effectRef>
+          <a:fontRef idx="minor">
+            <a:schemeClr val="tx1"/>
+          </a:fontRef>
+        </p:style>
+      </p:cxnSp>
+      <p:sp>
+        <p:nvSpPr>
+          <p:cNvPr id="1148" name="텍스트 상자 74"/>
+          <p:cNvSpPr txBox="1">
+            <a:spLocks/>
+          </p:cNvSpPr>
+          <p:nvPr/>
+        </p:nvSpPr>
+        <p:spPr>
+          <a:xfrm rot="0">
+            <a:off x="1264285" y="4484370"/>
+            <a:ext cx="4088130" cy="1661795"/>
+          </a:xfrm>
+          <a:prstGeom prst="rect"/>
+          <a:noFill/>
+        </p:spPr>
+        <p:txBody>
+          <a:bodyPr wrap="square" lIns="0" tIns="0" rIns="0" bIns="0" vert="horz" anchor="t">
+            <a:noAutofit/>
+          </a:bodyPr>
+          <a:lstStyle/>
+          <a:p>
+            <a:pPr marL="0" indent="0" rtl="0" algn="l" defTabSz="914400" eaLnBrk="1" latinLnBrk="0" hangingPunct="1">
+              <a:buFontTx/>
+              <a:buNone/>
+            </a:pPr>
+            <a:r>
+              <a:rPr sz="1800" b="1">
+                <a:solidFill>
+                  <a:srgbClr val="0611F2"/>
+                </a:solidFill>
+                <a:latin typeface="맑은 고딕" charset="0"/>
+                <a:ea typeface="맑은 고딕" charset="0"/>
+              </a:rPr>
+              <a:t>31</a:t>
+            </a:r>
+            <a:r>
+              <a:rPr sz="1800" b="1">
+                <a:solidFill>
+                  <a:srgbClr val="0611F2"/>
+                </a:solidFill>
+                <a:latin typeface="맑은 고딕" charset="0"/>
+                <a:ea typeface="맑은 고딕" charset="0"/>
+              </a:rPr>
+              <a:t>.</a:t>
+            </a:r>
+            <a:r>
+              <a:rPr sz="1800">
+                <a:latin typeface="맑은 고딕" charset="0"/>
+                <a:ea typeface="맑은 고딕" charset="0"/>
+              </a:rPr>
+              <a:t> 그다음 </a:t>
+            </a:r>
+            <a:r>
+              <a:rPr lang="ko-KR" sz="1800">
+                <a:latin typeface="맑은 고딕" charset="0"/>
+                <a:ea typeface="맑은 고딕" charset="0"/>
+              </a:rPr>
+              <a:t>Kick</a:t>
+            </a:r>
+            <a:r>
+              <a:rPr sz="1800">
+                <a:latin typeface="맑은 고딕" charset="0"/>
+                <a:ea typeface="맑은 고딕" charset="0"/>
+              </a:rPr>
+              <a:t> Button과 </a:t>
+            </a:r>
+            <a:r>
+              <a:rPr sz="1800">
+                <a:latin typeface="맑은 고딕" charset="0"/>
+                <a:ea typeface="맑은 고딕" charset="0"/>
+              </a:rPr>
+              <a:t>Running </a:t>
+            </a:r>
+            <a:r>
+              <a:rPr sz="1800">
+                <a:latin typeface="맑은 고딕" charset="0"/>
+                <a:ea typeface="맑은 고딕" charset="0"/>
+              </a:rPr>
+              <a:t>Button</a:t>
+            </a:r>
+            <a:r>
+              <a:rPr lang="ko-KR" sz="1800">
+                <a:latin typeface="맑은 고딕" charset="0"/>
+                <a:ea typeface="맑은 고딕" charset="0"/>
+              </a:rPr>
+              <a:t>에</a:t>
+            </a:r>
+            <a:r>
+              <a:rPr sz="1800">
+                <a:latin typeface="맑은 고딕" charset="0"/>
+                <a:ea typeface="맑은 고딕" charset="0"/>
+              </a:rPr>
+              <a:t> On Click( ) 함수를 생성합니다.</a:t>
+            </a:r>
+            <a:endParaRPr lang="ko-KR" altLang="en-US" sz="1800">
+              <a:latin typeface="맑은 고딕" charset="0"/>
+              <a:ea typeface="맑은 고딕" charset="0"/>
+            </a:endParaRPr>
+          </a:p>
+          <a:p>
+            <a:pPr marL="0" indent="0" rtl="0" algn="l" defTabSz="914400" eaLnBrk="1" latinLnBrk="0" hangingPunct="1">
+              <a:buFontTx/>
+              <a:buNone/>
+            </a:pPr>
+            <a:endParaRPr lang="ko-KR" altLang="en-US" sz="1800">
+              <a:latin typeface="맑은 고딕" charset="0"/>
+              <a:ea typeface="맑은 고딕" charset="0"/>
+            </a:endParaRPr>
+          </a:p>
+          <a:p>
+            <a:pPr marL="0" indent="0" rtl="0" algn="l" defTabSz="914400" eaLnBrk="1" latinLnBrk="0" hangingPunct="1">
+              <a:buFontTx/>
+              <a:buNone/>
+            </a:pPr>
+            <a:r>
+              <a:rPr sz="1800">
+                <a:latin typeface="맑은 고딕" charset="0"/>
+                <a:ea typeface="맑은 고딕" charset="0"/>
+              </a:rPr>
+              <a:t>마지막으</a:t>
+            </a:r>
+            <a:r>
+              <a:rPr lang="ko-KR" sz="1800">
+                <a:latin typeface="맑은 고딕" charset="0"/>
+                <a:ea typeface="맑은 고딕" charset="0"/>
+              </a:rPr>
+              <a:t>로</a:t>
+            </a:r>
+            <a:r>
+              <a:rPr sz="1800">
+                <a:latin typeface="맑은 고딕" charset="0"/>
+                <a:ea typeface="맑은 고딕" charset="0"/>
+              </a:rPr>
+              <a:t> 각각의 버튼에 있는 On Click( ) 함수에 </a:t>
+            </a:r>
+            <a:r>
+              <a:rPr sz="1800">
+                <a:latin typeface="맑은 고딕" charset="0"/>
+                <a:ea typeface="맑은 고딕" charset="0"/>
+              </a:rPr>
+              <a:t>Animation Action</a:t>
+            </a:r>
+            <a:r>
+              <a:rPr sz="1800">
+                <a:latin typeface="맑은 고딕" charset="0"/>
+                <a:ea typeface="맑은 고딕" charset="0"/>
+              </a:rPr>
+              <a:t> 오브젝트를 넣어줍니다.</a:t>
+            </a:r>
+            <a:endParaRPr lang="ko-KR" altLang="en-US" sz="1800">
+              <a:latin typeface="맑은 고딕" charset="0"/>
+              <a:ea typeface="맑은 고딕" charset="0"/>
+            </a:endParaRPr>
+          </a:p>
+        </p:txBody>
+      </p:sp>
     </p:spTree>
   </p:cSld>
   <p:clrMapOvr>
@@ -9164,7 +9780,7 @@
 </file>
 
 <file path=ppt/slides/slide14.xml><?xml version="1.0" encoding="utf-8"?>
-<p:sld xmlns:a="http://schemas.openxmlformats.org/drawingml/2006/main" xmlns:r="http://schemas.openxmlformats.org/officeDocument/2006/relationships" xmlns:p="http://schemas.openxmlformats.org/presentationml/2006/main" xmlns:p14="http://schemas.microsoft.com/office/powerpoint/2010/main">
+<p:sld xmlns:a="http://schemas.openxmlformats.org/drawingml/2006/main" xmlns:r="http://schemas.openxmlformats.org/officeDocument/2006/relationships" xmlns:p="http://schemas.openxmlformats.org/presentationml/2006/main">
   <p:cSld>
     <p:spTree>
       <p:nvGrpSpPr>
@@ -9190,8 +9806,8 @@
         </p:nvSpPr>
         <p:spPr>
           <a:xfrm rot="0">
-            <a:off x="6951980" y="4037330"/>
-            <a:ext cx="4128135" cy="2061845"/>
+            <a:off x="6814820" y="4235450"/>
+            <a:ext cx="4183380" cy="2061845"/>
           </a:xfrm>
           <a:prstGeom prst="rect"/>
           <a:noFill/>
@@ -9218,28 +9834,31 @@
                 <a:latin typeface="맑은 고딕" charset="0"/>
                 <a:ea typeface="맑은 고딕" charset="0"/>
               </a:rPr>
-              <a:t>29. </a:t>
+              <a:t>34</a:t>
+            </a:r>
+            <a:r>
+              <a:rPr lang="ko-KR" sz="2000" b="1">
+                <a:solidFill>
+                  <a:srgbClr val="0611F2"/>
+                </a:solidFill>
+                <a:latin typeface="맑은 고딕" charset="0"/>
+                <a:ea typeface="맑은 고딕" charset="0"/>
+              </a:rPr>
+              <a:t>. </a:t>
             </a:r>
             <a:r>
               <a:rPr lang="ko-KR" sz="1800">
                 <a:latin typeface="맑은 고딕" charset="0"/>
                 <a:ea typeface="맑은 고딕" charset="0"/>
               </a:rPr>
-              <a:t>여기서 </a:t>
+              <a:t>마지막으로 </a:t>
             </a:r>
             <a:r>
               <a:rPr lang="ko-KR" sz="1800">
                 <a:latin typeface="맑은 고딕" charset="0"/>
                 <a:ea typeface="맑은 고딕" charset="0"/>
               </a:rPr>
-              <a:t>kick Button과 Running Button의</a:t>
-            </a:r>
-            <a:r>
-              <a:rPr lang="ko-KR" sz="1800">
-                <a:latin typeface="맑은 고딕" charset="0"/>
-                <a:ea typeface="맑은 고딕" charset="0"/>
-              </a:rPr>
-              <a:t> 이벤트 함수에 AnimationAction 오브젝트를 넣어줍니다.</a:t>
+              <a:t>Idle 애니메이션에서 Make Transition을 선택하여 Exit 스테이트에 연결합니다.</a:t>
             </a:r>
             <a:endParaRPr lang="ko-KR" altLang="en-US" sz="1800">
               <a:latin typeface="맑은 고딕" charset="0"/>
@@ -9266,7 +9885,21 @@
                 <a:latin typeface="맑은 고딕" charset="0"/>
                 <a:ea typeface="맑은 고딕" charset="0"/>
               </a:rPr>
-              <a:t>그리고 각각의 버튼에 사용할 함수를 등록합니다.</a:t>
+              <a:t>그러면 </a:t>
+            </a:r>
+            <a:r>
+              <a:rPr lang="ko-KR" sz="1800">
+                <a:latin typeface="맑은 고딕" charset="0"/>
+                <a:ea typeface="맑은 고딕" charset="0"/>
+              </a:rPr>
+              <a:t>Idle 애니메이션의 진행이 다 끝나고 다시 Entry </a:t>
+            </a:r>
+            <a:r>
+              <a:rPr lang="ko-KR" sz="1800">
+                <a:latin typeface="맑은 고딕" charset="0"/>
+                <a:ea typeface="맑은 고딕" charset="0"/>
+              </a:rPr>
+              <a:t>스테이트로 진입하게 됩니다.</a:t>
             </a:r>
             <a:endParaRPr lang="ko-KR" altLang="en-US" sz="1800">
               <a:latin typeface="맑은 고딕" charset="0"/>
@@ -9286,7 +9919,7 @@
         <p:spPr>
           <a:xfrm rot="0">
             <a:off x="4705985" y="408940"/>
-            <a:ext cx="2781300" cy="554990"/>
+            <a:ext cx="2781935" cy="554990"/>
           </a:xfrm>
           <a:prstGeom prst="rect"/>
           <a:noFill/>
@@ -9313,7 +9946,27 @@
                 <a:latin typeface="맑은 고딕" charset="0"/>
                 <a:ea typeface="맑은 고딕" charset="0"/>
               </a:rPr>
-              <a:t>열세 번째 과정</a:t>
+              <a:t>열</a:t>
+            </a:r>
+            <a:r>
+              <a:rPr lang="ko-KR" altLang="en-US" sz="3000" b="1">
+                <a:solidFill>
+                  <a:schemeClr val="tx1"/>
+                </a:solidFill>
+                <a:latin typeface="맑은 고딕" charset="0"/>
+                <a:ea typeface="맑은 고딕" charset="0"/>
+              </a:rPr>
+              <a:t>세</a:t>
+            </a:r>
+            <a:r>
+              <a:rPr lang="ko-KR" altLang="en-US" sz="3000" b="1">
+                <a:solidFill>
+                  <a:schemeClr val="tx1"/>
+                </a:solidFill>
+                <a:latin typeface="맑은 고딕" charset="0"/>
+                <a:ea typeface="맑은 고딕" charset="0"/>
+              </a:rPr>
+              <a:t> 번째 과정</a:t>
             </a:r>
             <a:endParaRPr lang="ko-KR" altLang="en-US" sz="3000" b="1">
               <a:solidFill>
@@ -9325,19 +9978,144 @@
           </a:p>
         </p:txBody>
       </p:sp>
+      <p:sp>
+        <p:nvSpPr>
+          <p:cNvPr id="1148" name="Rect 0"/>
+          <p:cNvSpPr txBox="1">
+            <a:spLocks/>
+          </p:cNvSpPr>
+          <p:nvPr/>
+        </p:nvSpPr>
+        <p:spPr>
+          <a:xfrm rot="0">
+            <a:off x="1212850" y="4077970"/>
+            <a:ext cx="4156710" cy="2215515"/>
+          </a:xfrm>
+          <a:prstGeom prst="rect"/>
+          <a:noFill/>
+        </p:spPr>
+        <p:txBody>
+          <a:bodyPr wrap="square" lIns="0" tIns="0" rIns="0" bIns="0" vert="horz" anchor="t">
+            <a:noAutofit/>
+          </a:bodyPr>
+          <a:lstStyle/>
+          <a:p>
+            <a:pPr marL="0" indent="0" rtl="0" algn="l" defTabSz="914400" eaLnBrk="1" latinLnBrk="0" hangingPunct="1">
+              <a:buFontTx/>
+              <a:buNone/>
+            </a:pPr>
+            <a:r>
+              <a:rPr sz="1800" b="1">
+                <a:solidFill>
+                  <a:srgbClr val="0611F2"/>
+                </a:solidFill>
+                <a:latin typeface="맑은 고딕" charset="0"/>
+                <a:ea typeface="맑은 고딕" charset="0"/>
+              </a:rPr>
+              <a:t>3</a:t>
+            </a:r>
+            <a:r>
+              <a:rPr lang="ko-KR" sz="1800" b="1">
+                <a:solidFill>
+                  <a:srgbClr val="0611F2"/>
+                </a:solidFill>
+                <a:latin typeface="맑은 고딕" charset="0"/>
+                <a:ea typeface="맑은 고딕" charset="0"/>
+              </a:rPr>
+              <a:t>3</a:t>
+            </a:r>
+            <a:r>
+              <a:rPr sz="1800" b="1">
+                <a:solidFill>
+                  <a:srgbClr val="0611F2"/>
+                </a:solidFill>
+                <a:latin typeface="맑은 고딕" charset="0"/>
+                <a:ea typeface="맑은 고딕" charset="0"/>
+              </a:rPr>
+              <a:t>.</a:t>
+            </a:r>
+            <a:r>
+              <a:rPr sz="1800">
+                <a:latin typeface="맑은 고딕" charset="0"/>
+                <a:ea typeface="맑은 고딕" charset="0"/>
+              </a:rPr>
+              <a:t> 그</a:t>
+            </a:r>
+            <a:r>
+              <a:rPr sz="1800">
+                <a:latin typeface="맑은 고딕" charset="0"/>
+                <a:ea typeface="맑은 고딕" charset="0"/>
+              </a:rPr>
+              <a:t>리</a:t>
+            </a:r>
+            <a:r>
+              <a:rPr lang="ko-KR" sz="1800">
+                <a:latin typeface="맑은 고딕" charset="0"/>
+                <a:ea typeface="맑은 고딕" charset="0"/>
+              </a:rPr>
+              <a:t>고</a:t>
+            </a:r>
+            <a:r>
+              <a:rPr sz="1800">
+                <a:latin typeface="맑은 고딕" charset="0"/>
+                <a:ea typeface="맑은 고딕" charset="0"/>
+              </a:rPr>
+              <a:t> </a:t>
+            </a:r>
+            <a:r>
+              <a:rPr lang="ko-KR" sz="1800">
+                <a:latin typeface="맑은 고딕" charset="0"/>
+                <a:ea typeface="맑은 고딕" charset="0"/>
+              </a:rPr>
+              <a:t>Running Text 오브젝트를 선택하고 Running Button이라는 텍스트로 정의한 다음 Font Size를 20으로 설정합니다.</a:t>
+            </a:r>
+            <a:endParaRPr lang="ko-KR" altLang="en-US" sz="1800">
+              <a:latin typeface="맑은 고딕" charset="0"/>
+              <a:ea typeface="맑은 고딕" charset="0"/>
+            </a:endParaRPr>
+          </a:p>
+          <a:p>
+            <a:pPr marL="0" indent="0" rtl="0" algn="l" defTabSz="914400" eaLnBrk="1" latinLnBrk="0" hangingPunct="1">
+              <a:buFontTx/>
+              <a:buNone/>
+            </a:pPr>
+            <a:endParaRPr lang="ko-KR" altLang="en-US" sz="1800">
+              <a:latin typeface="맑은 고딕" charset="0"/>
+              <a:ea typeface="맑은 고딕" charset="0"/>
+            </a:endParaRPr>
+          </a:p>
+          <a:p>
+            <a:pPr marL="0" indent="0" rtl="0" algn="l" defTabSz="914400" eaLnBrk="1" latinLnBrk="0" hangingPunct="1">
+              <a:buFontTx/>
+              <a:buNone/>
+            </a:pPr>
+            <a:r>
+              <a:rPr lang="ko-KR" sz="1800">
+                <a:latin typeface="맑은 고딕" charset="0"/>
+                <a:ea typeface="맑은 고딕" charset="0"/>
+              </a:rPr>
+              <a:t>그다음 Kick Text 오브젝트를 선택하여 Kick Action이라는 텍스트로 정의하고 Font Size를 20으로 설정합니다.</a:t>
+            </a:r>
+            <a:endParaRPr lang="ko-KR" altLang="en-US" sz="1800">
+              <a:latin typeface="맑은 고딕" charset="0"/>
+              <a:ea typeface="맑은 고딕" charset="0"/>
+            </a:endParaRPr>
+          </a:p>
+        </p:txBody>
+      </p:sp>
       <p:pic>
         <p:nvPicPr>
-          <p:cNvPr id="1138" name="그림 223" descr="C:/Users/Admin1/AppData/Roaming/PolarisOffice/ETemp/9880_20815312/fImage51935165547.png"/>
+          <p:cNvPr id="1150" name="그림 87" descr="C:/Users/Admin1/AppData/Roaming/PolarisOffice/ETemp/7956_23580608/fImage121233421942.png"/>
           <p:cNvPicPr>
             <a:picLocks noChangeAspect="1"/>
           </p:cNvPicPr>
           <p:nvPr/>
         </p:nvPicPr>
         <p:blipFill rotWithShape="1">
-          <a:blip r:embed="rId4" cstate="hqprint">
+          <a:blip r:embed="rId2" cstate="print">
             <a:extLst>
               <a:ext uri="{28A0092B-C50C-407E-A947-70E740481C1C}">
-                <a14:useLocalDpi xmlns:a14="http://schemas.microsoft.com/office/drawing/2010/main"/>
+                <a14:useLocalDpi xmlns:a14="http://schemas.microsoft.com/office/drawing/2010/main" val="0"/>
               </a:ext>
             </a:extLst>
           </a:blip>
@@ -9347,8 +10125,8 @@
         </p:blipFill>
         <p:spPr>
           <a:xfrm rot="0">
-            <a:off x="6944995" y="2767965"/>
-            <a:ext cx="4135120" cy="1056005"/>
+            <a:off x="1203960" y="1376045"/>
+            <a:ext cx="4165600" cy="1188085"/>
           </a:xfrm>
           <a:prstGeom prst="roundRect"/>
           <a:solidFill>
@@ -9358,17 +10136,17 @@
       </p:pic>
       <p:pic>
         <p:nvPicPr>
-          <p:cNvPr id="1139" name="그림 224" descr="C:/Users/Admin1/AppData/Roaming/PolarisOffice/ETemp/9880_20815312/fImage51055177644.png"/>
+          <p:cNvPr id="1152" name="그림 93" descr="C:/Users/Admin1/AppData/Roaming/PolarisOffice/ETemp/7956_23580608/fImage120273444827.png"/>
           <p:cNvPicPr>
             <a:picLocks noChangeAspect="1"/>
           </p:cNvPicPr>
           <p:nvPr/>
         </p:nvPicPr>
         <p:blipFill rotWithShape="1">
-          <a:blip r:embed="rId5" cstate="hqprint">
+          <a:blip r:embed="rId3" cstate="print">
             <a:extLst>
               <a:ext uri="{28A0092B-C50C-407E-A947-70E740481C1C}">
-                <a14:useLocalDpi xmlns:a14="http://schemas.microsoft.com/office/drawing/2010/main"/>
+                <a14:useLocalDpi xmlns:a14="http://schemas.microsoft.com/office/drawing/2010/main" val="0"/>
               </a:ext>
             </a:extLst>
           </a:blip>
@@ -9378,8 +10156,8 @@
         </p:blipFill>
         <p:spPr>
           <a:xfrm rot="0">
-            <a:off x="6944995" y="1452880"/>
-            <a:ext cx="4143375" cy="1056005"/>
+            <a:off x="1203960" y="2719070"/>
+            <a:ext cx="4174490" cy="1178560"/>
           </a:xfrm>
           <a:prstGeom prst="roundRect"/>
           <a:solidFill>
@@ -9389,17 +10167,17 @@
       </p:pic>
       <p:pic>
         <p:nvPicPr>
-          <p:cNvPr id="1141" name="그림 9" descr="C:/Users/Admin1/AppData/Roaming/PolarisOffice/ETemp/9880_20815312/fImage123044601478.png"/>
+          <p:cNvPr id="1154" name="그림 99" descr="C:/Users/Admin1/AppData/Roaming/PolarisOffice/ETemp/7956_23580608/fImage181103465436.png"/>
           <p:cNvPicPr>
             <a:picLocks noChangeAspect="1"/>
           </p:cNvPicPr>
           <p:nvPr/>
         </p:nvPicPr>
         <p:blipFill rotWithShape="1">
-          <a:blip r:embed="rId8" cstate="hqprint">
+          <a:blip r:embed="rId4" cstate="print">
             <a:extLst>
               <a:ext uri="{28A0092B-C50C-407E-A947-70E740481C1C}">
-                <a14:useLocalDpi xmlns:a14="http://schemas.microsoft.com/office/drawing/2010/main"/>
+                <a14:useLocalDpi xmlns:a14="http://schemas.microsoft.com/office/drawing/2010/main" val="0"/>
               </a:ext>
             </a:extLst>
           </a:blip>
@@ -9409,8 +10187,8 @@
         </p:blipFill>
         <p:spPr>
           <a:xfrm rot="0">
-            <a:off x="1335405" y="1455420"/>
-            <a:ext cx="4062095" cy="1753870"/>
+            <a:off x="6814820" y="1362710"/>
+            <a:ext cx="4189730" cy="2794635"/>
           </a:xfrm>
           <a:prstGeom prst="roundRect"/>
           <a:solidFill>
@@ -9418,91 +10196,6 @@
           </a:solidFill>
         </p:spPr>
       </p:pic>
-      <p:pic>
-        <p:nvPicPr>
-          <p:cNvPr id="1142" name="그림 10" descr="C:/Users/Admin1/AppData/Roaming/PolarisOffice/ETemp/9880_20815312/fImage125814619358.png"/>
-          <p:cNvPicPr>
-            <a:picLocks noChangeAspect="1"/>
-          </p:cNvPicPr>
-          <p:nvPr/>
-        </p:nvPicPr>
-        <p:blipFill rotWithShape="1">
-          <a:blip r:embed="rId9" cstate="hqprint">
-            <a:extLst>
-              <a:ext uri="{28A0092B-C50C-407E-A947-70E740481C1C}">
-                <a14:useLocalDpi xmlns:a14="http://schemas.microsoft.com/office/drawing/2010/main"/>
-              </a:ext>
-            </a:extLst>
-          </a:blip>
-          <a:stretch>
-            <a:fillRect/>
-          </a:stretch>
-        </p:blipFill>
-        <p:spPr>
-          <a:xfrm rot="0">
-            <a:off x="1344930" y="3427095"/>
-            <a:ext cx="4062095" cy="1753870"/>
-          </a:xfrm>
-          <a:prstGeom prst="roundRect"/>
-          <a:solidFill>
-            <a:srgbClr val="EDEDED"/>
-          </a:solidFill>
-        </p:spPr>
-      </p:pic>
-      <p:sp>
-        <p:nvSpPr>
-          <p:cNvPr id="1143" name="텍스트 상자 11"/>
-          <p:cNvSpPr txBox="1">
-            <a:spLocks/>
-          </p:cNvSpPr>
-          <p:nvPr/>
-        </p:nvSpPr>
-        <p:spPr>
-          <a:xfrm rot="0">
-            <a:off x="1335405" y="5416550"/>
-            <a:ext cx="4080510" cy="677545"/>
-          </a:xfrm>
-          <a:prstGeom prst="rect"/>
-          <a:noFill/>
-          <a:ln w="0">
-            <a:noFill/>
-            <a:prstDash/>
-          </a:ln>
-        </p:spPr>
-        <p:txBody>
-          <a:bodyPr wrap="square" lIns="89535" tIns="46355" rIns="89535" bIns="46355" numCol="1" vert="horz" anchor="t">
-            <a:spAutoFit/>
-          </a:bodyPr>
-          <a:lstStyle/>
-          <a:p>
-            <a:pPr marL="0" indent="0" algn="l" latinLnBrk="0" hangingPunct="1">
-              <a:buFontTx/>
-              <a:buNone/>
-            </a:pPr>
-            <a:r>
-              <a:rPr lang="ko-KR" sz="2000" b="1">
-                <a:solidFill>
-                  <a:srgbClr val="0611F2"/>
-                </a:solidFill>
-                <a:latin typeface="맑은 고딕" charset="0"/>
-                <a:ea typeface="맑은 고딕" charset="0"/>
-              </a:rPr>
-              <a:t>28. </a:t>
-            </a:r>
-            <a:r>
-              <a:rPr lang="ko-KR" sz="1800">
-                <a:latin typeface="맑은 고딕" charset="0"/>
-                <a:ea typeface="맑은 고딕" charset="0"/>
-              </a:rPr>
-              <a:t>그리고 Kick Button과 Running Button의 앵커와 위치를 설정합니다.</a:t>
-            </a:r>
-            <a:endParaRPr lang="ko-KR" altLang="en-US" sz="1800">
-              <a:latin typeface="맑은 고딕" charset="0"/>
-              <a:ea typeface="맑은 고딕" charset="0"/>
-            </a:endParaRPr>
-          </a:p>
-        </p:txBody>
-      </p:sp>
     </p:spTree>
   </p:cSld>
   <p:clrMapOvr>
@@ -9613,8 +10306,8 @@
         </p:nvSpPr>
         <p:spPr>
           <a:xfrm rot="0">
-            <a:off x="1222375" y="5448300"/>
-            <a:ext cx="4142105" cy="679450"/>
+            <a:off x="1222375" y="5447665"/>
+            <a:ext cx="4143375" cy="680720"/>
           </a:xfrm>
           <a:prstGeom prst="rect"/>
           <a:noFill/>
@@ -9674,8 +10367,8 @@
         </p:nvSpPr>
         <p:spPr>
           <a:xfrm rot="0">
-            <a:off x="6834505" y="3074670"/>
-            <a:ext cx="4257675" cy="955040"/>
+            <a:off x="6834505" y="2894330"/>
+            <a:ext cx="4258310" cy="955675"/>
           </a:xfrm>
           <a:prstGeom prst="rect"/>
           <a:noFill/>
@@ -9720,7 +10413,7 @@
       </p:sp>
       <p:pic>
         <p:nvPicPr>
-          <p:cNvPr id="1156" name="그림 54" descr="C:/Users/Admin1/AppData/Roaming/PolarisOffice/ETemp/3400_14330424/fImage4065842826334.png"/>
+          <p:cNvPr id="1156" name="그림 54"/>
           <p:cNvPicPr>
             <a:picLocks noChangeAspect="1"/>
           </p:cNvPicPr>
@@ -9741,7 +10434,7 @@
         <p:spPr>
           <a:xfrm rot="0">
             <a:off x="1222375" y="1363345"/>
-            <a:ext cx="4142105" cy="3949700"/>
+            <a:ext cx="4142740" cy="3950335"/>
           </a:xfrm>
           <a:prstGeom prst="rect"/>
           <a:noFill/>
@@ -9770,7 +10463,7 @@
         <p:spPr>
           <a:xfrm rot="0">
             <a:off x="6833235" y="1363345"/>
-            <a:ext cx="4251960" cy="1624965"/>
+            <a:ext cx="4252595" cy="1441450"/>
           </a:xfrm>
           <a:prstGeom prst="roundRect"/>
           <a:solidFill>
@@ -9780,7 +10473,7 @@
       </p:pic>
       <p:pic>
         <p:nvPicPr>
-          <p:cNvPr id="1158" name="그림 56" descr="C:/Users/Admin1/AppData/Roaming/PolarisOffice/ETemp/3400_14330424/fImage106292849169.png"/>
+          <p:cNvPr id="1158" name="그림 56"/>
           <p:cNvPicPr>
             <a:picLocks noChangeAspect="1"/>
           </p:cNvPicPr>
@@ -9800,8 +10493,8 @@
         </p:blipFill>
         <p:spPr>
           <a:xfrm rot="0">
-            <a:off x="6821805" y="4274820"/>
-            <a:ext cx="945515" cy="1036320"/>
+            <a:off x="6832600" y="4023360"/>
+            <a:ext cx="946150" cy="1036955"/>
           </a:xfrm>
           <a:prstGeom prst="roundRect"/>
           <a:solidFill>
@@ -9819,8 +10512,8 @@
         </p:nvSpPr>
         <p:spPr>
           <a:xfrm rot="0">
-            <a:off x="6840220" y="5446395"/>
-            <a:ext cx="4251325" cy="677545"/>
+            <a:off x="6829425" y="5171440"/>
+            <a:ext cx="4252595" cy="955040"/>
           </a:xfrm>
           <a:prstGeom prst="rect"/>
           <a:noFill/>
@@ -9854,7 +10547,7 @@
                 <a:latin typeface="맑은 고딕" charset="0"/>
                 <a:ea typeface="맑은 고딕" charset="0"/>
               </a:rPr>
-              <a:t>그런 다음 다운로드 받은 캐릭터를 유니티 프로젝트에 추가합니다.</a:t>
+              <a:t>그런 다음 다운로드 받은 캐릭터를 Project 폴더에 있는 Model 폴더에 추가합니다.</a:t>
             </a:r>
             <a:endParaRPr lang="ko-KR" altLang="en-US" sz="1800">
               <a:latin typeface="맑은 고딕" charset="0"/>
@@ -9865,14 +10558,14 @@
       </p:sp>
       <p:pic>
         <p:nvPicPr>
-          <p:cNvPr id="1162" name="그림 66" descr="C:/Users/Admin1/AppData/Roaming/PolarisOffice/ETemp/3400_14330424/fImage75242895724.png"/>
+          <p:cNvPr id="1163" name="그림 4" descr="C:/Users/Admin1/AppData/Roaming/PolarisOffice/ETemp/9144_11002792/fImage22421734441.png"/>
           <p:cNvPicPr>
             <a:picLocks noChangeAspect="1"/>
           </p:cNvPicPr>
           <p:nvPr/>
         </p:nvPicPr>
         <p:blipFill rotWithShape="1">
-          <a:blip r:embed="rId5" cstate="hqprint">
+          <a:blip r:embed="rId7" cstate="hqprint">
             <a:extLst>
               <a:ext uri="{28A0092B-C50C-407E-A947-70E740481C1C}">
                 <a14:useLocalDpi xmlns:a14="http://schemas.microsoft.com/office/drawing/2010/main"/>
@@ -9885,25 +10578,23 @@
         </p:blipFill>
         <p:spPr>
           <a:xfrm rot="0">
-            <a:off x="8545195" y="4272280"/>
-            <a:ext cx="2540000" cy="1038860"/>
-          </a:xfrm>
-          <a:prstGeom prst="roundRect"/>
-          <a:solidFill>
-            <a:srgbClr val="EDEDED"/>
-          </a:solidFill>
+            <a:off x="7934960" y="4340860"/>
+            <a:ext cx="530225" cy="425450"/>
+          </a:xfrm>
+          <a:prstGeom prst="rect"/>
+          <a:noFill/>
         </p:spPr>
       </p:pic>
       <p:pic>
         <p:nvPicPr>
-          <p:cNvPr id="1163" name="그림 4" descr="C:/Users/Admin1/AppData/Roaming/PolarisOffice/ETemp/3400_14330424/fImage22421734441.png"/>
+          <p:cNvPr id="1164" name="그림 10"/>
           <p:cNvPicPr>
             <a:picLocks noChangeAspect="1"/>
           </p:cNvPicPr>
           <p:nvPr/>
         </p:nvPicPr>
         <p:blipFill rotWithShape="1">
-          <a:blip r:embed="rId7" cstate="print">
+          <a:blip r:embed="rId8" cstate="print">
             <a:extLst>
               <a:ext uri="{28A0092B-C50C-407E-A947-70E740481C1C}">
                 <a14:useLocalDpi xmlns:a14="http://schemas.microsoft.com/office/drawing/2010/main" val="0"/>
@@ -9916,11 +10607,13 @@
         </p:blipFill>
         <p:spPr>
           <a:xfrm rot="0">
-            <a:off x="7914005" y="4592320"/>
-            <a:ext cx="528955" cy="424180"/>
-          </a:xfrm>
-          <a:prstGeom prst="rect"/>
-          <a:noFill/>
+            <a:off x="8593455" y="4023995"/>
+            <a:ext cx="2477135" cy="1024890"/>
+          </a:xfrm>
+          <a:prstGeom prst="roundRect"/>
+          <a:solidFill>
+            <a:srgbClr val="EDEDED"/>
+          </a:solidFill>
         </p:spPr>
       </p:pic>
     </p:spTree>
@@ -10094,8 +10787,8 @@
         </p:nvSpPr>
         <p:spPr>
           <a:xfrm rot="0">
-            <a:off x="6825615" y="2359660"/>
-            <a:ext cx="4252595" cy="677545"/>
+            <a:off x="6825615" y="2700020"/>
+            <a:ext cx="4253230" cy="678180"/>
           </a:xfrm>
           <a:prstGeom prst="rect"/>
           <a:noFill/>
@@ -10148,8 +10841,8 @@
         </p:nvSpPr>
         <p:spPr>
           <a:xfrm rot="0">
-            <a:off x="6823075" y="5561330"/>
-            <a:ext cx="4258310" cy="647700"/>
+            <a:off x="6806565" y="5561330"/>
+            <a:ext cx="4258945" cy="648335"/>
           </a:xfrm>
           <a:prstGeom prst="rect"/>
           <a:noFill/>
@@ -10180,7 +10873,63 @@
                 <a:latin typeface="맑은 고딕" charset="0"/>
                 <a:ea typeface="맑은 고딕" charset="0"/>
               </a:rPr>
-              <a:t>게임 오브젝트의 애니메이션을 제어하는 컴포넌트입니다.</a:t>
+              <a:t>게임</a:t>
+            </a:r>
+            <a:r>
+              <a:rPr lang="ko-KR" altLang="en-US" sz="1800">
+                <a:latin typeface="맑은 고딕" charset="0"/>
+                <a:ea typeface="맑은 고딕" charset="0"/>
+              </a:rPr>
+              <a:t> </a:t>
+            </a:r>
+            <a:r>
+              <a:rPr lang="ko-KR" altLang="en-US" sz="1800">
+                <a:latin typeface="맑은 고딕" charset="0"/>
+                <a:ea typeface="맑은 고딕" charset="0"/>
+              </a:rPr>
+              <a:t>오브젝트의</a:t>
+            </a:r>
+            <a:r>
+              <a:rPr lang="ko-KR" altLang="en-US" sz="1800">
+                <a:latin typeface="맑은 고딕" charset="0"/>
+                <a:ea typeface="맑은 고딕" charset="0"/>
+              </a:rPr>
+              <a:t> </a:t>
+            </a:r>
+            <a:r>
+              <a:rPr lang="ko-KR" altLang="en-US" sz="1800">
+                <a:latin typeface="맑은 고딕" charset="0"/>
+                <a:ea typeface="맑은 고딕" charset="0"/>
+              </a:rPr>
+              <a:t>애니메이션을</a:t>
+            </a:r>
+            <a:r>
+              <a:rPr lang="ko-KR" altLang="en-US" sz="1800">
+                <a:latin typeface="맑은 고딕" charset="0"/>
+                <a:ea typeface="맑은 고딕" charset="0"/>
+              </a:rPr>
+              <a:t> </a:t>
+            </a:r>
+            <a:r>
+              <a:rPr lang="ko-KR" altLang="en-US" sz="1800">
+                <a:latin typeface="맑은 고딕" charset="0"/>
+                <a:ea typeface="맑은 고딕" charset="0"/>
+              </a:rPr>
+              <a:t>제어하는</a:t>
+            </a:r>
+            <a:r>
+              <a:rPr lang="ko-KR" altLang="en-US" sz="1800">
+                <a:latin typeface="맑은 고딕" charset="0"/>
+                <a:ea typeface="맑은 고딕" charset="0"/>
+              </a:rPr>
+              <a:t> </a:t>
+            </a:r>
+            <a:r>
+              <a:rPr lang="ko-KR" altLang="en-US" sz="1800">
+                <a:latin typeface="맑은 고딕" charset="0"/>
+                <a:ea typeface="맑은 고딕" charset="0"/>
+              </a:rPr>
+              <a:t>컴포넌트입니다.</a:t>
             </a:r>
             <a:endParaRPr lang="ko-KR" altLang="en-US" sz="1800">
               <a:latin typeface="맑은 고딕" charset="0"/>
@@ -10189,68 +10938,6 @@
           </a:p>
         </p:txBody>
       </p:sp>
-      <p:pic>
-        <p:nvPicPr>
-          <p:cNvPr id="1163" name="그림 69"/>
-          <p:cNvPicPr>
-            <a:picLocks noChangeAspect="1"/>
-          </p:cNvPicPr>
-          <p:nvPr/>
-        </p:nvPicPr>
-        <p:blipFill rotWithShape="1">
-          <a:blip r:embed="rId2" cstate="hqprint">
-            <a:extLst>
-              <a:ext uri="{28A0092B-C50C-407E-A947-70E740481C1C}">
-                <a14:useLocalDpi xmlns:a14="http://schemas.microsoft.com/office/drawing/2010/main"/>
-              </a:ext>
-            </a:extLst>
-          </a:blip>
-          <a:stretch>
-            <a:fillRect/>
-          </a:stretch>
-        </p:blipFill>
-        <p:spPr>
-          <a:xfrm rot="0">
-            <a:off x="3375025" y="4432300"/>
-            <a:ext cx="1979930" cy="890270"/>
-          </a:xfrm>
-          <a:prstGeom prst="roundRect"/>
-          <a:solidFill>
-            <a:srgbClr val="EDEDED"/>
-          </a:solidFill>
-        </p:spPr>
-      </p:pic>
-      <p:pic>
-        <p:nvPicPr>
-          <p:cNvPr id="1164" name="그림 72"/>
-          <p:cNvPicPr>
-            <a:picLocks noChangeAspect="1"/>
-          </p:cNvPicPr>
-          <p:nvPr/>
-        </p:nvPicPr>
-        <p:blipFill rotWithShape="1">
-          <a:blip r:embed="rId3" cstate="hqprint">
-            <a:extLst>
-              <a:ext uri="{28A0092B-C50C-407E-A947-70E740481C1C}">
-                <a14:useLocalDpi xmlns:a14="http://schemas.microsoft.com/office/drawing/2010/main"/>
-              </a:ext>
-            </a:extLst>
-          </a:blip>
-          <a:stretch>
-            <a:fillRect/>
-          </a:stretch>
-        </p:blipFill>
-        <p:spPr>
-          <a:xfrm rot="0">
-            <a:off x="1219200" y="4526280"/>
-            <a:ext cx="1542415" cy="721995"/>
-          </a:xfrm>
-          <a:prstGeom prst="roundRect"/>
-          <a:solidFill>
-            <a:srgbClr val="EDEDED"/>
-          </a:solidFill>
-        </p:spPr>
-      </p:pic>
       <p:pic>
         <p:nvPicPr>
           <p:cNvPr id="1165" name="그림 75"/>
@@ -10284,64 +10971,6 @@
       </p:pic>
       <p:sp>
         <p:nvSpPr>
-          <p:cNvPr id="1166" name="도형 76"/>
-          <p:cNvSpPr>
-            <a:spLocks/>
-          </p:cNvSpPr>
-          <p:nvPr/>
-        </p:nvSpPr>
-        <p:spPr>
-          <a:xfrm rot="0">
-            <a:off x="2914650" y="4724400"/>
-            <a:ext cx="316865" cy="305435"/>
-          </a:xfrm>
-          <a:prstGeom prst="notchedRightArrow"/>
-          <a:scene3d>
-            <a:camera prst="orthographicFront"/>
-            <a:lightRig rig="threePt" dir="t"/>
-          </a:scene3d>
-          <a:sp3d prstMaterial="warmMatte">
-            <a:bevelT w="76200" h="76200" prst="circle"/>
-            <a:contourClr>
-              <a:srgbClr val="000000"/>
-            </a:contourClr>
-          </a:sp3d>
-        </p:spPr>
-        <p:style>
-          <a:lnRef idx="2">
-            <a:schemeClr val="accent1">
-              <a:shade val="50000"/>
-            </a:schemeClr>
-          </a:lnRef>
-          <a:fillRef idx="1">
-            <a:schemeClr val="accent1"/>
-          </a:fillRef>
-          <a:effectRef idx="0">
-            <a:schemeClr val="accent1"/>
-          </a:effectRef>
-          <a:fontRef idx="minor">
-            <a:schemeClr val="lt1"/>
-          </a:fontRef>
-        </p:style>
-        <p:txBody>
-          <a:bodyPr wrap="square" lIns="91440" tIns="45720" rIns="91440" bIns="45720" numCol="1" vert="horz" anchor="ctr">
-            <a:noAutofit/>
-          </a:bodyPr>
-          <a:lstStyle/>
-          <a:p>
-            <a:pPr marL="0" indent="0" algn="ctr" latinLnBrk="0" hangingPunct="1">
-              <a:buFontTx/>
-              <a:buNone/>
-            </a:pPr>
-            <a:endParaRPr lang="ko-KR" altLang="en-US" sz="1800">
-              <a:latin typeface="맑은 고딕" charset="0"/>
-              <a:ea typeface="맑은 고딕" charset="0"/>
-            </a:endParaRPr>
-          </a:p>
-        </p:txBody>
-      </p:sp>
-      <p:sp>
-        <p:nvSpPr>
           <p:cNvPr id="1167" name="텍스트 상자 77"/>
           <p:cNvSpPr txBox="1">
             <a:spLocks/>
@@ -10351,7 +10980,7 @@
         <p:spPr>
           <a:xfrm rot="0">
             <a:off x="1243965" y="3352800"/>
-            <a:ext cx="4146550" cy="955040"/>
+            <a:ext cx="4147185" cy="955675"/>
           </a:xfrm>
           <a:prstGeom prst="rect"/>
           <a:noFill/>
@@ -10416,8 +11045,8 @@
         </p:blipFill>
         <p:spPr>
           <a:xfrm rot="0">
-            <a:off x="8551545" y="1361440"/>
-            <a:ext cx="2531110" cy="877570"/>
+            <a:off x="6816725" y="1361440"/>
+            <a:ext cx="4266565" cy="1224280"/>
           </a:xfrm>
           <a:prstGeom prst="roundRect"/>
           <a:solidFill>
@@ -10427,96 +11056,7 @@
       </p:pic>
       <p:pic>
         <p:nvPicPr>
-          <p:cNvPr id="1169" name="그림 79"/>
-          <p:cNvPicPr>
-            <a:picLocks noChangeAspect="1"/>
-          </p:cNvPicPr>
-          <p:nvPr/>
-        </p:nvPicPr>
-        <p:blipFill rotWithShape="1">
-          <a:blip r:embed="rId6" cstate="print">
-            <a:extLst>
-              <a:ext uri="{28A0092B-C50C-407E-A947-70E740481C1C}">
-                <a14:useLocalDpi xmlns:a14="http://schemas.microsoft.com/office/drawing/2010/main" val="0"/>
-              </a:ext>
-            </a:extLst>
-          </a:blip>
-          <a:stretch>
-            <a:fillRect/>
-          </a:stretch>
-        </p:blipFill>
-        <p:spPr>
-          <a:xfrm rot="0">
-            <a:off x="6824980" y="1370330"/>
-            <a:ext cx="983615" cy="875030"/>
-          </a:xfrm>
-          <a:prstGeom prst="roundRect"/>
-          <a:solidFill>
-            <a:srgbClr val="EDEDED"/>
-          </a:solidFill>
-        </p:spPr>
-      </p:pic>
-      <p:sp>
-        <p:nvSpPr>
-          <p:cNvPr id="1170" name="도형 82"/>
-          <p:cNvSpPr>
-            <a:spLocks/>
-          </p:cNvSpPr>
-          <p:nvPr/>
-        </p:nvSpPr>
-        <p:spPr>
-          <a:xfrm rot="0">
-            <a:off x="8077835" y="1691640"/>
-            <a:ext cx="266065" cy="217805"/>
-          </a:xfrm>
-          <a:prstGeom prst="notchedRightArrow"/>
-          <a:scene3d>
-            <a:camera prst="orthographicFront"/>
-            <a:lightRig rig="threePt" dir="t"/>
-          </a:scene3d>
-          <a:sp3d prstMaterial="warmMatte">
-            <a:bevelT w="76200" h="76200" prst="circle"/>
-            <a:contourClr>
-              <a:srgbClr val="000000"/>
-            </a:contourClr>
-          </a:sp3d>
-        </p:spPr>
-        <p:style>
-          <a:lnRef idx="2">
-            <a:schemeClr val="accent1">
-              <a:shade val="50000"/>
-            </a:schemeClr>
-          </a:lnRef>
-          <a:fillRef idx="1">
-            <a:schemeClr val="accent1"/>
-          </a:fillRef>
-          <a:effectRef idx="0">
-            <a:schemeClr val="accent1"/>
-          </a:effectRef>
-          <a:fontRef idx="minor">
-            <a:schemeClr val="lt1"/>
-          </a:fontRef>
-        </p:style>
-        <p:txBody>
-          <a:bodyPr wrap="square" lIns="91440" tIns="45720" rIns="91440" bIns="45720" numCol="1" vert="horz" anchor="ctr">
-            <a:noAutofit/>
-          </a:bodyPr>
-          <a:lstStyle/>
-          <a:p>
-            <a:pPr marL="0" indent="0" algn="ctr" latinLnBrk="0" hangingPunct="1">
-              <a:buFontTx/>
-              <a:buNone/>
-            </a:pPr>
-            <a:endParaRPr lang="ko-KR" altLang="en-US" sz="1800">
-              <a:latin typeface="맑은 고딕" charset="0"/>
-              <a:ea typeface="맑은 고딕" charset="0"/>
-            </a:endParaRPr>
-          </a:p>
-        </p:txBody>
-      </p:sp>
-      <p:pic>
-        <p:nvPicPr>
-          <p:cNvPr id="1171" name="그림 14" descr="C:/Users/Admin1/AppData/Roaming/PolarisOffice/ETemp/3400_14330424/fImage2446744741.png"/>
+          <p:cNvPr id="1171" name="그림 14" descr="C:/Users/Admin1/AppData/Roaming/PolarisOffice/ETemp/9144_11002792/fImage2446744741.png"/>
           <p:cNvPicPr>
             <a:picLocks noChangeAspect="1"/>
           </p:cNvPicPr>
@@ -10536,8 +11076,70 @@
         </p:blipFill>
         <p:spPr>
           <a:xfrm rot="0">
-            <a:off x="6815455" y="3235325"/>
-            <a:ext cx="4263390" cy="2136775"/>
+            <a:off x="6815455" y="3550920"/>
+            <a:ext cx="4264660" cy="1838960"/>
+          </a:xfrm>
+          <a:prstGeom prst="roundRect"/>
+          <a:solidFill>
+            <a:srgbClr val="EDEDED"/>
+          </a:solidFill>
+        </p:spPr>
+      </p:pic>
+      <p:pic>
+        <p:nvPicPr>
+          <p:cNvPr id="1172" name="그림 1" descr="C:/Users/Admin1/AppData/Roaming/PolarisOffice/ETemp/9144_11002792/fImage58462148467.png"/>
+          <p:cNvPicPr>
+            <a:picLocks noChangeAspect="1"/>
+          </p:cNvPicPr>
+          <p:nvPr/>
+        </p:nvPicPr>
+        <p:blipFill rotWithShape="1">
+          <a:blip r:embed="rId11" cstate="hqprint">
+            <a:extLst>
+              <a:ext uri="{28A0092B-C50C-407E-A947-70E740481C1C}">
+                <a14:useLocalDpi xmlns:a14="http://schemas.microsoft.com/office/drawing/2010/main"/>
+              </a:ext>
+            </a:extLst>
+          </a:blip>
+          <a:stretch>
+            <a:fillRect/>
+          </a:stretch>
+        </p:blipFill>
+        <p:spPr>
+          <a:xfrm rot="0">
+            <a:off x="1306830" y="4455795"/>
+            <a:ext cx="1179830" cy="990600"/>
+          </a:xfrm>
+          <a:prstGeom prst="roundRect"/>
+          <a:solidFill>
+            <a:srgbClr val="EDEDED"/>
+          </a:solidFill>
+        </p:spPr>
+      </p:pic>
+      <p:pic>
+        <p:nvPicPr>
+          <p:cNvPr id="1173" name="그림 4" descr="C:/Users/Admin1/AppData/Roaming/PolarisOffice/ETemp/9144_11002792/fImage53572156334.png"/>
+          <p:cNvPicPr>
+            <a:picLocks noChangeAspect="1"/>
+          </p:cNvPicPr>
+          <p:nvPr/>
+        </p:nvPicPr>
+        <p:blipFill rotWithShape="1">
+          <a:blip r:embed="rId12" cstate="hqprint">
+            <a:extLst>
+              <a:ext uri="{28A0092B-C50C-407E-A947-70E740481C1C}">
+                <a14:useLocalDpi xmlns:a14="http://schemas.microsoft.com/office/drawing/2010/main"/>
+              </a:ext>
+            </a:extLst>
+          </a:blip>
+          <a:stretch>
+            <a:fillRect/>
+          </a:stretch>
+        </p:blipFill>
+        <p:spPr>
+          <a:xfrm rot="0">
+            <a:off x="2635250" y="4455795"/>
+            <a:ext cx="2764790" cy="993140"/>
           </a:xfrm>
           <a:prstGeom prst="roundRect"/>
           <a:solidFill>
@@ -10718,7 +11320,7 @@
       </p:sp>
       <p:pic>
         <p:nvPicPr>
-          <p:cNvPr id="1171" name="Picture " descr="C:/Users/Admin1/AppData/Roaming/PolarisOffice/ETemp/3400_14330424/fImage415713108145.png"/>
+          <p:cNvPr id="1171" name="Picture "/>
           <p:cNvPicPr>
             <a:picLocks noChangeAspect="1"/>
           </p:cNvPicPr>
@@ -10803,7 +11405,7 @@
       </p:sp>
       <p:pic>
         <p:nvPicPr>
-          <p:cNvPr id="1177" name="그림 5" descr="C:/Users/Admin1/AppData/Roaming/PolarisOffice/ETemp/3400_14330424/fImage455135641.png"/>
+          <p:cNvPr id="1177" name="그림 5"/>
           <p:cNvPicPr>
             <a:picLocks noChangeAspect="1"/>
           </p:cNvPicPr>
@@ -10834,70 +11436,7 @@
       </p:pic>
       <p:pic>
         <p:nvPicPr>
-          <p:cNvPr id="1178" name="그림 8" descr="C:/Users/Admin1/AppData/Roaming/PolarisOffice/ETemp/3400_14330424/fImage42973039358.png"/>
-          <p:cNvPicPr>
-            <a:picLocks noChangeAspect="1"/>
-          </p:cNvPicPr>
-          <p:nvPr/>
-        </p:nvPicPr>
-        <p:blipFill rotWithShape="1">
-          <a:blip r:embed="rId6" cstate="hqprint">
-            <a:extLst>
-              <a:ext uri="{28A0092B-C50C-407E-A947-70E740481C1C}">
-                <a14:useLocalDpi xmlns:a14="http://schemas.microsoft.com/office/drawing/2010/main"/>
-              </a:ext>
-            </a:extLst>
-          </a:blip>
-          <a:stretch>
-            <a:fillRect/>
-          </a:stretch>
-        </p:blipFill>
-        <p:spPr>
-          <a:xfrm rot="0">
-            <a:off x="6822440" y="1371600"/>
-            <a:ext cx="1184275" cy="1109345"/>
-          </a:xfrm>
-          <a:prstGeom prst="roundRect"/>
-          <a:solidFill>
-            <a:srgbClr val="EDEDED"/>
-          </a:solidFill>
-        </p:spPr>
-      </p:pic>
-      <p:cxnSp>
-        <p:nvCxnSpPr>
-          <p:cNvPr id="1179" name="도형 9"/>
-          <p:cNvCxnSpPr/>
-          <p:nvPr/>
-        </p:nvCxnSpPr>
-        <p:spPr>
-          <a:xfrm rot="0" flipH="1">
-            <a:off x="7955915" y="2241550"/>
-            <a:ext cx="350520" cy="1270"/>
-          </a:xfrm>
-          <a:prstGeom prst="straightConnector1"/>
-          <a:ln w="6350" cap="flat" cmpd="sng">
-            <a:prstDash/>
-            <a:tailEnd type="triangle" w="med" len="med"/>
-          </a:ln>
-        </p:spPr>
-        <p:style>
-          <a:lnRef idx="1">
-            <a:schemeClr val="accent1"/>
-          </a:lnRef>
-          <a:fillRef idx="0">
-            <a:schemeClr val="accent1"/>
-          </a:fillRef>
-          <a:effectRef idx="0">
-            <a:schemeClr val="accent1"/>
-          </a:effectRef>
-          <a:fontRef idx="minor">
-            <a:schemeClr val="tx1"/>
-          </a:fontRef>
-        </p:style>
-      </p:cxnSp>
-      <p:pic>
-        <p:nvPicPr>
-          <p:cNvPr id="1180" name="그림 10" descr="C:/Users/Admin1/AppData/Roaming/PolarisOffice/ETemp/3400_14330424/fImage127933598467.png"/>
+          <p:cNvPr id="1180" name="그림 10"/>
           <p:cNvPicPr>
             <a:picLocks noChangeAspect="1"/>
           </p:cNvPicPr>
@@ -10980,6 +11519,69 @@
           </a:p>
         </p:txBody>
       </p:sp>
+      <p:pic>
+        <p:nvPicPr>
+          <p:cNvPr id="1182" name="그림 13" descr="C:/Users/Admin1/AppData/Roaming/PolarisOffice/ETemp/7956_23580608/fImage58462206500.png"/>
+          <p:cNvPicPr>
+            <a:picLocks noChangeAspect="1"/>
+          </p:cNvPicPr>
+          <p:nvPr/>
+        </p:nvPicPr>
+        <p:blipFill rotWithShape="1">
+          <a:blip r:embed="rId8" cstate="print">
+            <a:extLst>
+              <a:ext uri="{28A0092B-C50C-407E-A947-70E740481C1C}">
+                <a14:useLocalDpi xmlns:a14="http://schemas.microsoft.com/office/drawing/2010/main" val="0"/>
+              </a:ext>
+            </a:extLst>
+          </a:blip>
+          <a:stretch>
+            <a:fillRect/>
+          </a:stretch>
+        </p:blipFill>
+        <p:spPr>
+          <a:xfrm rot="0">
+            <a:off x="6822440" y="1359535"/>
+            <a:ext cx="1179195" cy="1134745"/>
+          </a:xfrm>
+          <a:prstGeom prst="roundRect"/>
+          <a:solidFill>
+            <a:srgbClr val="EDEDED"/>
+          </a:solidFill>
+        </p:spPr>
+      </p:pic>
+      <p:cxnSp>
+        <p:nvCxnSpPr>
+          <p:cNvPr id="1179" name="도형 9"/>
+          <p:cNvCxnSpPr/>
+          <p:nvPr/>
+        </p:nvCxnSpPr>
+        <p:spPr>
+          <a:xfrm rot="0" flipH="1">
+            <a:off x="7955915" y="2310130"/>
+            <a:ext cx="351155" cy="1905"/>
+          </a:xfrm>
+          <a:prstGeom prst="straightConnector1"/>
+          <a:ln w="6350" cap="flat" cmpd="sng">
+            <a:prstDash/>
+            <a:tailEnd type="triangle" w="med" len="med"/>
+          </a:ln>
+        </p:spPr>
+        <p:style>
+          <a:lnRef idx="1">
+            <a:schemeClr val="accent1"/>
+          </a:lnRef>
+          <a:fillRef idx="0">
+            <a:schemeClr val="accent1"/>
+          </a:fillRef>
+          <a:effectRef idx="0">
+            <a:schemeClr val="accent1"/>
+          </a:effectRef>
+          <a:fontRef idx="minor">
+            <a:schemeClr val="tx1"/>
+          </a:fontRef>
+        </p:style>
+      </p:cxnSp>
     </p:spTree>
   </p:cSld>
   <p:clrMapOvr>
@@ -11092,7 +11694,7 @@
       </p:sp>
       <p:pic>
         <p:nvPicPr>
-          <p:cNvPr id="1160" name="그림 99"/>
+          <p:cNvPr id="1160" name="그림 99" descr="C:/Users/Admin1/AppData/Roaming/PolarisOffice/ETemp/7956_23580608/fImage29523219961.png"/>
           <p:cNvPicPr>
             <a:picLocks noChangeAspect="1"/>
           </p:cNvPicPr>
@@ -11112,8 +11714,8 @@
         </p:blipFill>
         <p:spPr>
           <a:xfrm rot="0">
-            <a:off x="4415155" y="3273425"/>
-            <a:ext cx="677545" cy="710565"/>
+            <a:off x="4416425" y="3273425"/>
+            <a:ext cx="701675" cy="711200"/>
           </a:xfrm>
           <a:prstGeom prst="roundRect"/>
           <a:solidFill>
@@ -11126,14 +11728,14 @@
           <p:cNvPr id="1164" name="도형 106"/>
           <p:cNvCxnSpPr>
             <a:stCxn id="1160" idx="0"/>
-            <a:endCxn id="1167" idx="2"/>
+            <a:endCxn id="1172" idx="2"/>
           </p:cNvCxnSpPr>
           <p:nvPr/>
         </p:nvCxnSpPr>
         <p:spPr>
           <a:xfrm rot="0" flipV="1">
-            <a:off x="4753610" y="2632710"/>
-            <a:ext cx="1270" cy="641350"/>
+            <a:off x="4766945" y="2866390"/>
+            <a:ext cx="2540" cy="407670"/>
           </a:xfrm>
           <a:prstGeom prst="straightConnector1"/>
           <a:ln w="19050" cap="flat" cmpd="sng">
@@ -11158,38 +11760,7 @@
       </p:cxnSp>
       <p:pic>
         <p:nvPicPr>
-          <p:cNvPr id="1167" name="그림 28"/>
-          <p:cNvPicPr>
-            <a:picLocks noChangeAspect="1"/>
-          </p:cNvPicPr>
-          <p:nvPr/>
-        </p:nvPicPr>
-        <p:blipFill rotWithShape="1">
-          <a:blip r:embed="rId23" cstate="hqprint">
-            <a:extLst>
-              <a:ext uri="{28A0092B-C50C-407E-A947-70E740481C1C}">
-                <a14:useLocalDpi xmlns:a14="http://schemas.microsoft.com/office/drawing/2010/main"/>
-              </a:ext>
-            </a:extLst>
-          </a:blip>
-          <a:stretch>
-            <a:fillRect/>
-          </a:stretch>
-        </p:blipFill>
-        <p:spPr>
-          <a:xfrm rot="0">
-            <a:off x="4139565" y="1462405"/>
-            <a:ext cx="1229995" cy="1170940"/>
-          </a:xfrm>
-          <a:prstGeom prst="roundRect"/>
-          <a:solidFill>
-            <a:srgbClr val="EDEDED"/>
-          </a:solidFill>
-        </p:spPr>
-      </p:pic>
-      <p:pic>
-        <p:nvPicPr>
-          <p:cNvPr id="1168" name="그림 29"/>
+          <p:cNvPr id="1168" name="그림 29" descr="C:/Users/Admin1/AppData/Roaming/PolarisOffice/ETemp/7956_23580608/fImage85063176827.png"/>
           <p:cNvPicPr>
             <a:picLocks noChangeAspect="1"/>
           </p:cNvPicPr>
@@ -11209,8 +11780,8 @@
         </p:blipFill>
         <p:spPr>
           <a:xfrm rot="0">
-            <a:off x="1496060" y="1473835"/>
-            <a:ext cx="2505710" cy="2516505"/>
+            <a:off x="1496060" y="1463040"/>
+            <a:ext cx="2506345" cy="2527935"/>
           </a:xfrm>
           <a:prstGeom prst="roundRect"/>
           <a:solidFill>
@@ -11350,8 +11921,8 @@
         </p:nvSpPr>
         <p:spPr>
           <a:xfrm rot="0">
-            <a:off x="6814820" y="5156200"/>
-            <a:ext cx="4174490" cy="954405"/>
+            <a:off x="6823710" y="5208270"/>
+            <a:ext cx="4175125" cy="955040"/>
           </a:xfrm>
           <a:prstGeom prst="rect"/>
           <a:noFill/>
@@ -11396,7 +11967,7 @@
       </p:sp>
       <p:pic>
         <p:nvPicPr>
-          <p:cNvPr id="1171" name="그림 15" descr="C:/Users/Admin1/AppData/Roaming/PolarisOffice/ETemp/9880_20815312/fImage3349343452995.png"/>
+          <p:cNvPr id="1171" name="그림 15" descr="C:/Users/Admin1/AppData/Roaming/PolarisOffice/ETemp/7956_23580608/fImage3349343452995.png"/>
           <p:cNvPicPr>
             <a:picLocks noChangeAspect="1"/>
           </p:cNvPicPr>
@@ -11417,10 +11988,41 @@
         <p:spPr>
           <a:xfrm rot="0">
             <a:off x="6823710" y="1471930"/>
-            <a:ext cx="4168775" cy="3547745"/>
+            <a:ext cx="4169410" cy="3568065"/>
           </a:xfrm>
           <a:prstGeom prst="rect"/>
           <a:noFill/>
+        </p:spPr>
+      </p:pic>
+      <p:pic>
+        <p:nvPicPr>
+          <p:cNvPr id="1172" name="그림 14" descr="C:/Users/Admin1/AppData/Roaming/PolarisOffice/ETemp/7956_23580608/fImage64822219169.png"/>
+          <p:cNvPicPr>
+            <a:picLocks noChangeAspect="1"/>
+          </p:cNvPicPr>
+          <p:nvPr/>
+        </p:nvPicPr>
+        <p:blipFill rotWithShape="1">
+          <a:blip r:embed="rId28" cstate="print">
+            <a:extLst>
+              <a:ext uri="{28A0092B-C50C-407E-A947-70E740481C1C}">
+                <a14:useLocalDpi xmlns:a14="http://schemas.microsoft.com/office/drawing/2010/main" val="0"/>
+              </a:ext>
+            </a:extLst>
+          </a:blip>
+          <a:stretch>
+            <a:fillRect/>
+          </a:stretch>
+        </p:blipFill>
+        <p:spPr>
+          <a:xfrm rot="0">
+            <a:off x="4168775" y="1471930"/>
+            <a:ext cx="1200785" cy="1395095"/>
+          </a:xfrm>
+          <a:prstGeom prst="roundRect"/>
+          <a:solidFill>
+            <a:srgbClr val="EDEDED"/>
+          </a:solidFill>
         </p:spPr>
       </p:pic>
     </p:spTree>
@@ -11955,8 +12557,8 @@
         </p:nvSpPr>
         <p:spPr>
           <a:xfrm rot="0">
-            <a:off x="6883400" y="2953385"/>
-            <a:ext cx="4015740" cy="677545"/>
+            <a:off x="1316355" y="5499100"/>
+            <a:ext cx="4067175" cy="677545"/>
           </a:xfrm>
           <a:prstGeom prst="rect"/>
           <a:noFill/>
@@ -12001,17 +12603,17 @@
       </p:sp>
       <p:pic>
         <p:nvPicPr>
-          <p:cNvPr id="1168" name="Picture "/>
+          <p:cNvPr id="1168" name="Picture " descr="C:/Users/Admin1/AppData/Roaming/PolarisOffice/ETemp/7956_23580608/fImage40303612391.png"/>
           <p:cNvPicPr>
             <a:picLocks noChangeAspect="1"/>
           </p:cNvPicPr>
           <p:nvPr/>
         </p:nvPicPr>
         <p:blipFill rotWithShape="1">
-          <a:blip r:embed="rId2" cstate="print">
+          <a:blip r:embed="rId2" cstate="hqprint">
             <a:extLst>
               <a:ext uri="{28A0092B-C50C-407E-A947-70E740481C1C}">
-                <a14:useLocalDpi xmlns:a14="http://schemas.microsoft.com/office/drawing/2010/main" val="0"/>
+                <a14:useLocalDpi xmlns:a14="http://schemas.microsoft.com/office/drawing/2010/main"/>
               </a:ext>
             </a:extLst>
           </a:blip>
@@ -12021,8 +12623,8 @@
         </p:blipFill>
         <p:spPr>
           <a:xfrm rot="0">
-            <a:off x="6808470" y="1903095"/>
-            <a:ext cx="1146810" cy="824230"/>
+            <a:off x="1316355" y="4266565"/>
+            <a:ext cx="962025" cy="824865"/>
           </a:xfrm>
           <a:prstGeom prst="roundRect"/>
           <a:solidFill>
@@ -12040,8 +12642,8 @@
         </p:nvSpPr>
         <p:spPr>
           <a:xfrm rot="0">
-            <a:off x="6884670" y="5457190"/>
-            <a:ext cx="4002405" cy="677545"/>
+            <a:off x="6848475" y="2912110"/>
+            <a:ext cx="4157980" cy="677545"/>
           </a:xfrm>
           <a:prstGeom prst="rect"/>
           <a:noFill/>
@@ -12086,17 +12688,17 @@
       </p:sp>
       <p:pic>
         <p:nvPicPr>
-          <p:cNvPr id="1174" name="그림 121"/>
+          <p:cNvPr id="1174" name="그림 121" descr="C:/Users/Admin1/AppData/Roaming/PolarisOffice/ETemp/7956_23580608/fImage40103704604.png"/>
           <p:cNvPicPr>
             <a:picLocks noChangeAspect="1"/>
           </p:cNvPicPr>
           <p:nvPr/>
         </p:nvPicPr>
         <p:blipFill rotWithShape="1">
-          <a:blip r:embed="rId3" cstate="print">
+          <a:blip r:embed="rId3" cstate="hqprint">
             <a:extLst>
               <a:ext uri="{28A0092B-C50C-407E-A947-70E740481C1C}">
-                <a14:useLocalDpi xmlns:a14="http://schemas.microsoft.com/office/drawing/2010/main" val="0"/>
+                <a14:useLocalDpi xmlns:a14="http://schemas.microsoft.com/office/drawing/2010/main"/>
               </a:ext>
             </a:extLst>
           </a:blip>
@@ -12106,8 +12708,8 @@
         </p:blipFill>
         <p:spPr>
           <a:xfrm rot="0">
-            <a:off x="6885305" y="3826510"/>
-            <a:ext cx="4022090" cy="1484630"/>
+            <a:off x="6831965" y="1367790"/>
+            <a:ext cx="4166235" cy="1438275"/>
           </a:xfrm>
           <a:prstGeom prst="roundRect"/>
           <a:solidFill>
@@ -12117,7 +12719,7 @@
       </p:pic>
       <p:pic>
         <p:nvPicPr>
-          <p:cNvPr id="1175" name="그림 123" descr="C:/Users/Admin1/AppData/Roaming/PolarisOffice/ETemp/12272_8304848/fImage30643713902.png"/>
+          <p:cNvPr id="1175" name="그림 123" descr="C:/Users/Admin1/AppData/Roaming/PolarisOffice/ETemp/7956_23580608/fImage30643713902.png"/>
           <p:cNvPicPr>
             <a:picLocks noChangeAspect="1"/>
           </p:cNvPicPr>
@@ -12137,8 +12739,8 @@
         </p:blipFill>
         <p:spPr>
           <a:xfrm rot="0">
-            <a:off x="8233410" y="1720850"/>
-            <a:ext cx="2666365" cy="1173480"/>
+            <a:off x="2952750" y="4026535"/>
+            <a:ext cx="2433955" cy="1316990"/>
           </a:xfrm>
           <a:prstGeom prst="roundRect"/>
           <a:solidFill>
@@ -12148,51 +12750,6 @@
       </p:pic>
       <p:sp>
         <p:nvSpPr>
-          <p:cNvPr id="1176" name="도형 125"/>
-          <p:cNvSpPr>
-            <a:spLocks/>
-          </p:cNvSpPr>
-          <p:nvPr/>
-        </p:nvSpPr>
-        <p:spPr>
-          <a:xfrm rot="0">
-            <a:off x="7365365" y="1438275"/>
-            <a:ext cx="3018155" cy="515620"/>
-          </a:xfrm>
-          <a:prstGeom prst="curvedDownArrow"/>
-        </p:spPr>
-        <p:style>
-          <a:lnRef idx="2">
-            <a:schemeClr val="accent1">
-              <a:shade val="50000"/>
-            </a:schemeClr>
-          </a:lnRef>
-          <a:fillRef idx="1">
-            <a:schemeClr val="accent1"/>
-          </a:fillRef>
-          <a:effectRef idx="0">
-            <a:schemeClr val="accent1"/>
-          </a:effectRef>
-          <a:fontRef idx="minor">
-            <a:schemeClr val="lt1"/>
-          </a:fontRef>
-        </p:style>
-        <p:txBody>
-          <a:bodyPr wrap="square" lIns="91440" tIns="45720" rIns="91440" bIns="45720" vert="horz" anchor="ctr">
-            <a:noAutofit/>
-          </a:bodyPr>
-          <a:lstStyle/>
-          <a:p>
-            <a:pPr marL="0" indent="0" algn="ctr" hangingPunct="1"/>
-            <a:endParaRPr lang="ko-KR" altLang="en-US" sz="1800">
-              <a:latin typeface="맑은 고딕" charset="0"/>
-              <a:ea typeface="맑은 고딕" charset="0"/>
-            </a:endParaRPr>
-          </a:p>
-        </p:txBody>
-      </p:sp>
-      <p:sp>
-        <p:nvSpPr>
           <p:cNvPr id="1180" name="텍스트 상자 136"/>
           <p:cNvSpPr txBox="1">
             <a:spLocks/>
@@ -12200,9 +12757,9 @@
           <p:nvPr/>
         </p:nvSpPr>
         <p:spPr>
-          <a:xfrm>
-            <a:off x="1406525" y="5175250"/>
-            <a:ext cx="3974465" cy="954405"/>
+          <a:xfrm rot="0">
+            <a:off x="1315720" y="2878455"/>
+            <a:ext cx="4065905" cy="954405"/>
           </a:xfrm>
           <a:prstGeom prst="rect"/>
           <a:noFill/>
@@ -12236,21 +12793,7 @@
                 <a:latin typeface="맑은 고딕" charset="0"/>
                 <a:ea typeface="맑은 고딕" charset="0"/>
               </a:rPr>
-              <a:t>그런 다음 Idle 애니메이션을 선택하고 애니메이션 클립</a:t>
-            </a:r>
-            <a:r>
-              <a:rPr lang="ko-KR" sz="1800">
-                <a:latin typeface="맑은 고딕" charset="0"/>
-                <a:ea typeface="맑은 고딕" charset="0"/>
-              </a:rPr>
-              <a:t>의</a:t>
-            </a:r>
-            <a:r>
-              <a:rPr lang="ko-KR" sz="1800">
-                <a:latin typeface="맑은 고딕" charset="0"/>
-                <a:ea typeface="맑은 고딕" charset="0"/>
-              </a:rPr>
-              <a:t> 이름을 Idle로 변경합니다.</a:t>
+              <a:t>그런 다음 Idle 애니메이션을 선택하고 애니메이션 클립의 이름을 Idle로 변경합니다.</a:t>
             </a:r>
             <a:endParaRPr lang="ko-KR" altLang="en-US" sz="1800">
               <a:latin typeface="맑은 고딕" charset="0"/>
@@ -12261,14 +12804,14 @@
       </p:sp>
       <p:pic>
         <p:nvPicPr>
-          <p:cNvPr id="1181" name="그림 27"/>
+          <p:cNvPr id="1181" name="그림 23" descr="C:/Users/Admin1/AppData/Roaming/PolarisOffice/ETemp/7956_23580608/fImage70252245724.png"/>
           <p:cNvPicPr>
             <a:picLocks noChangeAspect="1"/>
           </p:cNvPicPr>
           <p:nvPr/>
         </p:nvPicPr>
         <p:blipFill rotWithShape="1">
-          <a:blip r:embed="rId10" cstate="print">
+          <a:blip r:embed="rId11" cstate="print">
             <a:extLst>
               <a:ext uri="{28A0092B-C50C-407E-A947-70E740481C1C}">
                 <a14:useLocalDpi xmlns:a14="http://schemas.microsoft.com/office/drawing/2010/main" val="0"/>
@@ -12281,13 +12824,146 @@
         </p:blipFill>
         <p:spPr>
           <a:xfrm rot="0">
-            <a:off x="1406525" y="1437640"/>
-            <a:ext cx="3980180" cy="3543935"/>
+            <a:off x="1307465" y="1364615"/>
+            <a:ext cx="4070985" cy="1381125"/>
+          </a:xfrm>
+          <a:prstGeom prst="roundRect"/>
+          <a:solidFill>
+            <a:srgbClr val="EDEDED"/>
+          </a:solidFill>
+        </p:spPr>
+      </p:pic>
+      <p:pic>
+        <p:nvPicPr>
+          <p:cNvPr id="1182" name="그림 26" descr="C:/Users/Admin1/AppData/Roaming/PolarisOffice/ETemp/7956_23580608/fImage22421734441.png"/>
+          <p:cNvPicPr>
+            <a:picLocks noChangeAspect="1"/>
+          </p:cNvPicPr>
+          <p:nvPr/>
+        </p:nvPicPr>
+        <p:blipFill rotWithShape="1">
+          <a:blip r:embed="rId12" cstate="hqprint">
+            <a:extLst>
+              <a:ext uri="{28A0092B-C50C-407E-A947-70E740481C1C}">
+                <a14:useLocalDpi xmlns:a14="http://schemas.microsoft.com/office/drawing/2010/main"/>
+              </a:ext>
+            </a:extLst>
+          </a:blip>
+          <a:stretch>
+            <a:fillRect/>
+          </a:stretch>
+        </p:blipFill>
+        <p:spPr>
+          <a:xfrm rot="0">
+            <a:off x="2381885" y="4470400"/>
+            <a:ext cx="494030" cy="424815"/>
           </a:xfrm>
           <a:prstGeom prst="rect"/>
           <a:noFill/>
         </p:spPr>
       </p:pic>
+      <p:pic>
+        <p:nvPicPr>
+          <p:cNvPr id="1183" name="그림 46" descr="C:/Users/Admin1/AppData/Roaming/PolarisOffice/ETemp/7956_23580608/fImage158992341478.png"/>
+          <p:cNvPicPr>
+            <a:picLocks noChangeAspect="1"/>
+          </p:cNvPicPr>
+          <p:nvPr/>
+        </p:nvPicPr>
+        <p:blipFill rotWithShape="1">
+          <a:blip r:embed="rId13" cstate="print">
+            <a:extLst>
+              <a:ext uri="{28A0092B-C50C-407E-A947-70E740481C1C}">
+                <a14:useLocalDpi xmlns:a14="http://schemas.microsoft.com/office/drawing/2010/main" val="0"/>
+              </a:ext>
+            </a:extLst>
+          </a:blip>
+          <a:stretch>
+            <a:fillRect/>
+          </a:stretch>
+        </p:blipFill>
+        <p:spPr>
+          <a:xfrm rot="0">
+            <a:off x="6840855" y="3731895"/>
+            <a:ext cx="4165600" cy="1680845"/>
+          </a:xfrm>
+          <a:prstGeom prst="roundRect"/>
+          <a:solidFill>
+            <a:srgbClr val="EDEDED"/>
+          </a:solidFill>
+        </p:spPr>
+      </p:pic>
+      <p:sp>
+        <p:nvSpPr>
+          <p:cNvPr id="1184" name="텍스트 상자 49"/>
+          <p:cNvSpPr txBox="1">
+            <a:spLocks/>
+          </p:cNvSpPr>
+          <p:nvPr/>
+        </p:nvSpPr>
+        <p:spPr>
+          <a:xfrm rot="0">
+            <a:off x="6842125" y="5494655"/>
+            <a:ext cx="4173220" cy="677545"/>
+          </a:xfrm>
+          <a:prstGeom prst="rect"/>
+          <a:noFill/>
+          <a:ln w="0">
+            <a:noFill/>
+            <a:prstDash/>
+          </a:ln>
+        </p:spPr>
+        <p:txBody>
+          <a:bodyPr wrap="square" lIns="89535" tIns="46355" rIns="89535" bIns="46355" numCol="1" vert="horz" anchor="t">
+            <a:spAutoFit/>
+          </a:bodyPr>
+          <a:lstStyle/>
+          <a:p>
+            <a:pPr marL="0" indent="0" algn="l" latinLnBrk="0" hangingPunct="1">
+              <a:buFontTx/>
+              <a:buNone/>
+            </a:pPr>
+            <a:r>
+              <a:rPr lang="ko-KR" sz="2000" b="1">
+                <a:solidFill>
+                  <a:srgbClr val="0611F2"/>
+                </a:solidFill>
+                <a:latin typeface="맑은 고딕" charset="0"/>
+                <a:ea typeface="맑은 고딕" charset="0"/>
+              </a:rPr>
+              <a:t>20</a:t>
+            </a:r>
+            <a:r>
+              <a:rPr lang="ko-KR" sz="2000" b="1">
+                <a:solidFill>
+                  <a:srgbClr val="0611F2"/>
+                </a:solidFill>
+                <a:latin typeface="맑은 고딕" charset="0"/>
+                <a:ea typeface="맑은 고딕" charset="0"/>
+              </a:rPr>
+              <a:t>. </a:t>
+            </a:r>
+            <a:r>
+              <a:rPr lang="ko-KR" sz="1800">
+                <a:latin typeface="맑은 고딕" charset="0"/>
+                <a:ea typeface="맑은 고딕" charset="0"/>
+              </a:rPr>
+              <a:t>마지막으로 Dreyar By M.Aure 오브젝트의 Transform을 초기화합니다.</a:t>
+            </a:r>
+            <a:r>
+              <a:rPr lang="ko-KR" sz="1800">
+                <a:latin typeface="맑은 고딕" charset="0"/>
+                <a:ea typeface="맑은 고딕" charset="0"/>
+              </a:rPr>
+              <a:t> </a:t>
+            </a:r>
+            <a:endParaRPr lang="ko-KR" altLang="en-US" sz="1800">
+              <a:latin typeface="맑은 고딕" charset="0"/>
+              <a:ea typeface="맑은 고딕" charset="0"/>
+            </a:endParaRPr>
+          </a:p>
+        </p:txBody>
+      </p:sp>
     </p:spTree>
   </p:cSld>
   <p:clrMapOvr>
@@ -12337,9 +13013,9 @@
           <p:nvPr/>
         </p:nvSpPr>
         <p:spPr>
-          <a:xfrm rot="0">
+          <a:xfrm>
             <a:off x="4696460" y="380365"/>
-            <a:ext cx="2802890" cy="554990"/>
+            <a:ext cx="2803525" cy="554990"/>
           </a:xfrm>
           <a:prstGeom prst="rect"/>
           <a:noFill/>
@@ -12366,7 +13042,17 @@
                 <a:latin typeface="맑은 고딕" charset="0"/>
                 <a:ea typeface="맑은 고딕" charset="0"/>
               </a:rPr>
-              <a:t>일곱 번째 과정</a:t>
+              <a:t>일곱</a:t>
+            </a:r>
+            <a:r>
+              <a:rPr lang="ko-KR" altLang="en-US" sz="3000" b="1">
+                <a:solidFill>
+                  <a:schemeClr val="tx1"/>
+                </a:solidFill>
+                <a:latin typeface="맑은 고딕" charset="0"/>
+                <a:ea typeface="맑은 고딕" charset="0"/>
+              </a:rPr>
+              <a:t> 번째 과정</a:t>
             </a:r>
             <a:endParaRPr lang="ko-KR" altLang="en-US" sz="3000" b="1">
               <a:solidFill>
@@ -12380,16 +13066,16 @@
       </p:sp>
       <p:sp>
         <p:nvSpPr>
-          <p:cNvPr id="1155" name="텍스트 상자 144"/>
+          <p:cNvPr id="1157" name="Rect 0"/>
           <p:cNvSpPr txBox="1">
             <a:spLocks/>
           </p:cNvSpPr>
           <p:nvPr/>
         </p:nvSpPr>
         <p:spPr>
-          <a:xfrm rot="0">
-            <a:off x="1181100" y="1463675"/>
-            <a:ext cx="4177030" cy="923925"/>
+          <a:xfrm>
+            <a:off x="6837045" y="4319905"/>
+            <a:ext cx="4364355" cy="1784985"/>
           </a:xfrm>
           <a:prstGeom prst="rect"/>
           <a:noFill/>
@@ -12409,88 +13095,71 @@
               <a:buNone/>
             </a:pPr>
             <a:r>
+              <a:rPr lang="ko-KR" sz="2000" b="1">
+                <a:solidFill>
+                  <a:srgbClr val="0611F2"/>
+                </a:solidFill>
+                <a:latin typeface="맑은 고딕" charset="0"/>
+                <a:ea typeface="맑은 고딕" charset="0"/>
+              </a:rPr>
+              <a:t>2</a:t>
+            </a:r>
+            <a:r>
+              <a:rPr lang="ko-KR" sz="2000" b="1">
+                <a:solidFill>
+                  <a:srgbClr val="0611F2"/>
+                </a:solidFill>
+                <a:latin typeface="맑은 고딕" charset="0"/>
+                <a:ea typeface="맑은 고딕" charset="0"/>
+              </a:rPr>
+              <a:t>2</a:t>
+            </a:r>
+            <a:r>
+              <a:rPr lang="ko-KR" sz="2000" b="1">
+                <a:solidFill>
+                  <a:srgbClr val="0611F2"/>
+                </a:solidFill>
+                <a:latin typeface="맑은 고딕" charset="0"/>
+                <a:ea typeface="맑은 고딕" charset="0"/>
+              </a:rPr>
+              <a:t>. </a:t>
+            </a:r>
+            <a:r>
               <a:rPr lang="ko-KR" sz="1800">
                 <a:latin typeface="맑은 고딕" charset="0"/>
                 <a:ea typeface="맑은 고딕" charset="0"/>
               </a:rPr>
-              <a:t>State : 애니메이터에서 애니메이션 클립을 가지고 있는 하나의 상태로 애니메이션을 제어하는 기능입니다.</a:t>
+              <a:t>그</a:t>
+            </a:r>
+            <a:r>
+              <a:rPr lang="ko-KR" sz="1800">
+                <a:latin typeface="맑은 고딕" charset="0"/>
+                <a:ea typeface="맑은 고딕" charset="0"/>
+              </a:rPr>
+              <a:t>리고</a:t>
+            </a:r>
+            <a:r>
+              <a:rPr lang="ko-KR" sz="1800">
+                <a:latin typeface="맑은 고딕" charset="0"/>
+                <a:ea typeface="맑은 고딕" charset="0"/>
+              </a:rPr>
+              <a:t> Running 애니메이션을 선택하고 In Place를 선택한 다음 Download합니다</a:t>
             </a:r>
             <a:endParaRPr lang="ko-KR" altLang="en-US" sz="1800">
               <a:latin typeface="맑은 고딕" charset="0"/>
               <a:ea typeface="맑은 고딕" charset="0"/>
             </a:endParaRPr>
           </a:p>
-        </p:txBody>
-      </p:sp>
-      <p:sp>
-        <p:nvSpPr>
-          <p:cNvPr id="1156" name="텍스트 상자 145"/>
-          <p:cNvSpPr txBox="1">
-            <a:spLocks/>
-          </p:cNvSpPr>
-          <p:nvPr/>
-        </p:nvSpPr>
-        <p:spPr>
-          <a:xfrm rot="0">
-            <a:off x="6826250" y="2435860"/>
-            <a:ext cx="4167505" cy="1200785"/>
-          </a:xfrm>
-          <a:prstGeom prst="rect"/>
-          <a:noFill/>
-          <a:ln w="0">
-            <a:noFill/>
-            <a:prstDash/>
-          </a:ln>
-        </p:spPr>
-        <p:txBody>
-          <a:bodyPr wrap="square" lIns="89535" tIns="46355" rIns="89535" bIns="46355" numCol="1" vert="horz" anchor="t">
-            <a:spAutoFit/>
-          </a:bodyPr>
-          <a:lstStyle/>
           <a:p>
             <a:pPr marL="0" indent="0" algn="l" latinLnBrk="0" hangingPunct="1">
               <a:buFontTx/>
               <a:buNone/>
             </a:pPr>
-            <a:r>
-              <a:rPr lang="ko-KR" sz="1800">
-                <a:latin typeface="맑은 고딕" charset="0"/>
-                <a:ea typeface="맑은 고딕" charset="0"/>
-              </a:rPr>
-              <a:t>Any State : 트랜지션의 조건이 만족하게 되면 무조건 다음 스테이트로 넘어가서 애니메이션을 재생시키도록 설정합니다.</a:t>
-            </a:r>
             <a:endParaRPr lang="ko-KR" altLang="en-US" sz="1800">
               <a:latin typeface="맑은 고딕" charset="0"/>
               <a:ea typeface="맑은 고딕" charset="0"/>
             </a:endParaRPr>
           </a:p>
-        </p:txBody>
-      </p:sp>
-      <p:sp>
-        <p:nvSpPr>
-          <p:cNvPr id="1157" name="텍스트 상자 146"/>
-          <p:cNvSpPr txBox="1">
-            <a:spLocks/>
-          </p:cNvSpPr>
-          <p:nvPr/>
-        </p:nvSpPr>
-        <p:spPr>
-          <a:xfrm rot="0">
-            <a:off x="1183640" y="3317240"/>
-            <a:ext cx="4006215" cy="647700"/>
-          </a:xfrm>
-          <a:prstGeom prst="rect"/>
-          <a:noFill/>
-          <a:ln w="0">
-            <a:noFill/>
-            <a:prstDash/>
-          </a:ln>
-        </p:spPr>
-        <p:txBody>
-          <a:bodyPr wrap="square" lIns="89535" tIns="46355" rIns="89535" bIns="46355" numCol="1" vert="horz" anchor="t">
-            <a:spAutoFit/>
-          </a:bodyPr>
-          <a:lstStyle/>
           <a:p>
             <a:pPr marL="0" indent="0" algn="l" latinLnBrk="0" hangingPunct="1">
               <a:buFontTx/>
@@ -12501,7 +13170,21 @@
                 <a:latin typeface="맑은 고딕" charset="0"/>
                 <a:ea typeface="맑은 고딕" charset="0"/>
               </a:rPr>
-              <a:t>Entry : 애니메이션이 처음 시작될 때 진입점입니다. </a:t>
+              <a:t>그</a:t>
+            </a:r>
+            <a:r>
+              <a:rPr lang="ko-KR" sz="1800">
+                <a:latin typeface="맑은 고딕" charset="0"/>
+                <a:ea typeface="맑은 고딕" charset="0"/>
+              </a:rPr>
+              <a:t>런 다음</a:t>
+            </a:r>
+            <a:r>
+              <a:rPr lang="ko-KR" sz="1800">
+                <a:latin typeface="맑은 고딕" charset="0"/>
+                <a:ea typeface="맑은 고딕" charset="0"/>
+              </a:rPr>
+              <a:t> Mma Kick 애니메이션도 함께 Download 합니다.</a:t>
             </a:r>
             <a:endParaRPr lang="ko-KR" altLang="en-US" sz="1800">
               <a:latin typeface="맑은 고딕" charset="0"/>
@@ -12512,7 +13195,7 @@
       </p:sp>
       <p:pic>
         <p:nvPicPr>
-          <p:cNvPr id="1158" name="그림 147"/>
+          <p:cNvPr id="1168" name="그림 162" descr="C:/Users/Admin1/AppData/Roaming/PolarisOffice/ETemp/7956_23580608/fImage2468734327421.png"/>
           <p:cNvPicPr>
             <a:picLocks noChangeAspect="1"/>
           </p:cNvPicPr>
@@ -12532,8 +13215,8 @@
         </p:blipFill>
         <p:spPr>
           <a:xfrm rot="0">
-            <a:off x="1181735" y="2448560"/>
-            <a:ext cx="4176395" cy="654050"/>
+            <a:off x="1203325" y="1405255"/>
+            <a:ext cx="4183380" cy="1624965"/>
           </a:xfrm>
           <a:prstGeom prst="roundRect"/>
           <a:solidFill>
@@ -12541,53 +13224,9 @@
           </a:solidFill>
         </p:spPr>
       </p:pic>
-      <p:sp>
-        <p:nvSpPr>
-          <p:cNvPr id="1159" name="텍스트 상자 148"/>
-          <p:cNvSpPr txBox="1">
-            <a:spLocks/>
-          </p:cNvSpPr>
-          <p:nvPr/>
-        </p:nvSpPr>
-        <p:spPr>
-          <a:xfrm rot="0">
-            <a:off x="1186180" y="5038090"/>
-            <a:ext cx="4006215" cy="924560"/>
-          </a:xfrm>
-          <a:prstGeom prst="rect"/>
-          <a:noFill/>
-          <a:ln w="0">
-            <a:noFill/>
-            <a:prstDash/>
-          </a:ln>
-        </p:spPr>
-        <p:txBody>
-          <a:bodyPr wrap="square" lIns="89535" tIns="46355" rIns="89535" bIns="46355" numCol="1" vert="horz" anchor="t">
-            <a:spAutoFit/>
-          </a:bodyPr>
-          <a:lstStyle/>
-          <a:p>
-            <a:pPr marL="0" indent="0" algn="l" latinLnBrk="0" hangingPunct="1">
-              <a:buFontTx/>
-              <a:buNone/>
-            </a:pPr>
-            <a:r>
-              <a:rPr lang="ko-KR" sz="1800">
-                <a:latin typeface="맑은 고딕" charset="0"/>
-                <a:ea typeface="맑은 고딕" charset="0"/>
-              </a:rPr>
-              <a:t>Entry에 연결된 스테이트를 기본 스테이트라고 하며, 기본 스테이트를 변경할 수도 있습니다.</a:t>
-            </a:r>
-            <a:endParaRPr lang="ko-KR" altLang="en-US" sz="1800">
-              <a:latin typeface="맑은 고딕" charset="0"/>
-              <a:ea typeface="맑은 고딕" charset="0"/>
-            </a:endParaRPr>
-          </a:p>
-        </p:txBody>
-      </p:sp>
       <p:pic>
         <p:nvPicPr>
-          <p:cNvPr id="1160" name="그림 149"/>
+          <p:cNvPr id="1169" name="그림 163"/>
           <p:cNvPicPr>
             <a:picLocks noChangeAspect="1"/>
           </p:cNvPicPr>
@@ -12607,23 +13246,82 @@
         </p:blipFill>
         <p:spPr>
           <a:xfrm rot="0">
-            <a:off x="1179195" y="4169410"/>
-            <a:ext cx="1879600" cy="702945"/>
+            <a:off x="1193800" y="3350260"/>
+            <a:ext cx="4204970" cy="1612900"/>
+          </a:xfrm>
+          <a:prstGeom prst="roundRect"/>
+          <a:solidFill>
+            <a:srgbClr val="EDEDED"/>
+          </a:solidFill>
+        </p:spPr>
+      </p:pic>
+      <p:sp>
+        <p:nvSpPr>
+          <p:cNvPr id="1170" name="텍스트 상자 168"/>
+          <p:cNvSpPr txBox="1">
+            <a:spLocks/>
+          </p:cNvSpPr>
+          <p:nvPr/>
+        </p:nvSpPr>
+        <p:spPr>
+          <a:xfrm rot="0">
+            <a:off x="1181100" y="5153660"/>
+            <a:ext cx="4214495" cy="954405"/>
           </a:xfrm>
           <a:prstGeom prst="rect"/>
           <a:noFill/>
-          <a:effectLst>
-            <a:outerShdw sx="100000" sy="100000" blurRad="292100" dist="139700" dir="2700000" rotWithShape="0" algn="tl">
-              <a:srgbClr val="000000">
-                <a:alpha val="64705"/>
-              </a:srgbClr>
-            </a:outerShdw>
-          </a:effectLst>
-        </p:spPr>
-      </p:pic>
+          <a:ln w="0">
+            <a:noFill/>
+            <a:prstDash/>
+          </a:ln>
+        </p:spPr>
+        <p:txBody>
+          <a:bodyPr wrap="square" lIns="89535" tIns="46355" rIns="89535" bIns="46355" numCol="1" vert="horz" anchor="t">
+            <a:spAutoFit/>
+          </a:bodyPr>
+          <a:lstStyle/>
+          <a:p>
+            <a:pPr marL="0" indent="0" algn="l" latinLnBrk="0" hangingPunct="1">
+              <a:buFontTx/>
+              <a:buNone/>
+            </a:pPr>
+            <a:r>
+              <a:rPr lang="ko-KR" sz="2000" b="1">
+                <a:solidFill>
+                  <a:srgbClr val="0611F2"/>
+                </a:solidFill>
+                <a:latin typeface="맑은 고딕" charset="0"/>
+                <a:ea typeface="맑은 고딕" charset="0"/>
+              </a:rPr>
+              <a:t>21</a:t>
+            </a:r>
+            <a:r>
+              <a:rPr lang="ko-KR" sz="2000" b="1">
+                <a:solidFill>
+                  <a:srgbClr val="0611F2"/>
+                </a:solidFill>
+                <a:latin typeface="맑은 고딕" charset="0"/>
+                <a:ea typeface="맑은 고딕" charset="0"/>
+              </a:rPr>
+              <a:t>. </a:t>
+            </a:r>
+            <a:r>
+              <a:rPr lang="ko-KR" sz="1800">
+                <a:latin typeface="맑은 고딕" charset="0"/>
+                <a:ea typeface="맑은 고딕" charset="0"/>
+              </a:rPr>
+              <a:t>그다음으로 mixamo에서 Mma Kick 애니메이션과 Running 애니메이션을 Download 합니다.</a:t>
+            </a:r>
+            <a:endParaRPr lang="ko-KR" altLang="en-US" sz="1800">
+              <a:latin typeface="맑은 고딕" charset="0"/>
+              <a:ea typeface="맑은 고딕" charset="0"/>
+            </a:endParaRPr>
+          </a:p>
+        </p:txBody>
+      </p:sp>
       <p:pic>
         <p:nvPicPr>
-          <p:cNvPr id="1161" name="그림 150"/>
+          <p:cNvPr id="1172" name="그림 170" descr="C:/Users/Admin1/AppData/Roaming/PolarisOffice/ETemp/7956_23580608/fImage1290804479718.png"/>
           <p:cNvPicPr>
             <a:picLocks noChangeAspect="1"/>
           </p:cNvPicPr>
@@ -12643,18 +13341,16 @@
         </p:blipFill>
         <p:spPr>
           <a:xfrm rot="0">
-            <a:off x="3265170" y="4152265"/>
-            <a:ext cx="2096770" cy="780415"/>
-          </a:xfrm>
-          <a:prstGeom prst="roundRect"/>
-          <a:solidFill>
-            <a:srgbClr val="EDEDED"/>
-          </a:solidFill>
+            <a:off x="6817995" y="1409065"/>
+            <a:ext cx="2099945" cy="2774315"/>
+          </a:xfrm>
+          <a:prstGeom prst="rect"/>
+          <a:noFill/>
         </p:spPr>
       </p:pic>
       <p:pic>
         <p:nvPicPr>
-          <p:cNvPr id="1162" name="그림 151"/>
+          <p:cNvPr id="1173" name="그림 172"/>
           <p:cNvPicPr>
             <a:picLocks noChangeAspect="1"/>
           </p:cNvPicPr>
@@ -12674,90 +13370,13 @@
         </p:blipFill>
         <p:spPr>
           <a:xfrm rot="0">
-            <a:off x="6820535" y="1456055"/>
-            <a:ext cx="4178300" cy="807085"/>
-          </a:xfrm>
-          <a:prstGeom prst="roundRect"/>
-          <a:solidFill>
-            <a:srgbClr val="EDEDED"/>
-          </a:solidFill>
+            <a:off x="9115425" y="1401445"/>
+            <a:ext cx="2094230" cy="2763520"/>
+          </a:xfrm>
+          <a:prstGeom prst="rect"/>
+          <a:noFill/>
         </p:spPr>
       </p:pic>
-      <p:pic>
-        <p:nvPicPr>
-          <p:cNvPr id="1163" name="그림 152"/>
-          <p:cNvPicPr>
-            <a:picLocks noChangeAspect="1"/>
-          </p:cNvPicPr>
-          <p:nvPr/>
-        </p:nvPicPr>
-        <p:blipFill rotWithShape="1">
-          <a:blip r:embed="rId6" cstate="hqprint">
-            <a:extLst>
-              <a:ext uri="{28A0092B-C50C-407E-A947-70E740481C1C}">
-                <a14:useLocalDpi xmlns:a14="http://schemas.microsoft.com/office/drawing/2010/main"/>
-              </a:ext>
-            </a:extLst>
-          </a:blip>
-          <a:stretch>
-            <a:fillRect/>
-          </a:stretch>
-        </p:blipFill>
-        <p:spPr>
-          <a:xfrm rot="0">
-            <a:off x="6833870" y="3786505"/>
-            <a:ext cx="4168140" cy="848360"/>
-          </a:xfrm>
-          <a:prstGeom prst="roundRect"/>
-          <a:solidFill>
-            <a:srgbClr val="EDEDED"/>
-          </a:solidFill>
-        </p:spPr>
-      </p:pic>
-      <p:sp>
-        <p:nvSpPr>
-          <p:cNvPr id="1164" name="텍스트 상자 153"/>
-          <p:cNvSpPr txBox="1">
-            <a:spLocks/>
-          </p:cNvSpPr>
-          <p:nvPr/>
-        </p:nvSpPr>
-        <p:spPr>
-          <a:xfrm rot="0">
-            <a:off x="6831965" y="4761865"/>
-            <a:ext cx="4188460" cy="1201420"/>
-          </a:xfrm>
-          <a:prstGeom prst="rect"/>
-          <a:noFill/>
-          <a:ln w="0">
-            <a:noFill/>
-            <a:prstDash/>
-          </a:ln>
-        </p:spPr>
-        <p:txBody>
-          <a:bodyPr wrap="square" lIns="89535" tIns="46355" rIns="89535" bIns="46355" numCol="1" vert="horz" anchor="t">
-            <a:spAutoFit/>
-          </a:bodyPr>
-          <a:lstStyle/>
-          <a:p>
-            <a:pPr marL="0" indent="0" algn="l" latinLnBrk="0" hangingPunct="1">
-              <a:buFontTx/>
-              <a:buNone/>
-            </a:pPr>
-            <a:r>
-              <a:rPr lang="ko-KR" sz="1800">
-                <a:latin typeface="맑은 고딕" charset="0"/>
-                <a:ea typeface="맑은 고딕" charset="0"/>
-              </a:rPr>
-              <a:t>Exit :애니메이터의 흐름이 한번 끝났음을 의미하며 Entry 노드부터 다시 애니메이터의 흐름이 시작되도록 설정합니다.</a:t>
-            </a:r>
-            <a:endParaRPr lang="ko-KR" altLang="en-US" sz="1800">
-              <a:latin typeface="맑은 고딕" charset="0"/>
-              <a:ea typeface="맑은 고딕" charset="0"/>
-            </a:endParaRPr>
-          </a:p>
-        </p:txBody>
-      </p:sp>
     </p:spTree>
   </p:cSld>
   <p:clrMapOvr>
@@ -12809,7 +13428,7 @@
         <p:spPr>
           <a:xfrm rot="0">
             <a:off x="4696460" y="380365"/>
-            <a:ext cx="2802890" cy="554990"/>
+            <a:ext cx="2837815" cy="554990"/>
           </a:xfrm>
           <a:prstGeom prst="rect"/>
           <a:noFill/>
@@ -12836,7 +13455,17 @@
                 <a:latin typeface="맑은 고딕" charset="0"/>
                 <a:ea typeface="맑은 고딕" charset="0"/>
               </a:rPr>
-              <a:t>여덟 번째 과정</a:t>
+              <a:t>여덟</a:t>
+            </a:r>
+            <a:r>
+              <a:rPr lang="ko-KR" altLang="en-US" sz="3000" b="1">
+                <a:solidFill>
+                  <a:schemeClr val="tx1"/>
+                </a:solidFill>
+                <a:latin typeface="맑은 고딕" charset="0"/>
+                <a:ea typeface="맑은 고딕" charset="0"/>
+              </a:rPr>
+              <a:t> 번째 과정</a:t>
             </a:r>
             <a:endParaRPr lang="ko-KR" altLang="en-US" sz="3000" b="1">
               <a:solidFill>
@@ -12858,8 +13487,8 @@
         </p:nvSpPr>
         <p:spPr>
           <a:xfrm rot="0">
-            <a:off x="6837045" y="4319905"/>
-            <a:ext cx="4363720" cy="1784985"/>
+            <a:off x="6835775" y="5572125"/>
+            <a:ext cx="4167505" cy="677545"/>
           </a:xfrm>
           <a:prstGeom prst="rect"/>
           <a:noFill/>
@@ -12886,52 +13515,140 @@
                 <a:latin typeface="맑은 고딕" charset="0"/>
                 <a:ea typeface="맑은 고딕" charset="0"/>
               </a:rPr>
-              <a:t>20. </a:t>
+              <a:t>2</a:t>
+            </a:r>
+            <a:r>
+              <a:rPr lang="ko-KR" sz="2000" b="1">
+                <a:solidFill>
+                  <a:srgbClr val="0611F2"/>
+                </a:solidFill>
+                <a:latin typeface="맑은 고딕" charset="0"/>
+                <a:ea typeface="맑은 고딕" charset="0"/>
+              </a:rPr>
+              <a:t>5</a:t>
+            </a:r>
+            <a:r>
+              <a:rPr lang="ko-KR" sz="2000" b="1">
+                <a:solidFill>
+                  <a:srgbClr val="0611F2"/>
+                </a:solidFill>
+                <a:latin typeface="맑은 고딕" charset="0"/>
+                <a:ea typeface="맑은 고딕" charset="0"/>
+              </a:rPr>
+              <a:t>. </a:t>
             </a:r>
             <a:r>
               <a:rPr lang="ko-KR" sz="1800">
                 <a:latin typeface="맑은 고딕" charset="0"/>
                 <a:ea typeface="맑은 고딕" charset="0"/>
               </a:rPr>
-              <a:t>그다음으로 Running 애니메이션을 선택하고 In Place를 선택한 다음 Download합니다</a:t>
+              <a:t>그</a:t>
+            </a:r>
+            <a:r>
+              <a:rPr lang="ko-KR" sz="1800">
+                <a:latin typeface="맑은 고딕" charset="0"/>
+                <a:ea typeface="맑은 고딕" charset="0"/>
+              </a:rPr>
+              <a:t>런 다음</a:t>
+            </a:r>
+            <a:r>
+              <a:rPr lang="ko-KR" sz="1800">
+                <a:latin typeface="맑은 고딕" charset="0"/>
+                <a:ea typeface="맑은 고딕" charset="0"/>
+              </a:rPr>
+              <a:t> 각각의 애니메이션을 Base Layer에 추가합니다.</a:t>
             </a:r>
             <a:endParaRPr lang="ko-KR" altLang="en-US" sz="1800">
               <a:latin typeface="맑은 고딕" charset="0"/>
               <a:ea typeface="맑은 고딕" charset="0"/>
             </a:endParaRPr>
           </a:p>
+        </p:txBody>
+      </p:sp>
+      <p:sp>
+        <p:nvSpPr>
+          <p:cNvPr id="1170" name="Rect 0"/>
+          <p:cNvSpPr txBox="1">
+            <a:spLocks/>
+          </p:cNvSpPr>
+          <p:nvPr/>
+        </p:nvSpPr>
+        <p:spPr>
+          <a:xfrm rot="0">
+            <a:off x="1184275" y="2285365"/>
+            <a:ext cx="4167505" cy="677545"/>
+          </a:xfrm>
+          <a:prstGeom prst="rect"/>
+          <a:noFill/>
+          <a:ln w="0">
+            <a:noFill/>
+            <a:prstDash/>
+          </a:ln>
+        </p:spPr>
+        <p:txBody>
+          <a:bodyPr wrap="square" lIns="89535" tIns="46355" rIns="89535" bIns="46355" numCol="1" vert="horz" anchor="t">
+            <a:spAutoFit/>
+          </a:bodyPr>
+          <a:lstStyle/>
           <a:p>
             <a:pPr marL="0" indent="0" algn="l" latinLnBrk="0" hangingPunct="1">
               <a:buFontTx/>
               <a:buNone/>
             </a:pPr>
+            <a:r>
+              <a:rPr lang="ko-KR" sz="2000" b="1">
+                <a:solidFill>
+                  <a:srgbClr val="0611F2"/>
+                </a:solidFill>
+                <a:latin typeface="맑은 고딕" charset="0"/>
+                <a:ea typeface="맑은 고딕" charset="0"/>
+              </a:rPr>
+              <a:t>2</a:t>
+            </a:r>
+            <a:r>
+              <a:rPr lang="ko-KR" sz="2000" b="1">
+                <a:solidFill>
+                  <a:srgbClr val="0611F2"/>
+                </a:solidFill>
+                <a:latin typeface="맑은 고딕" charset="0"/>
+                <a:ea typeface="맑은 고딕" charset="0"/>
+              </a:rPr>
+              <a:t>3</a:t>
+            </a:r>
+            <a:r>
+              <a:rPr lang="ko-KR" sz="2000" b="1">
+                <a:solidFill>
+                  <a:srgbClr val="0611F2"/>
+                </a:solidFill>
+                <a:latin typeface="맑은 고딕" charset="0"/>
+                <a:ea typeface="맑은 고딕" charset="0"/>
+              </a:rPr>
+              <a:t>. </a:t>
+            </a:r>
+            <a:r>
+              <a:rPr lang="ko-KR" sz="1800">
+                <a:latin typeface="맑은 고딕" charset="0"/>
+                <a:ea typeface="맑은 고딕" charset="0"/>
+              </a:rPr>
+              <a:t>이제</a:t>
+            </a:r>
+            <a:r>
+              <a:rPr lang="ko-KR" sz="1800">
+                <a:latin typeface="맑은 고딕" charset="0"/>
+                <a:ea typeface="맑은 고딕" charset="0"/>
+              </a:rPr>
+              <a:t> 애니메이션 파일을 유니티 프로젝트에 추가합니다. </a:t>
+            </a:r>
             <a:endParaRPr lang="ko-KR" altLang="en-US" sz="1800">
               <a:latin typeface="맑은 고딕" charset="0"/>
               <a:ea typeface="맑은 고딕" charset="0"/>
             </a:endParaRPr>
           </a:p>
-          <a:p>
-            <a:pPr marL="0" indent="0" algn="l" latinLnBrk="0" hangingPunct="1">
-              <a:buFontTx/>
-              <a:buNone/>
-            </a:pPr>
-            <a:r>
-              <a:rPr lang="ko-KR" sz="1800">
-                <a:latin typeface="맑은 고딕" charset="0"/>
-                <a:ea typeface="맑은 고딕" charset="0"/>
-              </a:rPr>
-              <a:t>그리고 Mma Kick 애니메이션도 함께 Download 합니다.</a:t>
-            </a:r>
-            <a:endParaRPr lang="ko-KR" altLang="en-US" sz="1800">
-              <a:latin typeface="맑은 고딕" charset="0"/>
-              <a:ea typeface="맑은 고딕" charset="0"/>
-            </a:endParaRPr>
-          </a:p>
         </p:txBody>
       </p:sp>
       <p:pic>
         <p:nvPicPr>
-          <p:cNvPr id="1168" name="그림 162"/>
+          <p:cNvPr id="1171" name="그림 173" descr="C:/Users/Admin1/AppData/Roaming/PolarisOffice/ETemp/7956_23580608/fImage226374495447.png"/>
           <p:cNvPicPr>
             <a:picLocks noChangeAspect="1"/>
           </p:cNvPicPr>
@@ -12951,8 +13668,8 @@
         </p:blipFill>
         <p:spPr>
           <a:xfrm rot="0">
-            <a:off x="1203325" y="1405255"/>
-            <a:ext cx="4196715" cy="1624330"/>
+            <a:off x="1188085" y="1360805"/>
+            <a:ext cx="2012950" cy="847725"/>
           </a:xfrm>
           <a:prstGeom prst="roundRect"/>
           <a:solidFill>
@@ -12962,7 +13679,7 @@
       </p:pic>
       <p:pic>
         <p:nvPicPr>
-          <p:cNvPr id="1169" name="그림 163"/>
+          <p:cNvPr id="1176" name="그림 180" descr="C:/Users/Admin1/AppData/Roaming/PolarisOffice/ETemp/7956_23580608/fImage40644541726.png"/>
           <p:cNvPicPr>
             <a:picLocks noChangeAspect="1"/>
           </p:cNvPicPr>
@@ -12982,8 +13699,8 @@
         </p:blipFill>
         <p:spPr>
           <a:xfrm rot="0">
-            <a:off x="1193800" y="3350260"/>
-            <a:ext cx="4204970" cy="1612900"/>
+            <a:off x="4493260" y="1361440"/>
+            <a:ext cx="868680" cy="838835"/>
           </a:xfrm>
           <a:prstGeom prst="roundRect"/>
           <a:solidFill>
@@ -12991,63 +13708,9 @@
           </a:solidFill>
         </p:spPr>
       </p:pic>
-      <p:sp>
-        <p:nvSpPr>
-          <p:cNvPr id="1170" name="텍스트 상자 168"/>
-          <p:cNvSpPr txBox="1">
-            <a:spLocks/>
-          </p:cNvSpPr>
-          <p:nvPr/>
-        </p:nvSpPr>
-        <p:spPr>
-          <a:xfrm rot="0">
-            <a:off x="1181100" y="5153660"/>
-            <a:ext cx="4220210" cy="954405"/>
-          </a:xfrm>
-          <a:prstGeom prst="rect"/>
-          <a:noFill/>
-          <a:ln w="0">
-            <a:noFill/>
-            <a:prstDash/>
-          </a:ln>
-        </p:spPr>
-        <p:txBody>
-          <a:bodyPr wrap="square" lIns="89535" tIns="46355" rIns="89535" bIns="46355" numCol="1" vert="horz" anchor="t">
-            <a:spAutoFit/>
-          </a:bodyPr>
-          <a:lstStyle/>
-          <a:p>
-            <a:pPr marL="0" indent="0" algn="l" latinLnBrk="0" hangingPunct="1">
-              <a:buFontTx/>
-              <a:buNone/>
-            </a:pPr>
-            <a:r>
-              <a:rPr lang="ko-KR" sz="2000" b="1">
-                <a:solidFill>
-                  <a:srgbClr val="0611F2"/>
-                </a:solidFill>
-                <a:latin typeface="맑은 고딕" charset="0"/>
-                <a:ea typeface="맑은 고딕" charset="0"/>
-              </a:rPr>
-              <a:t>19. </a:t>
-            </a:r>
-            <a:r>
-              <a:rPr lang="ko-KR" sz="1800">
-                <a:latin typeface="맑은 고딕" charset="0"/>
-                <a:ea typeface="맑은 고딕" charset="0"/>
-              </a:rPr>
-              <a:t>그다음으로 mixamo에서 Mma Kick 애니메이션과 Running 애니메이션을 Download 합니다.</a:t>
-            </a:r>
-            <a:endParaRPr lang="ko-KR" altLang="en-US" sz="1800">
-              <a:latin typeface="맑은 고딕" charset="0"/>
-              <a:ea typeface="맑은 고딕" charset="0"/>
-            </a:endParaRPr>
-          </a:p>
-        </p:txBody>
-      </p:sp>
       <p:pic>
         <p:nvPicPr>
-          <p:cNvPr id="1172" name="그림 170" descr="C:/Users/Admin1/AppData/Roaming/PolarisOffice/ETemp/9880_20815312/fImage1290804479718.png"/>
+          <p:cNvPr id="1177" name="그림 181" descr="C:/Users/Admin1/AppData/Roaming/PolarisOffice/ETemp/7956_23580608/fImage41594554771.png"/>
           <p:cNvPicPr>
             <a:picLocks noChangeAspect="1"/>
           </p:cNvPicPr>
@@ -13067,16 +13730,18 @@
         </p:blipFill>
         <p:spPr>
           <a:xfrm rot="0">
-            <a:off x="6817995" y="1409065"/>
-            <a:ext cx="2099310" cy="2773680"/>
-          </a:xfrm>
-          <a:prstGeom prst="rect"/>
-          <a:noFill/>
+            <a:off x="3437255" y="1361440"/>
+            <a:ext cx="842645" cy="838835"/>
+          </a:xfrm>
+          <a:prstGeom prst="roundRect"/>
+          <a:solidFill>
+            <a:srgbClr val="EDEDED"/>
+          </a:solidFill>
         </p:spPr>
       </p:pic>
       <p:pic>
         <p:nvPicPr>
-          <p:cNvPr id="1173" name="그림 172" descr="C:/Users/Admin1/AppData/Roaming/PolarisOffice/ETemp/9880_20815312/fImage1268824489895.png"/>
+          <p:cNvPr id="1178" name="그림 186" descr="C:/Users/Admin1/AppData/Roaming/PolarisOffice/ETemp/7956_23580608/fImage61714561538.png"/>
           <p:cNvPicPr>
             <a:picLocks noChangeAspect="1"/>
           </p:cNvPicPr>
@@ -13096,8 +13761,297 @@
         </p:blipFill>
         <p:spPr>
           <a:xfrm rot="0">
-            <a:off x="9115425" y="1401445"/>
-            <a:ext cx="2094230" cy="2763520"/>
+            <a:off x="6823710" y="3380105"/>
+            <a:ext cx="4187825" cy="2066925"/>
+          </a:xfrm>
+          <a:prstGeom prst="roundRect"/>
+          <a:solidFill>
+            <a:srgbClr val="EDEDED"/>
+          </a:solidFill>
+        </p:spPr>
+      </p:pic>
+      <p:pic>
+        <p:nvPicPr>
+          <p:cNvPr id="1179" name="그림 189" descr="C:/Users/Admin1/AppData/Roaming/PolarisOffice/ETemp/7956_23580608/fImage40104711869.png"/>
+          <p:cNvPicPr>
+            <a:picLocks noChangeAspect="1"/>
+          </p:cNvPicPr>
+          <p:nvPr/>
+        </p:nvPicPr>
+        <p:blipFill rotWithShape="1">
+          <a:blip r:embed="rId6" cstate="hqprint">
+            <a:extLst>
+              <a:ext uri="{28A0092B-C50C-407E-A947-70E740481C1C}">
+                <a14:useLocalDpi xmlns:a14="http://schemas.microsoft.com/office/drawing/2010/main"/>
+              </a:ext>
+            </a:extLst>
+          </a:blip>
+          <a:stretch>
+            <a:fillRect/>
+          </a:stretch>
+        </p:blipFill>
+        <p:spPr>
+          <a:xfrm rot="0">
+            <a:off x="7888605" y="1359535"/>
+            <a:ext cx="3114040" cy="1784350"/>
+          </a:xfrm>
+          <a:prstGeom prst="roundRect"/>
+          <a:solidFill>
+            <a:srgbClr val="EDEDED"/>
+          </a:solidFill>
+        </p:spPr>
+      </p:pic>
+      <p:pic>
+        <p:nvPicPr>
+          <p:cNvPr id="1180" name="그림 190" descr="C:/Users/Admin1/AppData/Roaming/PolarisOffice/ETemp/7956_23580608/fImage40644729912.png"/>
+          <p:cNvPicPr>
+            <a:picLocks noChangeAspect="1"/>
+          </p:cNvPicPr>
+          <p:nvPr/>
+        </p:nvPicPr>
+        <p:blipFill rotWithShape="1">
+          <a:blip r:embed="rId7" cstate="hqprint">
+            <a:extLst>
+              <a:ext uri="{28A0092B-C50C-407E-A947-70E740481C1C}">
+                <a14:useLocalDpi xmlns:a14="http://schemas.microsoft.com/office/drawing/2010/main"/>
+              </a:ext>
+            </a:extLst>
+          </a:blip>
+          <a:stretch>
+            <a:fillRect/>
+          </a:stretch>
+        </p:blipFill>
+        <p:spPr>
+          <a:xfrm rot="0">
+            <a:off x="6832600" y="2389505"/>
+            <a:ext cx="868045" cy="659765"/>
+          </a:xfrm>
+          <a:prstGeom prst="roundRect"/>
+          <a:solidFill>
+            <a:srgbClr val="EDEDED"/>
+          </a:solidFill>
+        </p:spPr>
+      </p:pic>
+      <p:pic>
+        <p:nvPicPr>
+          <p:cNvPr id="1181" name="그림 191" descr="C:/Users/Admin1/AppData/Roaming/PolarisOffice/ETemp/7956_23580608/fImage41594735667.png"/>
+          <p:cNvPicPr>
+            <a:picLocks noChangeAspect="1"/>
+          </p:cNvPicPr>
+          <p:nvPr/>
+        </p:nvPicPr>
+        <p:blipFill rotWithShape="1">
+          <a:blip r:embed="rId8" cstate="hqprint">
+            <a:extLst>
+              <a:ext uri="{28A0092B-C50C-407E-A947-70E740481C1C}">
+                <a14:useLocalDpi xmlns:a14="http://schemas.microsoft.com/office/drawing/2010/main"/>
+              </a:ext>
+            </a:extLst>
+          </a:blip>
+          <a:stretch>
+            <a:fillRect/>
+          </a:stretch>
+        </p:blipFill>
+        <p:spPr>
+          <a:xfrm rot="0">
+            <a:off x="6835140" y="1497965"/>
+            <a:ext cx="872490" cy="675640"/>
+          </a:xfrm>
+          <a:prstGeom prst="roundRect"/>
+          <a:solidFill>
+            <a:srgbClr val="EDEDED"/>
+          </a:solidFill>
+        </p:spPr>
+      </p:pic>
+      <p:sp>
+        <p:nvSpPr>
+          <p:cNvPr id="1188" name="텍스트 상자 204"/>
+          <p:cNvSpPr txBox="1">
+            <a:spLocks/>
+          </p:cNvSpPr>
+          <p:nvPr/>
+        </p:nvSpPr>
+        <p:spPr>
+          <a:xfrm rot="0">
+            <a:off x="1184275" y="5297170"/>
+            <a:ext cx="4160520" cy="954405"/>
+          </a:xfrm>
+          <a:prstGeom prst="rect"/>
+          <a:noFill/>
+          <a:ln w="0">
+            <a:noFill/>
+            <a:prstDash/>
+          </a:ln>
+        </p:spPr>
+        <p:txBody>
+          <a:bodyPr wrap="square" lIns="89535" tIns="46355" rIns="89535" bIns="46355" numCol="1" vert="horz" anchor="t">
+            <a:spAutoFit/>
+          </a:bodyPr>
+          <a:lstStyle/>
+          <a:p>
+            <a:pPr marL="0" indent="0" algn="l" latinLnBrk="0" hangingPunct="1">
+              <a:buFontTx/>
+              <a:buNone/>
+            </a:pPr>
+            <a:r>
+              <a:rPr lang="ko-KR" sz="2000" b="1">
+                <a:solidFill>
+                  <a:srgbClr val="0611F2"/>
+                </a:solidFill>
+                <a:latin typeface="맑은 고딕" charset="0"/>
+                <a:ea typeface="맑은 고딕" charset="0"/>
+              </a:rPr>
+              <a:t>2</a:t>
+            </a:r>
+            <a:r>
+              <a:rPr lang="ko-KR" sz="2000" b="1">
+                <a:solidFill>
+                  <a:srgbClr val="0611F2"/>
+                </a:solidFill>
+                <a:latin typeface="맑은 고딕" charset="0"/>
+                <a:ea typeface="맑은 고딕" charset="0"/>
+              </a:rPr>
+              <a:t>4</a:t>
+            </a:r>
+            <a:r>
+              <a:rPr lang="ko-KR" sz="2000" b="1">
+                <a:solidFill>
+                  <a:srgbClr val="0611F2"/>
+                </a:solidFill>
+                <a:latin typeface="맑은 고딕" charset="0"/>
+                <a:ea typeface="맑은 고딕" charset="0"/>
+              </a:rPr>
+              <a:t>. </a:t>
+            </a:r>
+            <a:r>
+              <a:rPr lang="ko-KR" sz="1800">
+                <a:latin typeface="맑은 고딕" charset="0"/>
+                <a:ea typeface="맑은 고딕" charset="0"/>
+              </a:rPr>
+              <a:t>그리고 애니메이션을 선택한 다음 애니메이션 클립 이름을 각각의 애니메이션 이름으로 변경합니다. </a:t>
+            </a:r>
+            <a:endParaRPr lang="ko-KR" altLang="en-US" sz="1800">
+              <a:latin typeface="맑은 고딕" charset="0"/>
+              <a:ea typeface="맑은 고딕" charset="0"/>
+            </a:endParaRPr>
+          </a:p>
+        </p:txBody>
+      </p:sp>
+      <p:pic>
+        <p:nvPicPr>
+          <p:cNvPr id="1191" name="그림 38" descr="C:/Users/Admin1/AppData/Roaming/PolarisOffice/ETemp/7956_23580608/fImage71452309358.png"/>
+          <p:cNvPicPr>
+            <a:picLocks noChangeAspect="1"/>
+          </p:cNvPicPr>
+          <p:nvPr/>
+        </p:nvPicPr>
+        <p:blipFill rotWithShape="1">
+          <a:blip r:embed="rId16" cstate="print">
+            <a:extLst>
+              <a:ext uri="{28A0092B-C50C-407E-A947-70E740481C1C}">
+                <a14:useLocalDpi xmlns:a14="http://schemas.microsoft.com/office/drawing/2010/main" val="0"/>
+              </a:ext>
+            </a:extLst>
+          </a:blip>
+          <a:stretch>
+            <a:fillRect/>
+          </a:stretch>
+        </p:blipFill>
+        <p:spPr>
+          <a:xfrm rot="0">
+            <a:off x="1195070" y="3088640"/>
+            <a:ext cx="4165600" cy="981710"/>
+          </a:xfrm>
+          <a:prstGeom prst="roundRect"/>
+          <a:solidFill>
+            <a:srgbClr val="EDEDED"/>
+          </a:solidFill>
+        </p:spPr>
+      </p:pic>
+      <p:pic>
+        <p:nvPicPr>
+          <p:cNvPr id="1192" name="그림 41" descr="C:/Users/Admin1/AppData/Roaming/PolarisOffice/ETemp/7956_23580608/fImage66992316962.png"/>
+          <p:cNvPicPr>
+            <a:picLocks noChangeAspect="1"/>
+          </p:cNvPicPr>
+          <p:nvPr/>
+        </p:nvPicPr>
+        <p:blipFill rotWithShape="1">
+          <a:blip r:embed="rId17" cstate="print">
+            <a:extLst>
+              <a:ext uri="{28A0092B-C50C-407E-A947-70E740481C1C}">
+                <a14:useLocalDpi xmlns:a14="http://schemas.microsoft.com/office/drawing/2010/main" val="0"/>
+              </a:ext>
+            </a:extLst>
+          </a:blip>
+          <a:stretch>
+            <a:fillRect/>
+          </a:stretch>
+        </p:blipFill>
+        <p:spPr>
+          <a:xfrm rot="0">
+            <a:off x="1184910" y="4208780"/>
+            <a:ext cx="4175760" cy="987425"/>
+          </a:xfrm>
+          <a:prstGeom prst="roundRect"/>
+          <a:solidFill>
+            <a:srgbClr val="EDEDED"/>
+          </a:solidFill>
+        </p:spPr>
+      </p:pic>
+      <p:pic>
+        <p:nvPicPr>
+          <p:cNvPr id="1193" name="그림 44" descr="C:/Users/Admin1/AppData/Roaming/PolarisOffice/ETemp/7956_23580608/fImage22421734441.png"/>
+          <p:cNvPicPr>
+            <a:picLocks noChangeAspect="1"/>
+          </p:cNvPicPr>
+          <p:nvPr/>
+        </p:nvPicPr>
+        <p:blipFill rotWithShape="1">
+          <a:blip r:embed="rId18" cstate="hqprint">
+            <a:extLst>
+              <a:ext uri="{28A0092B-C50C-407E-A947-70E740481C1C}">
+                <a14:useLocalDpi xmlns:a14="http://schemas.microsoft.com/office/drawing/2010/main"/>
+              </a:ext>
+            </a:extLst>
+          </a:blip>
+          <a:stretch>
+            <a:fillRect/>
+          </a:stretch>
+        </p:blipFill>
+        <p:spPr>
+          <a:xfrm rot="0">
+            <a:off x="7593965" y="1786255"/>
+            <a:ext cx="615315" cy="424815"/>
+          </a:xfrm>
+          <a:prstGeom prst="rect"/>
+          <a:noFill/>
+        </p:spPr>
+      </p:pic>
+      <p:pic>
+        <p:nvPicPr>
+          <p:cNvPr id="1194" name="그림 45" descr="C:/Users/Admin1/AppData/Roaming/PolarisOffice/ETemp/7956_23580608/fImage22421734441.png"/>
+          <p:cNvPicPr>
+            <a:picLocks noChangeAspect="1"/>
+          </p:cNvPicPr>
+          <p:nvPr/>
+        </p:nvPicPr>
+        <p:blipFill rotWithShape="1">
+          <a:blip r:embed="rId18" cstate="hqprint">
+            <a:extLst>
+              <a:ext uri="{28A0092B-C50C-407E-A947-70E740481C1C}">
+                <a14:useLocalDpi xmlns:a14="http://schemas.microsoft.com/office/drawing/2010/main"/>
+              </a:ext>
+            </a:extLst>
+          </a:blip>
+          <a:stretch>
+            <a:fillRect/>
+          </a:stretch>
+        </p:blipFill>
+        <p:spPr>
+          <a:xfrm rot="0">
+            <a:off x="7588250" y="2619375"/>
+            <a:ext cx="615315" cy="424815"/>
           </a:xfrm>
           <a:prstGeom prst="rect"/>
           <a:noFill/>

--- a/Assets/Class/Animator/PPT Data/Animator Example.pptx
+++ b/Assets/Class/Animator/PPT Data/Animator Example.pptx
@@ -2,26 +2,26 @@
 <file path=ppt/presentation.xml><?xml version="1.0" encoding="utf-8"?>
 <p:presentation xmlns:a="http://schemas.openxmlformats.org/drawingml/2006/main" xmlns:r="http://schemas.openxmlformats.org/officeDocument/2006/relationships" xmlns:p="http://schemas.openxmlformats.org/presentationml/2006/main" xmlns:p14="http://schemas.microsoft.com/office/powerpoint/2010/main" saveSubsetFonts="1" firstSlideNum="0">
   <p:sldMasterIdLst>
-    <p:sldMasterId id="2147486276" r:id="rId12"/>
+    <p:sldMasterId id="2147486279" r:id="rId12"/>
   </p:sldMasterIdLst>
   <p:notesMasterIdLst>
     <p:notesMasterId r:id="rId14"/>
   </p:notesMasterIdLst>
   <p:sldIdLst>
     <p:sldId id="294" r:id="rId16"/>
-    <p:sldId id="295" r:id="rId17"/>
-    <p:sldId id="296" r:id="rId18"/>
-    <p:sldId id="316" r:id="rId19"/>
-    <p:sldId id="291" r:id="rId21"/>
-    <p:sldId id="297" r:id="rId23"/>
-    <p:sldId id="298" r:id="rId25"/>
-    <p:sldId id="300" r:id="rId27"/>
-    <p:sldId id="301" r:id="rId29"/>
-    <p:sldId id="302" r:id="rId31"/>
-    <p:sldId id="292" r:id="rId33"/>
-    <p:sldId id="303" r:id="rId35"/>
-    <p:sldId id="304" r:id="rId37"/>
-    <p:sldId id="317" r:id="rId39"/>
+    <p:sldId id="295" r:id="rId18"/>
+    <p:sldId id="296" r:id="rId20"/>
+    <p:sldId id="316" r:id="rId22"/>
+    <p:sldId id="291" r:id="rId24"/>
+    <p:sldId id="297" r:id="rId26"/>
+    <p:sldId id="298" r:id="rId27"/>
+    <p:sldId id="300" r:id="rId29"/>
+    <p:sldId id="301" r:id="rId31"/>
+    <p:sldId id="302" r:id="rId33"/>
+    <p:sldId id="292" r:id="rId35"/>
+    <p:sldId id="303" r:id="rId37"/>
+    <p:sldId id="304" r:id="rId39"/>
+    <p:sldId id="317" r:id="rId41"/>
   </p:sldIdLst>
   <p:sldSz cx="12192000" cy="6858000"/>
   <p:notesSz cx="6858000" cy="9144000"/>
@@ -11521,7 +11521,7 @@
       </p:sp>
       <p:pic>
         <p:nvPicPr>
-          <p:cNvPr id="1182" name="그림 13" descr="C:/Users/Admin1/AppData/Roaming/PolarisOffice/ETemp/7956_23580608/fImage58462206500.png"/>
+          <p:cNvPr id="1182" name="그림 13"/>
           <p:cNvPicPr>
             <a:picLocks noChangeAspect="1"/>
           </p:cNvPicPr>
@@ -11550,38 +11550,35 @@
           </a:solidFill>
         </p:spPr>
       </p:pic>
-      <p:cxnSp>
-        <p:nvCxnSpPr>
-          <p:cNvPr id="1179" name="도형 9"/>
-          <p:cNvCxnSpPr/>
+      <p:pic>
+        <p:nvPicPr>
+          <p:cNvPr id="1183" name="그림 1" descr="C:/Users/Admin1/AppData/Roaming/PolarisOffice/ETemp/10004_18209680/fImage22421734441.png"/>
+          <p:cNvPicPr>
+            <a:picLocks noChangeAspect="1"/>
+          </p:cNvPicPr>
           <p:nvPr/>
-        </p:nvCxnSpPr>
-        <p:spPr>
-          <a:xfrm rot="0" flipH="1">
-            <a:off x="7955915" y="2310130"/>
-            <a:ext cx="351155" cy="1905"/>
-          </a:xfrm>
-          <a:prstGeom prst="straightConnector1"/>
-          <a:ln w="6350" cap="flat" cmpd="sng">
-            <a:prstDash/>
-            <a:tailEnd type="triangle" w="med" len="med"/>
-          </a:ln>
-        </p:spPr>
-        <p:style>
-          <a:lnRef idx="1">
-            <a:schemeClr val="accent1"/>
-          </a:lnRef>
-          <a:fillRef idx="0">
-            <a:schemeClr val="accent1"/>
-          </a:fillRef>
-          <a:effectRef idx="0">
-            <a:schemeClr val="accent1"/>
-          </a:effectRef>
-          <a:fontRef idx="minor">
-            <a:schemeClr val="tx1"/>
-          </a:fontRef>
-        </p:style>
-      </p:cxnSp>
+        </p:nvPicPr>
+        <p:blipFill rotWithShape="1">
+          <a:blip r:embed="rId9" cstate="hqprint">
+            <a:extLst>
+              <a:ext uri="{28A0092B-C50C-407E-A947-70E740481C1C}">
+                <a14:useLocalDpi xmlns:a14="http://schemas.microsoft.com/office/drawing/2010/main"/>
+              </a:ext>
+            </a:extLst>
+          </a:blip>
+          <a:stretch>
+            <a:fillRect/>
+          </a:stretch>
+        </p:blipFill>
+        <p:spPr>
+          <a:xfrm rot="10800000">
+            <a:off x="7781290" y="1745615"/>
+            <a:ext cx="623570" cy="349885"/>
+          </a:xfrm>
+          <a:prstGeom prst="rect"/>
+          <a:noFill/>
+        </p:spPr>
+      </p:pic>
     </p:spTree>
   </p:cSld>
   <p:clrMapOvr>
@@ -12229,7 +12226,7 @@
       </p:pic>
       <p:pic>
         <p:nvPicPr>
-          <p:cNvPr id="1167" name="그림 109"/>
+          <p:cNvPr id="1167" name="그림 109" descr="C:/Users/Admin1/AppData/Roaming/PolarisOffice/ETemp/14072_9154248/fImage115223474827.png"/>
           <p:cNvPicPr>
             <a:picLocks noChangeAspect="1"/>
           </p:cNvPicPr>
@@ -12250,7 +12247,7 @@
         <p:spPr>
           <a:xfrm rot="0">
             <a:off x="6806565" y="1465580"/>
-            <a:ext cx="831850" cy="908050"/>
+            <a:ext cx="832485" cy="908685"/>
           </a:xfrm>
           <a:prstGeom prst="roundRect"/>
           <a:solidFill>
@@ -12269,7 +12266,7 @@
         <p:spPr>
           <a:xfrm rot="0">
             <a:off x="6797675" y="2490470"/>
-            <a:ext cx="4192270" cy="678180"/>
+            <a:ext cx="4192905" cy="678815"/>
           </a:xfrm>
           <a:prstGeom prst="rect"/>
           <a:noFill/>
@@ -12314,17 +12311,17 @@
       </p:sp>
       <p:pic>
         <p:nvPicPr>
-          <p:cNvPr id="1174" name="그림 18"/>
+          <p:cNvPr id="1174" name="그림 18" descr="C:/Users/Admin1/AppData/Roaming/PolarisOffice/ETemp/14072_9154248/fImage61383636334.png"/>
           <p:cNvPicPr>
             <a:picLocks noChangeAspect="1"/>
           </p:cNvPicPr>
           <p:nvPr/>
         </p:nvPicPr>
         <p:blipFill rotWithShape="1">
-          <a:blip r:embed="rId7" cstate="print">
+          <a:blip r:embed="rId7" cstate="hqprint">
             <a:extLst>
               <a:ext uri="{28A0092B-C50C-407E-A947-70E740481C1C}">
-                <a14:useLocalDpi xmlns:a14="http://schemas.microsoft.com/office/drawing/2010/main" val="0"/>
+                <a14:useLocalDpi xmlns:a14="http://schemas.microsoft.com/office/drawing/2010/main"/>
               </a:ext>
             </a:extLst>
           </a:blip>
@@ -12335,7 +12332,7 @@
         <p:spPr>
           <a:xfrm rot="0">
             <a:off x="7879715" y="1461135"/>
-            <a:ext cx="3118485" cy="903605"/>
+            <a:ext cx="3119120" cy="904240"/>
           </a:xfrm>
           <a:prstGeom prst="roundRect"/>
           <a:solidFill>
@@ -12374,7 +12371,7 @@
       </p:pic>
       <p:pic>
         <p:nvPicPr>
-          <p:cNvPr id="1176" name="그림 23"/>
+          <p:cNvPr id="1176" name="그림 23" descr="C:/Users/Admin1/AppData/Roaming/PolarisOffice/ETemp/14072_9154248/fImage10263376153.png"/>
           <p:cNvPicPr>
             <a:picLocks noChangeAspect="1"/>
           </p:cNvPicPr>
@@ -12395,7 +12392,7 @@
         <p:spPr>
           <a:xfrm rot="0">
             <a:off x="6805295" y="3306445"/>
-            <a:ext cx="4193540" cy="2105660"/>
+            <a:ext cx="4194175" cy="2106295"/>
           </a:xfrm>
           <a:prstGeom prst="roundRect"/>
           <a:solidFill>

--- a/Assets/Class/Animator/PPT Data/Animator Example.pptx
+++ b/Assets/Class/Animator/PPT Data/Animator Example.pptx
@@ -2,18 +2,18 @@
 <file path=ppt/presentation.xml><?xml version="1.0" encoding="utf-8"?>
 <p:presentation xmlns:a="http://schemas.openxmlformats.org/drawingml/2006/main" xmlns:r="http://schemas.openxmlformats.org/officeDocument/2006/relationships" xmlns:p="http://schemas.openxmlformats.org/presentationml/2006/main" xmlns:p14="http://schemas.microsoft.com/office/powerpoint/2010/main" saveSubsetFonts="1" firstSlideNum="0">
   <p:sldMasterIdLst>
-    <p:sldMasterId id="2147486279" r:id="rId12"/>
+    <p:sldMasterId id="2147486281" r:id="rId12"/>
   </p:sldMasterIdLst>
   <p:notesMasterIdLst>
     <p:notesMasterId r:id="rId14"/>
   </p:notesMasterIdLst>
   <p:sldIdLst>
     <p:sldId id="294" r:id="rId16"/>
-    <p:sldId id="295" r:id="rId18"/>
-    <p:sldId id="296" r:id="rId20"/>
-    <p:sldId id="316" r:id="rId22"/>
-    <p:sldId id="291" r:id="rId24"/>
-    <p:sldId id="297" r:id="rId26"/>
+    <p:sldId id="295" r:id="rId17"/>
+    <p:sldId id="296" r:id="rId19"/>
+    <p:sldId id="316" r:id="rId21"/>
+    <p:sldId id="291" r:id="rId23"/>
+    <p:sldId id="297" r:id="rId25"/>
     <p:sldId id="298" r:id="rId27"/>
     <p:sldId id="300" r:id="rId29"/>
     <p:sldId id="301" r:id="rId31"/>
@@ -7855,7 +7855,7 @@
       </p:sp>
       <p:pic>
         <p:nvPicPr>
-          <p:cNvPr id="1158" name="그림 3" descr="C:/Users/Admin1/AppData/Roaming/PolarisOffice/ETemp/9144_11002792/fImage40558127141.png"/>
+          <p:cNvPr id="1158" name="그림 3"/>
           <p:cNvPicPr>
             <a:picLocks noChangeAspect="1"/>
           </p:cNvPicPr>
@@ -7884,7 +7884,7 @@
       </p:pic>
       <p:pic>
         <p:nvPicPr>
-          <p:cNvPr id="1159" name="그림 4" descr="C:/Users/Admin1/AppData/Roaming/PolarisOffice/ETemp/9144_11002792/fImage211862728467.png"/>
+          <p:cNvPr id="1159" name="그림 4"/>
           <p:cNvPicPr>
             <a:picLocks noChangeAspect="1"/>
           </p:cNvPicPr>
@@ -7906,6 +7906,229 @@
           <a:xfrm rot="0">
             <a:off x="6816725" y="1359535"/>
             <a:ext cx="4259580" cy="4003040"/>
+          </a:xfrm>
+          <a:prstGeom prst="rect"/>
+          <a:noFill/>
+        </p:spPr>
+      </p:pic>
+      <p:sp>
+        <p:nvSpPr>
+          <p:cNvPr id="1160" name="텍스트 상자 1"/>
+          <p:cNvSpPr txBox="1">
+            <a:spLocks/>
+          </p:cNvSpPr>
+          <p:nvPr/>
+        </p:nvSpPr>
+        <p:spPr>
+          <a:xfrm rot="0">
+            <a:off x="4528820" y="379730"/>
+            <a:ext cx="3144520" cy="554990"/>
+          </a:xfrm>
+          <a:prstGeom prst="rect"/>
+          <a:noFill/>
+          <a:ln w="0">
+            <a:noFill/>
+            <a:prstDash/>
+          </a:ln>
+        </p:spPr>
+        <p:txBody>
+          <a:bodyPr wrap="square" lIns="89535" tIns="46355" rIns="89535" bIns="46355" numCol="1" vert="horz" anchor="t">
+            <a:spAutoFit/>
+          </a:bodyPr>
+          <a:lstStyle/>
+          <a:p>
+            <a:pPr marL="0" indent="0" algn="l" latinLnBrk="0">
+              <a:buFontTx/>
+              <a:buNone/>
+            </a:pPr>
+            <a:r>
+              <a:rPr lang="ko-KR" altLang="en-US" sz="3000" b="1">
+                <a:solidFill>
+                  <a:schemeClr val="tx1"/>
+                </a:solidFill>
+                <a:latin typeface="맑은 고딕" charset="0"/>
+                <a:ea typeface="맑은 고딕" charset="0"/>
+              </a:rPr>
+              <a:t>첫 번째 튜토리얼</a:t>
+            </a:r>
+            <a:endParaRPr lang="ko-KR" altLang="en-US" sz="3000" b="1">
+              <a:solidFill>
+                <a:schemeClr val="tx1"/>
+              </a:solidFill>
+              <a:latin typeface="맑은 고딕" charset="0"/>
+              <a:ea typeface="맑은 고딕" charset="0"/>
+            </a:endParaRPr>
+          </a:p>
+        </p:txBody>
+      </p:sp>
+      <p:sp>
+        <p:nvSpPr>
+          <p:cNvPr id="1161" name="텍스트 상자 2"/>
+          <p:cNvSpPr txBox="1">
+            <a:spLocks/>
+          </p:cNvSpPr>
+          <p:nvPr/>
+        </p:nvSpPr>
+        <p:spPr>
+          <a:xfrm rot="0">
+            <a:off x="1263650" y="5208905"/>
+            <a:ext cx="4142740" cy="955040"/>
+          </a:xfrm>
+          <a:prstGeom prst="rect"/>
+          <a:noFill/>
+          <a:ln w="0">
+            <a:noFill/>
+            <a:prstDash/>
+          </a:ln>
+        </p:spPr>
+        <p:txBody>
+          <a:bodyPr wrap="square" lIns="89535" tIns="46355" rIns="89535" bIns="46355" numCol="1" vert="horz" anchor="t">
+            <a:spAutoFit/>
+          </a:bodyPr>
+          <a:lstStyle/>
+          <a:p>
+            <a:pPr marL="0" indent="0" algn="l" latinLnBrk="0" hangingPunct="1">
+              <a:buFontTx/>
+              <a:buNone/>
+            </a:pPr>
+            <a:r>
+              <a:rPr lang="ko-KR" sz="2000" b="1">
+                <a:solidFill>
+                  <a:srgbClr val="0611F2"/>
+                </a:solidFill>
+                <a:latin typeface="맑은 고딕" charset="0"/>
+                <a:ea typeface="맑은 고딕" charset="0"/>
+              </a:rPr>
+              <a:t>1.</a:t>
+            </a:r>
+            <a:r>
+              <a:rPr lang="ko-KR" sz="2000">
+                <a:latin typeface="맑은 고딕" charset="0"/>
+                <a:ea typeface="맑은 고딕" charset="0"/>
+              </a:rPr>
+              <a:t> 첫 번째로 Google에 </a:t>
+            </a:r>
+            <a:r>
+              <a:rPr lang="ko-KR" sz="1800">
+                <a:latin typeface="맑은 고딕" charset="0"/>
+                <a:ea typeface="맑은 고딕" charset="0"/>
+              </a:rPr>
+              <a:t>mixamo라고 검색한 다음 사이트에 접속하여 Sign Up for Free를 선택합니다.</a:t>
+            </a:r>
+            <a:endParaRPr lang="ko-KR" altLang="en-US" sz="1800">
+              <a:latin typeface="맑은 고딕" charset="0"/>
+              <a:ea typeface="맑은 고딕" charset="0"/>
+            </a:endParaRPr>
+          </a:p>
+        </p:txBody>
+      </p:sp>
+      <p:sp>
+        <p:nvSpPr>
+          <p:cNvPr id="1162" name="텍스트 상자 3"/>
+          <p:cNvSpPr txBox="1">
+            <a:spLocks/>
+          </p:cNvSpPr>
+          <p:nvPr/>
+        </p:nvSpPr>
+        <p:spPr>
+          <a:xfrm rot="0">
+            <a:off x="6825615" y="5482590"/>
+            <a:ext cx="4259580" cy="680085"/>
+          </a:xfrm>
+          <a:prstGeom prst="rect"/>
+          <a:noFill/>
+          <a:ln w="0">
+            <a:noFill/>
+            <a:prstDash/>
+          </a:ln>
+        </p:spPr>
+        <p:txBody>
+          <a:bodyPr wrap="square" lIns="89535" tIns="46355" rIns="89535" bIns="46355" numCol="1" vert="horz" anchor="t">
+            <a:spAutoFit/>
+          </a:bodyPr>
+          <a:lstStyle/>
+          <a:p>
+            <a:pPr marL="0" indent="0" algn="l" latinLnBrk="0" hangingPunct="1">
+              <a:buFontTx/>
+              <a:buNone/>
+            </a:pPr>
+            <a:r>
+              <a:rPr lang="ko-KR" sz="2000" b="1">
+                <a:solidFill>
+                  <a:srgbClr val="0611F2"/>
+                </a:solidFill>
+                <a:latin typeface="맑은 고딕" charset="0"/>
+                <a:ea typeface="맑은 고딕" charset="0"/>
+              </a:rPr>
+              <a:t>2. </a:t>
+            </a:r>
+            <a:r>
+              <a:rPr lang="ko-KR" sz="1800">
+                <a:latin typeface="맑은 고딕" charset="0"/>
+                <a:ea typeface="맑은 고딕" charset="0"/>
+              </a:rPr>
+              <a:t>그리고 Google 계정으로 로그인을 시도합니다.</a:t>
+            </a:r>
+            <a:endParaRPr lang="ko-KR" altLang="en-US" sz="1800">
+              <a:latin typeface="맑은 고딕" charset="0"/>
+              <a:ea typeface="맑은 고딕" charset="0"/>
+            </a:endParaRPr>
+          </a:p>
+        </p:txBody>
+      </p:sp>
+      <p:pic>
+        <p:nvPicPr>
+          <p:cNvPr id="1163" name="그림 4" descr="C:/Users/Admin1/AppData/Roaming/PolarisOffice/ETemp/14200_8900632/fImage40558127141.png"/>
+          <p:cNvPicPr>
+            <a:picLocks noChangeAspect="1"/>
+          </p:cNvPicPr>
+          <p:nvPr/>
+        </p:nvPicPr>
+        <p:blipFill rotWithShape="1">
+          <a:blip r:embed="rId2" cstate="hqprint">
+            <a:extLst>
+              <a:ext uri="{28A0092B-C50C-407E-A947-70E740481C1C}">
+                <a14:useLocalDpi xmlns:a14="http://schemas.microsoft.com/office/drawing/2010/main"/>
+              </a:ext>
+            </a:extLst>
+          </a:blip>
+          <a:stretch>
+            <a:fillRect/>
+          </a:stretch>
+        </p:blipFill>
+        <p:spPr>
+          <a:xfrm rot="0">
+            <a:off x="1267460" y="1371600"/>
+            <a:ext cx="4138295" cy="3709670"/>
+          </a:xfrm>
+          <a:prstGeom prst="rect"/>
+          <a:noFill/>
+        </p:spPr>
+      </p:pic>
+      <p:pic>
+        <p:nvPicPr>
+          <p:cNvPr id="1164" name="그림 5" descr="C:/Users/Admin1/AppData/Roaming/PolarisOffice/ETemp/14200_8900632/fImage211862728467.png"/>
+          <p:cNvPicPr>
+            <a:picLocks noChangeAspect="1"/>
+          </p:cNvPicPr>
+          <p:nvPr/>
+        </p:nvPicPr>
+        <p:blipFill rotWithShape="1">
+          <a:blip r:embed="rId3" cstate="hqprint">
+            <a:extLst>
+              <a:ext uri="{28A0092B-C50C-407E-A947-70E740481C1C}">
+                <a14:useLocalDpi xmlns:a14="http://schemas.microsoft.com/office/drawing/2010/main"/>
+              </a:ext>
+            </a:extLst>
+          </a:blip>
+          <a:stretch>
+            <a:fillRect/>
+          </a:stretch>
+        </p:blipFill>
+        <p:spPr>
+          <a:xfrm rot="0">
+            <a:off x="6816725" y="1359535"/>
+            <a:ext cx="4260215" cy="4003675"/>
           </a:xfrm>
           <a:prstGeom prst="rect"/>
           <a:noFill/>

--- a/Assets/Class/Animator/PPT Data/Animator Example.pptx
+++ b/Assets/Class/Animator/PPT Data/Animator Example.pptx
@@ -2,26 +2,26 @@
 <file path=ppt/presentation.xml><?xml version="1.0" encoding="utf-8"?>
 <p:presentation xmlns:a="http://schemas.openxmlformats.org/drawingml/2006/main" xmlns:r="http://schemas.openxmlformats.org/officeDocument/2006/relationships" xmlns:p="http://schemas.openxmlformats.org/presentationml/2006/main" xmlns:p14="http://schemas.microsoft.com/office/powerpoint/2010/main" saveSubsetFonts="1" firstSlideNum="0">
   <p:sldMasterIdLst>
-    <p:sldMasterId id="2147486281" r:id="rId12"/>
+    <p:sldMasterId id="2147486284" r:id="rId12"/>
   </p:sldMasterIdLst>
   <p:notesMasterIdLst>
     <p:notesMasterId r:id="rId14"/>
   </p:notesMasterIdLst>
   <p:sldIdLst>
     <p:sldId id="294" r:id="rId16"/>
-    <p:sldId id="295" r:id="rId17"/>
-    <p:sldId id="296" r:id="rId19"/>
-    <p:sldId id="316" r:id="rId21"/>
+    <p:sldId id="295" r:id="rId18"/>
+    <p:sldId id="296" r:id="rId20"/>
+    <p:sldId id="316" r:id="rId22"/>
     <p:sldId id="291" r:id="rId23"/>
     <p:sldId id="297" r:id="rId25"/>
-    <p:sldId id="298" r:id="rId27"/>
-    <p:sldId id="300" r:id="rId29"/>
-    <p:sldId id="301" r:id="rId31"/>
-    <p:sldId id="302" r:id="rId33"/>
-    <p:sldId id="292" r:id="rId35"/>
-    <p:sldId id="303" r:id="rId37"/>
-    <p:sldId id="304" r:id="rId39"/>
-    <p:sldId id="317" r:id="rId41"/>
+    <p:sldId id="298" r:id="rId26"/>
+    <p:sldId id="300" r:id="rId28"/>
+    <p:sldId id="301" r:id="rId30"/>
+    <p:sldId id="302" r:id="rId32"/>
+    <p:sldId id="292" r:id="rId34"/>
+    <p:sldId id="303" r:id="rId36"/>
+    <p:sldId id="304" r:id="rId38"/>
+    <p:sldId id="317" r:id="rId40"/>
   </p:sldIdLst>
   <p:sldSz cx="12192000" cy="6858000"/>
   <p:notesSz cx="6858000" cy="9144000"/>
@@ -11775,7 +11775,7 @@
       </p:pic>
       <p:pic>
         <p:nvPicPr>
-          <p:cNvPr id="1183" name="그림 1" descr="C:/Users/Admin1/AppData/Roaming/PolarisOffice/ETemp/10004_18209680/fImage22421734441.png"/>
+          <p:cNvPr id="1183" name="그림 1" descr="C:/Users/Admin1/AppData/Roaming/PolarisOffice/ETemp/13048_5691128/fImage22421734441.png"/>
           <p:cNvPicPr>
             <a:picLocks noChangeAspect="1"/>
           </p:cNvPicPr>
@@ -11796,7 +11796,7 @@
         <p:spPr>
           <a:xfrm rot="10800000">
             <a:off x="7781290" y="1745615"/>
-            <a:ext cx="623570" cy="349885"/>
+            <a:ext cx="624205" cy="350520"/>
           </a:xfrm>
           <a:prstGeom prst="rect"/>
           <a:noFill/>
@@ -12449,7 +12449,7 @@
       </p:pic>
       <p:pic>
         <p:nvPicPr>
-          <p:cNvPr id="1167" name="그림 109" descr="C:/Users/Admin1/AppData/Roaming/PolarisOffice/ETemp/14072_9154248/fImage115223474827.png"/>
+          <p:cNvPr id="1167" name="그림 109"/>
           <p:cNvPicPr>
             <a:picLocks noChangeAspect="1"/>
           </p:cNvPicPr>
@@ -12534,7 +12534,7 @@
       </p:sp>
       <p:pic>
         <p:nvPicPr>
-          <p:cNvPr id="1174" name="그림 18" descr="C:/Users/Admin1/AppData/Roaming/PolarisOffice/ETemp/14072_9154248/fImage61383636334.png"/>
+          <p:cNvPr id="1174" name="그림 18"/>
           <p:cNvPicPr>
             <a:picLocks noChangeAspect="1"/>
           </p:cNvPicPr>
@@ -12565,17 +12565,17 @@
       </p:pic>
       <p:pic>
         <p:nvPicPr>
-          <p:cNvPr id="1175" name="그림 22"/>
+          <p:cNvPr id="1175" name="그림 22" descr="C:/Users/Admin1/AppData/Roaming/PolarisOffice/ETemp/13048_5691128/fImage1989133656500.png"/>
           <p:cNvPicPr>
             <a:picLocks noChangeAspect="1"/>
           </p:cNvPicPr>
           <p:nvPr/>
         </p:nvPicPr>
         <p:blipFill rotWithShape="1">
-          <a:blip r:embed="rId8" cstate="print">
+          <a:blip r:embed="rId8" cstate="hqprint">
             <a:extLst>
               <a:ext uri="{28A0092B-C50C-407E-A947-70E740481C1C}">
-                <a14:useLocalDpi xmlns:a14="http://schemas.microsoft.com/office/drawing/2010/main" val="0"/>
+                <a14:useLocalDpi xmlns:a14="http://schemas.microsoft.com/office/drawing/2010/main"/>
               </a:ext>
             </a:extLst>
           </a:blip>
@@ -12586,7 +12586,7 @@
         <p:spPr>
           <a:xfrm rot="16200000">
             <a:off x="7585710" y="1671320"/>
-            <a:ext cx="346710" cy="658495"/>
+            <a:ext cx="347345" cy="659130"/>
           </a:xfrm>
           <a:prstGeom prst="rect"/>
           <a:noFill/>
@@ -12594,7 +12594,7 @@
       </p:pic>
       <p:pic>
         <p:nvPicPr>
-          <p:cNvPr id="1176" name="그림 23" descr="C:/Users/Admin1/AppData/Roaming/PolarisOffice/ETemp/14072_9154248/fImage10263376153.png"/>
+          <p:cNvPr id="1176" name="그림 23"/>
           <p:cNvPicPr>
             <a:picLocks noChangeAspect="1"/>
           </p:cNvPicPr>

--- a/Assets/Class/Animator/PPT Data/Animator Example.pptx
+++ b/Assets/Class/Animator/PPT Data/Animator Example.pptx
@@ -2,7 +2,7 @@
 <file path=ppt/presentation.xml><?xml version="1.0" encoding="utf-8"?>
 <p:presentation xmlns:a="http://schemas.openxmlformats.org/drawingml/2006/main" xmlns:r="http://schemas.openxmlformats.org/officeDocument/2006/relationships" xmlns:p="http://schemas.openxmlformats.org/presentationml/2006/main" xmlns:p14="http://schemas.microsoft.com/office/powerpoint/2010/main" saveSubsetFonts="1" firstSlideNum="0">
   <p:sldMasterIdLst>
-    <p:sldMasterId id="2147486284" r:id="rId12"/>
+    <p:sldMasterId id="2147486293" r:id="rId12"/>
   </p:sldMasterIdLst>
   <p:notesMasterIdLst>
     <p:notesMasterId r:id="rId14"/>
@@ -11,17 +11,17 @@
     <p:sldId id="294" r:id="rId16"/>
     <p:sldId id="295" r:id="rId18"/>
     <p:sldId id="296" r:id="rId20"/>
-    <p:sldId id="316" r:id="rId22"/>
+    <p:sldId id="316" r:id="rId21"/>
     <p:sldId id="291" r:id="rId23"/>
-    <p:sldId id="297" r:id="rId25"/>
-    <p:sldId id="298" r:id="rId26"/>
-    <p:sldId id="300" r:id="rId28"/>
-    <p:sldId id="301" r:id="rId30"/>
-    <p:sldId id="302" r:id="rId32"/>
-    <p:sldId id="292" r:id="rId34"/>
-    <p:sldId id="303" r:id="rId36"/>
-    <p:sldId id="304" r:id="rId38"/>
-    <p:sldId id="317" r:id="rId40"/>
+    <p:sldId id="297" r:id="rId24"/>
+    <p:sldId id="298" r:id="rId25"/>
+    <p:sldId id="300" r:id="rId26"/>
+    <p:sldId id="301" r:id="rId27"/>
+    <p:sldId id="302" r:id="rId28"/>
+    <p:sldId id="292" r:id="rId29"/>
+    <p:sldId id="303" r:id="rId30"/>
+    <p:sldId id="304" r:id="rId31"/>
+    <p:sldId id="317" r:id="rId32"/>
   </p:sldIdLst>
   <p:sldSz cx="12192000" cy="6858000"/>
   <p:notesSz cx="6858000" cy="9144000"/>
@@ -8184,8 +8184,8 @@
         </p:nvSpPr>
         <p:spPr>
           <a:xfrm rot="0">
-            <a:off x="4664075" y="417195"/>
-            <a:ext cx="2861310" cy="554990"/>
+            <a:off x="4497705" y="417195"/>
+            <a:ext cx="3192145" cy="554990"/>
           </a:xfrm>
           <a:prstGeom prst="rect"/>
           <a:noFill/>
@@ -8212,7 +8212,7 @@
                 <a:latin typeface="맑은 고딕" charset="0"/>
                 <a:ea typeface="맑은 고딕" charset="0"/>
               </a:rPr>
-              <a:t>아홉</a:t>
+              <a:t>열</a:t>
             </a:r>
             <a:r>
               <a:rPr lang="ko-KR" altLang="en-US" sz="3000" b="1">
@@ -8222,7 +8222,17 @@
                 <a:latin typeface="맑은 고딕" charset="0"/>
                 <a:ea typeface="맑은 고딕" charset="0"/>
               </a:rPr>
-              <a:t> 번째 과정</a:t>
+              <a:t> 번째 </a:t>
+            </a:r>
+            <a:r>
+              <a:rPr lang="ko-KR" altLang="en-US" sz="3000" b="1">
+                <a:solidFill>
+                  <a:schemeClr val="tx1"/>
+                </a:solidFill>
+                <a:latin typeface="맑은 고딕" charset="0"/>
+                <a:ea typeface="맑은 고딕" charset="0"/>
+              </a:rPr>
+              <a:t>튜토리얼</a:t>
             </a:r>
             <a:endParaRPr lang="ko-KR" altLang="en-US" sz="3000" b="1">
               <a:solidFill>
@@ -8365,7 +8375,7 @@
       </p:sp>
       <p:pic>
         <p:nvPicPr>
-          <p:cNvPr id="1165" name="Picture " descr="C:/Users/Admin1/AppData/Roaming/PolarisOffice/ETemp/7956_23580608/fImage45714593811.png"/>
+          <p:cNvPr id="1165" name="Picture "/>
           <p:cNvPicPr>
             <a:picLocks noChangeAspect="1"/>
           </p:cNvPicPr>
@@ -8396,7 +8406,7 @@
       </p:pic>
       <p:pic>
         <p:nvPicPr>
-          <p:cNvPr id="1168" name="그림 205" descr="C:/Users/Admin1/AppData/Roaming/PolarisOffice/ETemp/7956_23580608/fImage16105485333.png"/>
+          <p:cNvPr id="1168" name="그림 205"/>
           <p:cNvPicPr>
             <a:picLocks noChangeAspect="1"/>
           </p:cNvPicPr>
@@ -8685,8 +8695,8 @@
         </p:nvSpPr>
         <p:spPr>
           <a:xfrm rot="0">
-            <a:off x="4801235" y="461010"/>
-            <a:ext cx="2594610" cy="554990"/>
+            <a:off x="4311015" y="461010"/>
+            <a:ext cx="3570605" cy="554990"/>
           </a:xfrm>
           <a:prstGeom prst="rect"/>
           <a:noFill/>
@@ -8713,7 +8723,37 @@
                 <a:latin typeface="맑은 고딕" charset="0"/>
                 <a:ea typeface="맑은 고딕" charset="0"/>
               </a:rPr>
-              <a:t>열 번째 과정</a:t>
+              <a:t>열</a:t>
+            </a:r>
+            <a:r>
+              <a:rPr lang="ko-KR" altLang="en-US" sz="3000" b="1">
+                <a:solidFill>
+                  <a:schemeClr val="tx1"/>
+                </a:solidFill>
+                <a:latin typeface="맑은 고딕" charset="0"/>
+                <a:ea typeface="맑은 고딕" charset="0"/>
+              </a:rPr>
+              <a:t>한</a:t>
+            </a:r>
+            <a:r>
+              <a:rPr lang="ko-KR" altLang="en-US" sz="3000" b="1">
+                <a:solidFill>
+                  <a:schemeClr val="tx1"/>
+                </a:solidFill>
+                <a:latin typeface="맑은 고딕" charset="0"/>
+                <a:ea typeface="맑은 고딕" charset="0"/>
+              </a:rPr>
+              <a:t> 번째 </a:t>
+            </a:r>
+            <a:r>
+              <a:rPr lang="ko-KR" altLang="en-US" sz="3000" b="1">
+                <a:solidFill>
+                  <a:schemeClr val="tx1"/>
+                </a:solidFill>
+                <a:latin typeface="맑은 고딕" charset="0"/>
+                <a:ea typeface="맑은 고딕" charset="0"/>
+              </a:rPr>
+              <a:t>튜토리얼</a:t>
             </a:r>
             <a:endParaRPr lang="ko-KR" altLang="en-US" sz="3000" b="1">
               <a:solidFill>
@@ -8735,8 +8775,8 @@
         </p:nvSpPr>
         <p:spPr>
           <a:xfrm rot="0">
-            <a:off x="6797675" y="4693285"/>
-            <a:ext cx="4201160" cy="1508125"/>
+            <a:off x="6797675" y="4418965"/>
+            <a:ext cx="4168140" cy="1784985"/>
           </a:xfrm>
           <a:prstGeom prst="rect"/>
           <a:noFill/>
@@ -8763,41 +8803,14 @@
                 <a:latin typeface="맑은 고딕" charset="0"/>
                 <a:ea typeface="맑은 고딕" charset="0"/>
               </a:rPr>
-              <a:t>2</a:t>
-            </a:r>
-            <a:r>
-              <a:rPr lang="ko-KR" sz="2000" b="1">
-                <a:solidFill>
-                  <a:srgbClr val="0611F2"/>
-                </a:solidFill>
-                <a:latin typeface="맑은 고딕" charset="0"/>
-                <a:ea typeface="맑은 고딕" charset="0"/>
-              </a:rPr>
-              <a:t>8</a:t>
-            </a:r>
-            <a:r>
-              <a:rPr lang="ko-KR" sz="2000" b="1">
-                <a:solidFill>
-                  <a:srgbClr val="0611F2"/>
-                </a:solidFill>
-                <a:latin typeface="맑은 고딕" charset="0"/>
-                <a:ea typeface="맑은 고딕" charset="0"/>
-              </a:rPr>
-              <a:t>. </a:t>
+              <a:t>28. </a:t>
             </a:r>
             <a:r>
               <a:rPr lang="ko-KR" sz="1800">
                 <a:latin typeface="맑은 고딕" charset="0"/>
                 <a:ea typeface="맑은 고딕" charset="0"/>
               </a:rPr>
-              <a:t>이제</a:t>
-            </a:r>
-            <a:r>
-              <a:rPr lang="ko-KR" sz="1800">
-                <a:latin typeface="맑은 고딕" charset="0"/>
-                <a:ea typeface="맑은 고딕" charset="0"/>
-              </a:rPr>
-              <a:t> Animation Action 오브젝트를 선택합니다.</a:t>
+              <a:t>이제 Animation Action 오브젝트를 선택합니다.</a:t>
             </a:r>
             <a:endParaRPr lang="ko-KR" altLang="en-US" sz="1800">
               <a:latin typeface="맑은 고딕" charset="0"/>
@@ -8824,14 +8837,7 @@
                 <a:latin typeface="맑은 고딕" charset="0"/>
                 <a:ea typeface="맑은 고딕" charset="0"/>
               </a:rPr>
-              <a:t>그리고</a:t>
-            </a:r>
-            <a:r>
-              <a:rPr lang="ko-KR" sz="1800">
-                <a:latin typeface="맑은 고딕" charset="0"/>
-                <a:ea typeface="맑은 고딕" charset="0"/>
-              </a:rPr>
-              <a:t> Animator 컴포넌트에 Dreyar By M.Aure 캐릭터 오브젝트를 넣어줍니다.</a:t>
+              <a:t>그리고 Animator 컴포넌트에 Dreyar By M.Aure 캐릭터 오브젝트를 넣어줍니다.</a:t>
             </a:r>
             <a:endParaRPr lang="ko-KR" altLang="en-US" sz="1800">
               <a:latin typeface="맑은 고딕" charset="0"/>
@@ -8842,7 +8848,7 @@
       </p:sp>
       <p:pic>
         <p:nvPicPr>
-          <p:cNvPr id="1133" name="그림 42" descr="C:/Users/Admin1/AppData/Roaming/PolarisOffice/ETemp/7956_23580608/fImage169704987673.png"/>
+          <p:cNvPr id="1133" name="그림 42" descr="C:/Users/Admin1/AppData/Roaming/PolarisOffice/ETemp/13876_17549616/fImage169704987673.png"/>
           <p:cNvPicPr>
             <a:picLocks noChangeAspect="1"/>
           </p:cNvPicPr>
@@ -8862,26 +8868,28 @@
         </p:blipFill>
         <p:spPr>
           <a:xfrm rot="0">
-            <a:off x="8113395" y="1411605"/>
-            <a:ext cx="2890520" cy="3145155"/>
-          </a:xfrm>
-          <a:prstGeom prst="rect"/>
-          <a:noFill/>
+            <a:off x="8204835" y="1404620"/>
+            <a:ext cx="2760980" cy="2860675"/>
+          </a:xfrm>
+          <a:prstGeom prst="roundRect"/>
+          <a:solidFill>
+            <a:srgbClr val="EDEDED"/>
+          </a:solidFill>
         </p:spPr>
       </p:pic>
       <p:pic>
         <p:nvPicPr>
-          <p:cNvPr id="1136" name="그림 33" descr="C:/Users/Admin1/AppData/Roaming/PolarisOffice/ETemp/7956_23580608/fImage64442294464.png"/>
+          <p:cNvPr id="1136" name="그림 33" descr="C:/Users/Admin1/AppData/Roaming/PolarisOffice/ETemp/13876_17549616/fImage64442294464.png"/>
           <p:cNvPicPr>
             <a:picLocks noChangeAspect="1"/>
           </p:cNvPicPr>
           <p:nvPr/>
         </p:nvPicPr>
         <p:blipFill rotWithShape="1">
-          <a:blip r:embed="rId25" cstate="print">
+          <a:blip r:embed="rId25" cstate="hqprint">
             <a:extLst>
               <a:ext uri="{28A0092B-C50C-407E-A947-70E740481C1C}">
-                <a14:useLocalDpi xmlns:a14="http://schemas.microsoft.com/office/drawing/2010/main" val="0"/>
+                <a14:useLocalDpi xmlns:a14="http://schemas.microsoft.com/office/drawing/2010/main"/>
               </a:ext>
             </a:extLst>
           </a:blip>
@@ -8891,8 +8899,8 @@
         </p:blipFill>
         <p:spPr>
           <a:xfrm rot="0">
-            <a:off x="6806565" y="2113280"/>
-            <a:ext cx="1143635" cy="1792605"/>
+            <a:off x="6808470" y="2113280"/>
+            <a:ext cx="1230630" cy="1670050"/>
           </a:xfrm>
           <a:prstGeom prst="roundRect"/>
           <a:solidFill>
@@ -8908,8 +8916,8 @@
         </p:nvCxnSpPr>
         <p:spPr>
           <a:xfrm rot="0">
-            <a:off x="7931785" y="3342640"/>
-            <a:ext cx="2967990" cy="956310"/>
+            <a:off x="8030210" y="3283585"/>
+            <a:ext cx="2818765" cy="740410"/>
           </a:xfrm>
           <a:prstGeom prst="straightConnector1"/>
           <a:ln w="19050" cap="flat" cmpd="sng">
@@ -8934,7 +8942,7 @@
       </p:cxnSp>
       <p:pic>
         <p:nvPicPr>
-          <p:cNvPr id="1137" name="그림 67" descr="C:/Users/Admin1/AppData/Roaming/PolarisOffice/ETemp/7956_23580608/fImage109342515705.png"/>
+          <p:cNvPr id="1137" name="그림 67"/>
           <p:cNvPicPr>
             <a:picLocks noChangeAspect="1"/>
           </p:cNvPicPr>
@@ -9013,8 +9021,8 @@
         </p:nvSpPr>
         <p:spPr>
           <a:xfrm rot="0">
-            <a:off x="1377950" y="4867910"/>
-            <a:ext cx="3996690" cy="1231265"/>
+            <a:off x="1238885" y="4867910"/>
+            <a:ext cx="4136390" cy="1231265"/>
           </a:xfrm>
           <a:prstGeom prst="rect"/>
           <a:noFill/>
@@ -9041,62 +9049,14 @@
                 <a:latin typeface="맑은 고딕" charset="0"/>
                 <a:ea typeface="맑은 고딕" charset="0"/>
               </a:rPr>
-              <a:t>2</a:t>
-            </a:r>
-            <a:r>
-              <a:rPr lang="ko-KR" sz="2000" b="1">
-                <a:solidFill>
-                  <a:srgbClr val="0611F2"/>
-                </a:solidFill>
-                <a:latin typeface="맑은 고딕" charset="0"/>
-                <a:ea typeface="맑은 고딕" charset="0"/>
-              </a:rPr>
-              <a:t>9</a:t>
-            </a:r>
-            <a:r>
-              <a:rPr lang="ko-KR" sz="2000" b="1">
-                <a:solidFill>
-                  <a:srgbClr val="0611F2"/>
-                </a:solidFill>
-                <a:latin typeface="맑은 고딕" charset="0"/>
-                <a:ea typeface="맑은 고딕" charset="0"/>
-              </a:rPr>
-              <a:t>. </a:t>
+              <a:t>29. </a:t>
             </a:r>
             <a:r>
               <a:rPr lang="ko-KR" sz="1800">
                 <a:latin typeface="맑은 고딕" charset="0"/>
                 <a:ea typeface="맑은 고딕" charset="0"/>
               </a:rPr>
-              <a:t>그런 다음 Button을 2개 생성</a:t>
-            </a:r>
-            <a:r>
-              <a:rPr lang="ko-KR" sz="1800">
-                <a:latin typeface="맑은 고딕" charset="0"/>
-                <a:ea typeface="맑은 고딕" charset="0"/>
-              </a:rPr>
-              <a:t>한 다음</a:t>
-            </a:r>
-            <a:r>
-              <a:rPr lang="ko-KR" sz="1800">
-                <a:latin typeface="맑은 고딕" charset="0"/>
-                <a:ea typeface="맑은 고딕" charset="0"/>
-              </a:rPr>
-              <a:t> 각각의 버튼 이름을 Kick Button과 Running Button</a:t>
-            </a:r>
-            <a:r>
-              <a:rPr lang="ko-KR" sz="1800">
-                <a:latin typeface="맑은 고딕" charset="0"/>
-                <a:ea typeface="맑은 고딕" charset="0"/>
-              </a:rPr>
-              <a:t>이라는 이름으로</a:t>
-            </a:r>
-            <a:r>
-              <a:rPr lang="ko-KR" sz="1800">
-                <a:latin typeface="맑은 고딕" charset="0"/>
-                <a:ea typeface="맑은 고딕" charset="0"/>
-              </a:rPr>
-              <a:t> 정의합니다.</a:t>
+              <a:t>그런 다음 Button을 2개 생성한 다음 각각의 버튼 이름을 Kick Button과 Running Button이라는 이름으로 정의합니다.</a:t>
             </a:r>
             <a:endParaRPr lang="ko-KR" altLang="en-US" sz="1800">
               <a:latin typeface="맑은 고딕" charset="0"/>
@@ -9114,9 +9074,9 @@
           <p:nvPr/>
         </p:nvSpPr>
         <p:spPr>
-          <a:xfrm>
-            <a:off x="4705985" y="408940"/>
-            <a:ext cx="2781935" cy="554990"/>
+          <a:xfrm rot="0">
+            <a:off x="4307205" y="417195"/>
+            <a:ext cx="3582670" cy="554990"/>
           </a:xfrm>
           <a:prstGeom prst="rect"/>
           <a:noFill/>
@@ -9153,7 +9113,7 @@
                 <a:latin typeface="맑은 고딕" charset="0"/>
                 <a:ea typeface="맑은 고딕" charset="0"/>
               </a:rPr>
-              <a:t>한</a:t>
+              <a:t>두</a:t>
             </a:r>
             <a:r>
               <a:rPr lang="ko-KR" altLang="en-US" sz="3000" b="1">
@@ -9163,7 +9123,17 @@
                 <a:latin typeface="맑은 고딕" charset="0"/>
                 <a:ea typeface="맑은 고딕" charset="0"/>
               </a:rPr>
-              <a:t> 번째 과정</a:t>
+              <a:t> 번째 </a:t>
+            </a:r>
+            <a:r>
+              <a:rPr lang="ko-KR" altLang="en-US" sz="3000" b="1">
+                <a:solidFill>
+                  <a:schemeClr val="tx1"/>
+                </a:solidFill>
+                <a:latin typeface="맑은 고딕" charset="0"/>
+                <a:ea typeface="맑은 고딕" charset="0"/>
+              </a:rPr>
+              <a:t>튜토리얼</a:t>
             </a:r>
             <a:endParaRPr lang="ko-KR" altLang="en-US" sz="3000" b="1">
               <a:solidFill>
@@ -9177,7 +9147,7 @@
       </p:sp>
       <p:pic>
         <p:nvPicPr>
-          <p:cNvPr id="1134" name="그림 217" descr="C:/Users/Admin1/AppData/Roaming/PolarisOffice/ETemp/7956_23580608/fImage191385015141.png"/>
+          <p:cNvPr id="1134" name="그림 217" descr="C:/Users/Admin1/AppData/Roaming/PolarisOffice/ETemp/13876_17549616/fImage191385015141.png"/>
           <p:cNvPicPr>
             <a:picLocks noChangeAspect="1"/>
           </p:cNvPicPr>
@@ -9197,8 +9167,8 @@
         </p:blipFill>
         <p:spPr>
           <a:xfrm rot="0">
-            <a:off x="1377315" y="1385570"/>
-            <a:ext cx="2734945" cy="3304540"/>
+            <a:off x="1238885" y="1385570"/>
+            <a:ext cx="2710815" cy="3305175"/>
           </a:xfrm>
           <a:prstGeom prst="roundRect"/>
           <a:solidFill>
@@ -9208,17 +9178,17 @@
       </p:pic>
       <p:pic>
         <p:nvPicPr>
-          <p:cNvPr id="1135" name="그림 50" descr="C:/Users/Admin1/AppData/Roaming/PolarisOffice/ETemp/7956_23580608/fImage92502368145.png"/>
+          <p:cNvPr id="1135" name="그림 50" descr="C:/Users/Admin1/AppData/Roaming/PolarisOffice/ETemp/13876_17549616/fImage92502368145.png"/>
           <p:cNvPicPr>
             <a:picLocks noChangeAspect="1"/>
           </p:cNvPicPr>
           <p:nvPr/>
         </p:nvPicPr>
         <p:blipFill rotWithShape="1">
-          <a:blip r:embed="rId7" cstate="print">
+          <a:blip r:embed="rId7" cstate="hqprint">
             <a:extLst>
               <a:ext uri="{28A0092B-C50C-407E-A947-70E740481C1C}">
-                <a14:useLocalDpi xmlns:a14="http://schemas.microsoft.com/office/drawing/2010/main" val="0"/>
+                <a14:useLocalDpi xmlns:a14="http://schemas.microsoft.com/office/drawing/2010/main"/>
               </a:ext>
             </a:extLst>
           </a:blip>
@@ -9228,8 +9198,8 @@
         </p:blipFill>
         <p:spPr>
           <a:xfrm rot="0">
-            <a:off x="4225925" y="2087245"/>
-            <a:ext cx="1154430" cy="2070100"/>
+            <a:off x="4114800" y="2012315"/>
+            <a:ext cx="1266190" cy="2070735"/>
           </a:xfrm>
           <a:prstGeom prst="roundRect"/>
           <a:solidFill>
@@ -9248,7 +9218,7 @@
         <p:spPr>
           <a:xfrm rot="0">
             <a:off x="6807835" y="5477510"/>
-            <a:ext cx="4241800" cy="677545"/>
+            <a:ext cx="4166235" cy="677545"/>
           </a:xfrm>
           <a:prstGeom prst="rect"/>
           <a:noFill/>
@@ -9275,17 +9245,7 @@
                 <a:latin typeface="맑은 고딕" charset="0"/>
                 <a:ea typeface="맑은 고딕" charset="0"/>
               </a:rPr>
-              <a:t>30</a:t>
-            </a:r>
-            <a:r>
-              <a:rPr lang="ko-KR" sz="2000" b="1">
-                <a:solidFill>
-                  <a:srgbClr val="0611F2"/>
-                </a:solidFill>
-                <a:latin typeface="맑은 고딕" charset="0"/>
-                <a:ea typeface="맑은 고딕" charset="0"/>
-              </a:rPr>
-              <a:t>. </a:t>
+              <a:t>30. </a:t>
             </a:r>
             <a:r>
               <a:rPr lang="ko-KR" sz="1800">
@@ -9303,17 +9263,17 @@
       </p:sp>
       <p:pic>
         <p:nvPicPr>
-          <p:cNvPr id="1139" name="그림 78" descr="C:/Users/Admin1/AppData/Roaming/PolarisOffice/ETemp/7956_23580608/fImage121153393281.png"/>
+          <p:cNvPr id="1139" name="그림 78" descr="C:/Users/Admin1/AppData/Roaming/PolarisOffice/ETemp/13876_17549616/fImage121153393281.png"/>
           <p:cNvPicPr>
             <a:picLocks noChangeAspect="1"/>
           </p:cNvPicPr>
           <p:nvPr/>
         </p:nvPicPr>
         <p:blipFill rotWithShape="1">
-          <a:blip r:embed="rId8" cstate="print">
+          <a:blip r:embed="rId8" cstate="hqprint">
             <a:extLst>
               <a:ext uri="{28A0092B-C50C-407E-A947-70E740481C1C}">
-                <a14:useLocalDpi xmlns:a14="http://schemas.microsoft.com/office/drawing/2010/main" val="0"/>
+                <a14:useLocalDpi xmlns:a14="http://schemas.microsoft.com/office/drawing/2010/main"/>
               </a:ext>
             </a:extLst>
           </a:blip>
@@ -9324,7 +9284,7 @@
         <p:spPr>
           <a:xfrm rot="0">
             <a:off x="6814820" y="1384935"/>
-            <a:ext cx="4234815" cy="1837055"/>
+            <a:ext cx="4159250" cy="1837690"/>
           </a:xfrm>
           <a:prstGeom prst="roundRect"/>
           <a:solidFill>
@@ -9334,17 +9294,17 @@
       </p:pic>
       <p:pic>
         <p:nvPicPr>
-          <p:cNvPr id="1140" name="그림 81" descr="C:/Users/Admin1/AppData/Roaming/PolarisOffice/ETemp/7956_23580608/fImage123733406827.png"/>
+          <p:cNvPr id="1140" name="그림 81" descr="C:/Users/Admin1/AppData/Roaming/PolarisOffice/ETemp/13876_17549616/fImage123733406827.png"/>
           <p:cNvPicPr>
             <a:picLocks noChangeAspect="1"/>
           </p:cNvPicPr>
           <p:nvPr/>
         </p:nvPicPr>
         <p:blipFill rotWithShape="1">
-          <a:blip r:embed="rId9" cstate="print">
+          <a:blip r:embed="rId9" cstate="hqprint">
             <a:extLst>
               <a:ext uri="{28A0092B-C50C-407E-A947-70E740481C1C}">
-                <a14:useLocalDpi xmlns:a14="http://schemas.microsoft.com/office/drawing/2010/main" val="0"/>
+                <a14:useLocalDpi xmlns:a14="http://schemas.microsoft.com/office/drawing/2010/main"/>
               </a:ext>
             </a:extLst>
           </a:blip>
@@ -9355,7 +9315,7 @@
         <p:spPr>
           <a:xfrm rot="0">
             <a:off x="6805295" y="3461385"/>
-            <a:ext cx="4253230" cy="1838325"/>
+            <a:ext cx="4168775" cy="1838960"/>
           </a:xfrm>
           <a:prstGeom prst="roundRect"/>
           <a:solidFill>
@@ -9413,8 +9373,8 @@
         </p:nvSpPr>
         <p:spPr>
           <a:xfrm rot="0">
-            <a:off x="6813550" y="4495800"/>
-            <a:ext cx="4271010" cy="1784985"/>
+            <a:off x="6813550" y="4354195"/>
+            <a:ext cx="4144010" cy="1784985"/>
           </a:xfrm>
           <a:prstGeom prst="rect"/>
           <a:noFill/>
@@ -9441,59 +9401,21 @@
                 <a:latin typeface="맑은 고딕" charset="0"/>
                 <a:ea typeface="맑은 고딕" charset="0"/>
               </a:rPr>
-              <a:t>32</a:t>
-            </a:r>
-            <a:r>
-              <a:rPr lang="ko-KR" sz="2000" b="1">
-                <a:solidFill>
-                  <a:srgbClr val="0611F2"/>
-                </a:solidFill>
-                <a:latin typeface="맑은 고딕" charset="0"/>
-                <a:ea typeface="맑은 고딕" charset="0"/>
-              </a:rPr>
-              <a:t>. </a:t>
+              <a:t>32. </a:t>
             </a:r>
             <a:r>
               <a:rPr lang="ko-KR" sz="1800">
                 <a:latin typeface="맑은 고딕" charset="0"/>
                 <a:ea typeface="맑은 고딕" charset="0"/>
               </a:rPr>
-              <a:t>이제</a:t>
-            </a:r>
-            <a:r>
-              <a:rPr lang="ko-KR" sz="1800">
-                <a:latin typeface="맑은 고딕" charset="0"/>
-                <a:ea typeface="맑은 고딕" charset="0"/>
-              </a:rPr>
-              <a:t> </a:t>
-            </a:r>
-            <a:r>
-              <a:rPr lang="ko-KR" sz="1800">
-                <a:latin typeface="맑은 고딕" charset="0"/>
-                <a:ea typeface="맑은 고딕" charset="0"/>
-              </a:rPr>
-              <a:t>Kick</a:t>
+              <a:t>이제 Kick</a:t>
             </a:r>
             <a:r>
               <a:rPr sz="1800">
                 <a:latin typeface="맑은 고딕" charset="0"/>
                 <a:ea typeface="맑은 고딕" charset="0"/>
               </a:rPr>
-              <a:t> Button과 </a:t>
-            </a:r>
-            <a:r>
-              <a:rPr sz="1800">
-                <a:latin typeface="맑은 고딕" charset="0"/>
-                <a:ea typeface="맑은 고딕" charset="0"/>
-              </a:rPr>
-              <a:t>Running </a:t>
-            </a:r>
-            <a:r>
-              <a:rPr sz="1800">
-                <a:latin typeface="맑은 고딕" charset="0"/>
-                <a:ea typeface="맑은 고딕" charset="0"/>
-              </a:rPr>
-              <a:t>Button</a:t>
+              <a:t> Button과 Running Button</a:t>
             </a:r>
             <a:r>
               <a:rPr lang="ko-KR" sz="1800">
@@ -9527,35 +9449,7 @@
                 <a:latin typeface="맑은 고딕" charset="0"/>
                 <a:ea typeface="맑은 고딕" charset="0"/>
               </a:rPr>
-              <a:t>그런 다음 </a:t>
-            </a:r>
-            <a:r>
-              <a:rPr lang="ko-KR" sz="1800">
-                <a:latin typeface="맑은 고딕" charset="0"/>
-                <a:ea typeface="맑은 고딕" charset="0"/>
-              </a:rPr>
-              <a:t>AnimationAction 스크립트</a:t>
-            </a:r>
-            <a:r>
-              <a:rPr lang="ko-KR" sz="1800">
-                <a:latin typeface="맑은 고딕" charset="0"/>
-                <a:ea typeface="맑은 고딕" charset="0"/>
-              </a:rPr>
-              <a:t>에 있는 Kick( )함수와 Running( ) 함수를 등록합니다.</a:t>
-            </a:r>
-            <a:r>
-              <a:rPr lang="ko-KR" sz="1800">
-                <a:latin typeface="맑은 고딕" charset="0"/>
-                <a:ea typeface="맑은 고딕" charset="0"/>
-              </a:rPr>
-              <a:t> </a:t>
-            </a:r>
-            <a:r>
-              <a:rPr lang="ko-KR" sz="1800">
-                <a:latin typeface="맑은 고딕" charset="0"/>
-                <a:ea typeface="맑은 고딕" charset="0"/>
-              </a:rPr>
-              <a:t> </a:t>
+              <a:t>그런 다음 AnimationAction 스크립트에 있는 Kick( )함수와 Running( ) 함수를 등록합니다.  </a:t>
             </a:r>
             <a:endParaRPr lang="ko-KR" altLang="en-US" sz="1800">
               <a:latin typeface="맑은 고딕" charset="0"/>
@@ -9573,9 +9467,9 @@
           <p:nvPr/>
         </p:nvSpPr>
         <p:spPr>
-          <a:xfrm>
-            <a:off x="4705985" y="408940"/>
-            <a:ext cx="2781935" cy="554990"/>
+          <a:xfrm rot="0">
+            <a:off x="4298950" y="408940"/>
+            <a:ext cx="3590925" cy="554990"/>
           </a:xfrm>
           <a:prstGeom prst="rect"/>
           <a:noFill/>
@@ -9612,7 +9506,7 @@
                 <a:latin typeface="맑은 고딕" charset="0"/>
                 <a:ea typeface="맑은 고딕" charset="0"/>
               </a:rPr>
-              <a:t>두</a:t>
+              <a:t>세</a:t>
             </a:r>
             <a:r>
               <a:rPr lang="ko-KR" altLang="en-US" sz="3000" b="1">
@@ -9622,7 +9516,17 @@
                 <a:latin typeface="맑은 고딕" charset="0"/>
                 <a:ea typeface="맑은 고딕" charset="0"/>
               </a:rPr>
-              <a:t> 번째 과정</a:t>
+              <a:t> 번째 </a:t>
+            </a:r>
+            <a:r>
+              <a:rPr lang="ko-KR" altLang="en-US" sz="3000" b="1">
+                <a:solidFill>
+                  <a:schemeClr val="tx1"/>
+                </a:solidFill>
+                <a:latin typeface="맑은 고딕" charset="0"/>
+                <a:ea typeface="맑은 고딕" charset="0"/>
+              </a:rPr>
+              <a:t>튜토리얼</a:t>
             </a:r>
             <a:endParaRPr lang="ko-KR" altLang="en-US" sz="3000" b="1">
               <a:solidFill>
@@ -9636,7 +9540,7 @@
       </p:sp>
       <p:pic>
         <p:nvPicPr>
-          <p:cNvPr id="1138" name="그림 223" descr="C:/Users/Admin1/AppData/Roaming/PolarisOffice/ETemp/7956_23580608/fImage51935165547.png"/>
+          <p:cNvPr id="1138" name="그림 223" descr="C:/Users/Admin1/AppData/Roaming/PolarisOffice/ETemp/13876_17549616/fImage51935165547.png"/>
           <p:cNvPicPr>
             <a:picLocks noChangeAspect="1"/>
           </p:cNvPicPr>
@@ -9656,8 +9560,8 @@
         </p:blipFill>
         <p:spPr>
           <a:xfrm rot="0">
-            <a:off x="6814820" y="2961005"/>
-            <a:ext cx="4274820" cy="1412240"/>
+            <a:off x="6814820" y="2927985"/>
+            <a:ext cx="4142740" cy="1337310"/>
           </a:xfrm>
           <a:prstGeom prst="roundRect"/>
           <a:solidFill>
@@ -9667,7 +9571,7 @@
       </p:pic>
       <p:pic>
         <p:nvPicPr>
-          <p:cNvPr id="1139" name="그림 224" descr="C:/Users/Admin1/AppData/Roaming/PolarisOffice/ETemp/7956_23580608/fImage51055177644.png"/>
+          <p:cNvPr id="1139" name="그림 224" descr="C:/Users/Admin1/AppData/Roaming/PolarisOffice/ETemp/13876_17549616/fImage51055177644.png"/>
           <p:cNvPicPr>
             <a:picLocks noChangeAspect="1"/>
           </p:cNvPicPr>
@@ -9688,7 +9592,7 @@
         <p:spPr>
           <a:xfrm rot="0">
             <a:off x="6814820" y="1376045"/>
-            <a:ext cx="4282440" cy="1421765"/>
+            <a:ext cx="4142740" cy="1343025"/>
           </a:xfrm>
           <a:prstGeom prst="roundRect"/>
           <a:solidFill>
@@ -9698,7 +9602,7 @@
       </p:pic>
       <p:pic>
         <p:nvPicPr>
-          <p:cNvPr id="1144" name="그림 60" descr="C:/Users/Admin1/AppData/Roaming/PolarisOffice/ETemp/7956_23580608/fImage30172469961.png"/>
+          <p:cNvPr id="1144" name="그림 60"/>
           <p:cNvPicPr>
             <a:picLocks noChangeAspect="1"/>
           </p:cNvPicPr>
@@ -9729,7 +9633,7 @@
       </p:pic>
       <p:pic>
         <p:nvPicPr>
-          <p:cNvPr id="1145" name="그림 61" descr="C:/Users/Admin1/AppData/Roaming/PolarisOffice/ETemp/7956_23580608/fImage5566247491.png"/>
+          <p:cNvPr id="1145" name="그림 61"/>
           <p:cNvPicPr>
             <a:picLocks noChangeAspect="1"/>
           </p:cNvPicPr>
@@ -9760,17 +9664,17 @@
       </p:pic>
       <p:pic>
         <p:nvPicPr>
-          <p:cNvPr id="1146" name="그림 70" descr="C:/Users/Admin1/AppData/Roaming/PolarisOffice/ETemp/7956_23580608/fImage93932522995.png"/>
+          <p:cNvPr id="1146" name="그림 70" descr="C:/Users/Admin1/AppData/Roaming/PolarisOffice/ETemp/13876_17549616/fImage93932522995.png"/>
           <p:cNvPicPr>
             <a:picLocks noChangeAspect="1"/>
           </p:cNvPicPr>
           <p:nvPr/>
         </p:nvPicPr>
         <p:blipFill rotWithShape="1">
-          <a:blip r:embed="rId12" cstate="print">
+          <a:blip r:embed="rId12" cstate="hqprint">
             <a:extLst>
               <a:ext uri="{28A0092B-C50C-407E-A947-70E740481C1C}">
-                <a14:useLocalDpi xmlns:a14="http://schemas.microsoft.com/office/drawing/2010/main" val="0"/>
+                <a14:useLocalDpi xmlns:a14="http://schemas.microsoft.com/office/drawing/2010/main"/>
               </a:ext>
             </a:extLst>
           </a:blip>
@@ -9780,8 +9684,8 @@
         </p:blipFill>
         <p:spPr>
           <a:xfrm rot="0">
-            <a:off x="1256030" y="1376680"/>
-            <a:ext cx="1334135" cy="2886710"/>
+            <a:off x="1238885" y="1376680"/>
+            <a:ext cx="1351915" cy="2887345"/>
           </a:xfrm>
           <a:prstGeom prst="roundRect"/>
           <a:solidFill>
@@ -9832,14 +9736,14 @@
         </p:nvSpPr>
         <p:spPr>
           <a:xfrm rot="0">
-            <a:off x="1264285" y="4484370"/>
-            <a:ext cx="4088130" cy="1661795"/>
+            <a:off x="1238885" y="4484370"/>
+            <a:ext cx="4114165" cy="1662430"/>
           </a:xfrm>
           <a:prstGeom prst="rect"/>
           <a:noFill/>
         </p:spPr>
         <p:txBody>
-          <a:bodyPr wrap="square" lIns="0" tIns="0" rIns="0" bIns="0" vert="horz" anchor="t">
+          <a:bodyPr wrap="square" lIns="0" tIns="0" rIns="0" bIns="0" numCol="1" vert="horz" anchor="t">
             <a:noAutofit/>
           </a:bodyPr>
           <a:lstStyle/>
@@ -9887,21 +9791,7 @@
                 <a:latin typeface="맑은 고딕" charset="0"/>
                 <a:ea typeface="맑은 고딕" charset="0"/>
               </a:rPr>
-              <a:t> Button과 </a:t>
-            </a:r>
-            <a:r>
-              <a:rPr sz="1800">
-                <a:latin typeface="맑은 고딕" charset="0"/>
-                <a:ea typeface="맑은 고딕" charset="0"/>
-              </a:rPr>
-              <a:t>Running </a:t>
-            </a:r>
-            <a:r>
-              <a:rPr sz="1800">
-                <a:latin typeface="맑은 고딕" charset="0"/>
-                <a:ea typeface="맑은 고딕" charset="0"/>
-              </a:rPr>
-              <a:t>Button</a:t>
+              <a:t> Button과 Running Button</a:t>
             </a:r>
             <a:r>
               <a:rPr lang="ko-KR" sz="1800">
@@ -9956,21 +9846,7 @@
                 <a:latin typeface="맑은 고딕" charset="0"/>
                 <a:ea typeface="맑은 고딕" charset="0"/>
               </a:rPr>
-              <a:t> 각각의 버튼에 있는 On Click( ) 함수에 </a:t>
-            </a:r>
-            <a:r>
-              <a:rPr sz="1800">
-                <a:latin typeface="맑은 고딕" charset="0"/>
-                <a:ea typeface="맑은 고딕" charset="0"/>
-              </a:rPr>
-              <a:t>Animation Action</a:t>
-            </a:r>
-            <a:r>
-              <a:rPr sz="1800">
-                <a:latin typeface="맑은 고딕" charset="0"/>
-                <a:ea typeface="맑은 고딕" charset="0"/>
-              </a:rPr>
-              <a:t> 오브젝트를 넣어줍니다.</a:t>
+              <a:t> 각각의 버튼에 있는 On Click( ) 함수에 Animation Action 오브젝트를 넣어줍니다.</a:t>
             </a:r>
             <a:endParaRPr lang="ko-KR" altLang="en-US" sz="1800">
               <a:latin typeface="맑은 고딕" charset="0"/>
@@ -10003,7 +9879,7 @@
 </file>
 
 <file path=ppt/slides/slide14.xml><?xml version="1.0" encoding="utf-8"?>
-<p:sld xmlns:a="http://schemas.openxmlformats.org/drawingml/2006/main" xmlns:r="http://schemas.openxmlformats.org/officeDocument/2006/relationships" xmlns:p="http://schemas.openxmlformats.org/presentationml/2006/main">
+<p:sld xmlns:a="http://schemas.openxmlformats.org/drawingml/2006/main" xmlns:r="http://schemas.openxmlformats.org/officeDocument/2006/relationships" xmlns:p="http://schemas.openxmlformats.org/presentationml/2006/main" xmlns:p14="http://schemas.microsoft.com/office/powerpoint/2010/main">
   <p:cSld>
     <p:spTree>
       <p:nvGrpSpPr>
@@ -10029,8 +9905,8 @@
         </p:nvSpPr>
         <p:spPr>
           <a:xfrm rot="0">
-            <a:off x="6814820" y="4235450"/>
-            <a:ext cx="4183380" cy="2061845"/>
+            <a:off x="6806565" y="4227195"/>
+            <a:ext cx="4159250" cy="2061845"/>
           </a:xfrm>
           <a:prstGeom prst="rect"/>
           <a:noFill/>
@@ -10057,31 +9933,14 @@
                 <a:latin typeface="맑은 고딕" charset="0"/>
                 <a:ea typeface="맑은 고딕" charset="0"/>
               </a:rPr>
-              <a:t>34</a:t>
-            </a:r>
-            <a:r>
-              <a:rPr lang="ko-KR" sz="2000" b="1">
-                <a:solidFill>
-                  <a:srgbClr val="0611F2"/>
-                </a:solidFill>
-                <a:latin typeface="맑은 고딕" charset="0"/>
-                <a:ea typeface="맑은 고딕" charset="0"/>
-              </a:rPr>
-              <a:t>. </a:t>
+              <a:t>34. </a:t>
             </a:r>
             <a:r>
               <a:rPr lang="ko-KR" sz="1800">
                 <a:latin typeface="맑은 고딕" charset="0"/>
                 <a:ea typeface="맑은 고딕" charset="0"/>
               </a:rPr>
-              <a:t>마지막으로 </a:t>
-            </a:r>
-            <a:r>
-              <a:rPr lang="ko-KR" sz="1800">
-                <a:latin typeface="맑은 고딕" charset="0"/>
-                <a:ea typeface="맑은 고딕" charset="0"/>
-              </a:rPr>
-              <a:t>Idle 애니메이션에서 Make Transition을 선택하여 Exit 스테이트에 연결합니다.</a:t>
+              <a:t>마지막으로 Idle 애니메이션에서 Make Transition을 선택하여 Exit 스테이트에 연결합니다.</a:t>
             </a:r>
             <a:endParaRPr lang="ko-KR" altLang="en-US" sz="1800">
               <a:latin typeface="맑은 고딕" charset="0"/>
@@ -10108,21 +9967,7 @@
                 <a:latin typeface="맑은 고딕" charset="0"/>
                 <a:ea typeface="맑은 고딕" charset="0"/>
               </a:rPr>
-              <a:t>그러면 </a:t>
-            </a:r>
-            <a:r>
-              <a:rPr lang="ko-KR" sz="1800">
-                <a:latin typeface="맑은 고딕" charset="0"/>
-                <a:ea typeface="맑은 고딕" charset="0"/>
-              </a:rPr>
-              <a:t>Idle 애니메이션의 진행이 다 끝나고 다시 Entry </a:t>
-            </a:r>
-            <a:r>
-              <a:rPr lang="ko-KR" sz="1800">
-                <a:latin typeface="맑은 고딕" charset="0"/>
-                <a:ea typeface="맑은 고딕" charset="0"/>
-              </a:rPr>
-              <a:t>스테이트로 진입하게 됩니다.</a:t>
+              <a:t>그러면 Idle 애니메이션의 진행이 다 끝나고 다시 Entry 스테이트로 진입하게 됩니다.</a:t>
             </a:r>
             <a:endParaRPr lang="ko-KR" altLang="en-US" sz="1800">
               <a:latin typeface="맑은 고딕" charset="0"/>
@@ -10141,8 +9986,8 @@
         </p:nvSpPr>
         <p:spPr>
           <a:xfrm rot="0">
-            <a:off x="4705985" y="408940"/>
-            <a:ext cx="2781935" cy="554990"/>
+            <a:off x="4273550" y="400685"/>
+            <a:ext cx="3641090" cy="554990"/>
           </a:xfrm>
           <a:prstGeom prst="rect"/>
           <a:noFill/>
@@ -10179,7 +10024,7 @@
                 <a:latin typeface="맑은 고딕" charset="0"/>
                 <a:ea typeface="맑은 고딕" charset="0"/>
               </a:rPr>
-              <a:t>세</a:t>
+              <a:t>네</a:t>
             </a:r>
             <a:r>
               <a:rPr lang="ko-KR" altLang="en-US" sz="3000" b="1">
@@ -10189,7 +10034,17 @@
                 <a:latin typeface="맑은 고딕" charset="0"/>
                 <a:ea typeface="맑은 고딕" charset="0"/>
               </a:rPr>
-              <a:t> 번째 과정</a:t>
+              <a:t> 번째 </a:t>
+            </a:r>
+            <a:r>
+              <a:rPr lang="ko-KR" altLang="en-US" sz="3000" b="1">
+                <a:solidFill>
+                  <a:schemeClr val="tx1"/>
+                </a:solidFill>
+                <a:latin typeface="맑은 고딕" charset="0"/>
+                <a:ea typeface="맑은 고딕" charset="0"/>
+              </a:rPr>
+              <a:t>튜토리얼</a:t>
             </a:r>
             <a:endParaRPr lang="ko-KR" altLang="en-US" sz="3000" b="1">
               <a:solidFill>
@@ -10328,17 +10183,17 @@
       </p:sp>
       <p:pic>
         <p:nvPicPr>
-          <p:cNvPr id="1150" name="그림 87" descr="C:/Users/Admin1/AppData/Roaming/PolarisOffice/ETemp/7956_23580608/fImage121233421942.png"/>
+          <p:cNvPr id="1150" name="그림 87" descr="C:/Users/Admin1/AppData/Roaming/PolarisOffice/ETemp/13876_17549616/fImage121233421942.png"/>
           <p:cNvPicPr>
             <a:picLocks noChangeAspect="1"/>
           </p:cNvPicPr>
           <p:nvPr/>
         </p:nvPicPr>
         <p:blipFill rotWithShape="1">
-          <a:blip r:embed="rId2" cstate="print">
+          <a:blip r:embed="rId2" cstate="hqprint">
             <a:extLst>
               <a:ext uri="{28A0092B-C50C-407E-A947-70E740481C1C}">
-                <a14:useLocalDpi xmlns:a14="http://schemas.microsoft.com/office/drawing/2010/main" val="0"/>
+                <a14:useLocalDpi xmlns:a14="http://schemas.microsoft.com/office/drawing/2010/main"/>
               </a:ext>
             </a:extLst>
           </a:blip>
@@ -10348,8 +10203,8 @@
         </p:blipFill>
         <p:spPr>
           <a:xfrm rot="0">
-            <a:off x="1203960" y="1376045"/>
-            <a:ext cx="4165600" cy="1188085"/>
+            <a:off x="1203960" y="1363345"/>
+            <a:ext cx="4166235" cy="1201420"/>
           </a:xfrm>
           <a:prstGeom prst="roundRect"/>
           <a:solidFill>
@@ -10359,17 +10214,17 @@
       </p:pic>
       <p:pic>
         <p:nvPicPr>
-          <p:cNvPr id="1152" name="그림 93" descr="C:/Users/Admin1/AppData/Roaming/PolarisOffice/ETemp/7956_23580608/fImage120273444827.png"/>
+          <p:cNvPr id="1152" name="그림 93" descr="C:/Users/Admin1/AppData/Roaming/PolarisOffice/ETemp/13876_17549616/fImage120273444827.png"/>
           <p:cNvPicPr>
             <a:picLocks noChangeAspect="1"/>
           </p:cNvPicPr>
           <p:nvPr/>
         </p:nvPicPr>
         <p:blipFill rotWithShape="1">
-          <a:blip r:embed="rId3" cstate="print">
+          <a:blip r:embed="rId3" cstate="hqprint">
             <a:extLst>
               <a:ext uri="{28A0092B-C50C-407E-A947-70E740481C1C}">
-                <a14:useLocalDpi xmlns:a14="http://schemas.microsoft.com/office/drawing/2010/main" val="0"/>
+                <a14:useLocalDpi xmlns:a14="http://schemas.microsoft.com/office/drawing/2010/main"/>
               </a:ext>
             </a:extLst>
           </a:blip>
@@ -10379,8 +10234,8 @@
         </p:blipFill>
         <p:spPr>
           <a:xfrm rot="0">
-            <a:off x="1203960" y="2719070"/>
-            <a:ext cx="4174490" cy="1178560"/>
+            <a:off x="1203960" y="2735580"/>
+            <a:ext cx="4175125" cy="1179195"/>
           </a:xfrm>
           <a:prstGeom prst="roundRect"/>
           <a:solidFill>
@@ -10390,17 +10245,17 @@
       </p:pic>
       <p:pic>
         <p:nvPicPr>
-          <p:cNvPr id="1154" name="그림 99" descr="C:/Users/Admin1/AppData/Roaming/PolarisOffice/ETemp/7956_23580608/fImage181103465436.png"/>
+          <p:cNvPr id="1154" name="그림 99" descr="C:/Users/Admin1/AppData/Roaming/PolarisOffice/ETemp/13876_17549616/fImage181103465436.png"/>
           <p:cNvPicPr>
             <a:picLocks noChangeAspect="1"/>
           </p:cNvPicPr>
           <p:nvPr/>
         </p:nvPicPr>
         <p:blipFill rotWithShape="1">
-          <a:blip r:embed="rId4" cstate="print">
+          <a:blip r:embed="rId4" cstate="hqprint">
             <a:extLst>
               <a:ext uri="{28A0092B-C50C-407E-A947-70E740481C1C}">
-                <a14:useLocalDpi xmlns:a14="http://schemas.microsoft.com/office/drawing/2010/main" val="0"/>
+                <a14:useLocalDpi xmlns:a14="http://schemas.microsoft.com/office/drawing/2010/main"/>
               </a:ext>
             </a:extLst>
           </a:blip>
@@ -10411,7 +10266,7 @@
         <p:spPr>
           <a:xfrm rot="0">
             <a:off x="6814820" y="1362710"/>
-            <a:ext cx="4189730" cy="2794635"/>
+            <a:ext cx="4142740" cy="2686050"/>
           </a:xfrm>
           <a:prstGeom prst="roundRect"/>
           <a:solidFill>
@@ -11064,8 +10919,8 @@
         </p:nvSpPr>
         <p:spPr>
           <a:xfrm rot="0">
-            <a:off x="6806565" y="5561330"/>
-            <a:ext cx="4258945" cy="648335"/>
+            <a:off x="6814820" y="5287010"/>
+            <a:ext cx="4167505" cy="923925"/>
           </a:xfrm>
           <a:prstGeom prst="rect"/>
           <a:noFill/>
@@ -11096,63 +10951,7 @@
                 <a:latin typeface="맑은 고딕" charset="0"/>
                 <a:ea typeface="맑은 고딕" charset="0"/>
               </a:rPr>
-              <a:t>게임</a:t>
-            </a:r>
-            <a:r>
-              <a:rPr lang="ko-KR" altLang="en-US" sz="1800">
-                <a:latin typeface="맑은 고딕" charset="0"/>
-                <a:ea typeface="맑은 고딕" charset="0"/>
-              </a:rPr>
-              <a:t> </a:t>
-            </a:r>
-            <a:r>
-              <a:rPr lang="ko-KR" altLang="en-US" sz="1800">
-                <a:latin typeface="맑은 고딕" charset="0"/>
-                <a:ea typeface="맑은 고딕" charset="0"/>
-              </a:rPr>
-              <a:t>오브젝트의</a:t>
-            </a:r>
-            <a:r>
-              <a:rPr lang="ko-KR" altLang="en-US" sz="1800">
-                <a:latin typeface="맑은 고딕" charset="0"/>
-                <a:ea typeface="맑은 고딕" charset="0"/>
-              </a:rPr>
-              <a:t> </a:t>
-            </a:r>
-            <a:r>
-              <a:rPr lang="ko-KR" altLang="en-US" sz="1800">
-                <a:latin typeface="맑은 고딕" charset="0"/>
-                <a:ea typeface="맑은 고딕" charset="0"/>
-              </a:rPr>
-              <a:t>애니메이션을</a:t>
-            </a:r>
-            <a:r>
-              <a:rPr lang="ko-KR" altLang="en-US" sz="1800">
-                <a:latin typeface="맑은 고딕" charset="0"/>
-                <a:ea typeface="맑은 고딕" charset="0"/>
-              </a:rPr>
-              <a:t> </a:t>
-            </a:r>
-            <a:r>
-              <a:rPr lang="ko-KR" altLang="en-US" sz="1800">
-                <a:latin typeface="맑은 고딕" charset="0"/>
-                <a:ea typeface="맑은 고딕" charset="0"/>
-              </a:rPr>
-              <a:t>제어하는</a:t>
-            </a:r>
-            <a:r>
-              <a:rPr lang="ko-KR" altLang="en-US" sz="1800">
-                <a:latin typeface="맑은 고딕" charset="0"/>
-                <a:ea typeface="맑은 고딕" charset="0"/>
-              </a:rPr>
-              <a:t> </a:t>
-            </a:r>
-            <a:r>
-              <a:rPr lang="ko-KR" altLang="en-US" sz="1800">
-                <a:latin typeface="맑은 고딕" charset="0"/>
-                <a:ea typeface="맑은 고딕" charset="0"/>
-              </a:rPr>
-              <a:t>컴포넌트입니다.</a:t>
+              <a:t>게임 오브젝트의 애니메이션을 제어하는 컴포넌트입니다.</a:t>
             </a:r>
             <a:endParaRPr lang="ko-KR" altLang="en-US" sz="1800">
               <a:latin typeface="맑은 고딕" charset="0"/>
@@ -11248,7 +11047,7 @@
       </p:sp>
       <p:pic>
         <p:nvPicPr>
-          <p:cNvPr id="1168" name="그림 78"/>
+          <p:cNvPr id="1168" name="그림 78" descr="C:/Users/Admin1/AppData/Roaming/PolarisOffice/ETemp/13876_17549616/fImage44283074464.png"/>
           <p:cNvPicPr>
             <a:picLocks noChangeAspect="1"/>
           </p:cNvPicPr>
@@ -11269,7 +11068,7 @@
         <p:spPr>
           <a:xfrm rot="0">
             <a:off x="6816725" y="1361440"/>
-            <a:ext cx="4266565" cy="1224280"/>
+            <a:ext cx="4149090" cy="1224915"/>
           </a:xfrm>
           <a:prstGeom prst="roundRect"/>
           <a:solidFill>
@@ -11279,7 +11078,7 @@
       </p:pic>
       <p:pic>
         <p:nvPicPr>
-          <p:cNvPr id="1171" name="그림 14" descr="C:/Users/Admin1/AppData/Roaming/PolarisOffice/ETemp/9144_11002792/fImage2446744741.png"/>
+          <p:cNvPr id="1171" name="그림 14" descr="C:/Users/Admin1/AppData/Roaming/PolarisOffice/ETemp/13876_17549616/fImage2446744741.png"/>
           <p:cNvPicPr>
             <a:picLocks noChangeAspect="1"/>
           </p:cNvPicPr>
@@ -11300,7 +11099,7 @@
         <p:spPr>
           <a:xfrm rot="0">
             <a:off x="6815455" y="3550920"/>
-            <a:ext cx="4264660" cy="1838960"/>
+            <a:ext cx="4158615" cy="1604010"/>
           </a:xfrm>
           <a:prstGeom prst="roundRect"/>
           <a:solidFill>
@@ -11310,7 +11109,7 @@
       </p:pic>
       <p:pic>
         <p:nvPicPr>
-          <p:cNvPr id="1172" name="그림 1" descr="C:/Users/Admin1/AppData/Roaming/PolarisOffice/ETemp/9144_11002792/fImage58462148467.png"/>
+          <p:cNvPr id="1172" name="그림 1"/>
           <p:cNvPicPr>
             <a:picLocks noChangeAspect="1"/>
           </p:cNvPicPr>
@@ -11341,7 +11140,7 @@
       </p:pic>
       <p:pic>
         <p:nvPicPr>
-          <p:cNvPr id="1173" name="그림 4" descr="C:/Users/Admin1/AppData/Roaming/PolarisOffice/ETemp/9144_11002792/fImage53572156334.png"/>
+          <p:cNvPr id="1173" name="그림 4"/>
           <p:cNvPicPr>
             <a:picLocks noChangeAspect="1"/>
           </p:cNvPicPr>
@@ -11914,7 +11713,7 @@
       </p:sp>
       <p:pic>
         <p:nvPicPr>
-          <p:cNvPr id="1160" name="그림 99" descr="C:/Users/Admin1/AppData/Roaming/PolarisOffice/ETemp/7956_23580608/fImage29523219961.png"/>
+          <p:cNvPr id="1160" name="그림 99"/>
           <p:cNvPicPr>
             <a:picLocks noChangeAspect="1"/>
           </p:cNvPicPr>
@@ -11980,7 +11779,7 @@
       </p:cxnSp>
       <p:pic>
         <p:nvPicPr>
-          <p:cNvPr id="1168" name="그림 29" descr="C:/Users/Admin1/AppData/Roaming/PolarisOffice/ETemp/7956_23580608/fImage85063176827.png"/>
+          <p:cNvPr id="1168" name="그림 29"/>
           <p:cNvPicPr>
             <a:picLocks noChangeAspect="1"/>
           </p:cNvPicPr>
@@ -12142,7 +11941,7 @@
         <p:spPr>
           <a:xfrm rot="0">
             <a:off x="6823710" y="5208270"/>
-            <a:ext cx="4175125" cy="955040"/>
+            <a:ext cx="4133850" cy="954405"/>
           </a:xfrm>
           <a:prstGeom prst="rect"/>
           <a:noFill/>
@@ -12187,7 +11986,7 @@
       </p:sp>
       <p:pic>
         <p:nvPicPr>
-          <p:cNvPr id="1171" name="그림 15" descr="C:/Users/Admin1/AppData/Roaming/PolarisOffice/ETemp/7956_23580608/fImage3349343452995.png"/>
+          <p:cNvPr id="1171" name="그림 15" descr="C:/Users/Admin1/AppData/Roaming/PolarisOffice/ETemp/13876_17549616/fImage3349343452995.png"/>
           <p:cNvPicPr>
             <a:picLocks noChangeAspect="1"/>
           </p:cNvPicPr>
@@ -12207,16 +12006,18 @@
         </p:blipFill>
         <p:spPr>
           <a:xfrm rot="0">
-            <a:off x="6823710" y="1471930"/>
-            <a:ext cx="4169410" cy="3568065"/>
-          </a:xfrm>
-          <a:prstGeom prst="rect"/>
-          <a:noFill/>
+            <a:off x="6823710" y="1471295"/>
+            <a:ext cx="4133850" cy="3569335"/>
+          </a:xfrm>
+          <a:prstGeom prst="roundRect"/>
+          <a:solidFill>
+            <a:srgbClr val="EDEDED"/>
+          </a:solidFill>
         </p:spPr>
       </p:pic>
       <p:pic>
         <p:nvPicPr>
-          <p:cNvPr id="1172" name="그림 14" descr="C:/Users/Admin1/AppData/Roaming/PolarisOffice/ETemp/7956_23580608/fImage64822219169.png"/>
+          <p:cNvPr id="1172" name="그림 14"/>
           <p:cNvPicPr>
             <a:picLocks noChangeAspect="1"/>
           </p:cNvPicPr>
@@ -12295,8 +12096,8 @@
         </p:nvSpPr>
         <p:spPr>
           <a:xfrm rot="0">
-            <a:off x="4696460" y="380365"/>
-            <a:ext cx="2802890" cy="554990"/>
+            <a:off x="4280535" y="405130"/>
+            <a:ext cx="3625850" cy="554990"/>
           </a:xfrm>
           <a:prstGeom prst="rect"/>
           <a:noFill/>
@@ -12323,7 +12124,27 @@
                 <a:latin typeface="맑은 고딕" charset="0"/>
                 <a:ea typeface="맑은 고딕" charset="0"/>
               </a:rPr>
-              <a:t>다섯 번째 과정</a:t>
+              <a:t>여</a:t>
+            </a:r>
+            <a:r>
+              <a:rPr lang="ko-KR" altLang="en-US" sz="3000" b="1">
+                <a:solidFill>
+                  <a:schemeClr val="tx1"/>
+                </a:solidFill>
+                <a:latin typeface="맑은 고딕" charset="0"/>
+                <a:ea typeface="맑은 고딕" charset="0"/>
+              </a:rPr>
+              <a:t>섯 번째 </a:t>
+            </a:r>
+            <a:r>
+              <a:rPr lang="ko-KR" altLang="en-US" sz="3000" b="1">
+                <a:solidFill>
+                  <a:schemeClr val="tx1"/>
+                </a:solidFill>
+                <a:latin typeface="맑은 고딕" charset="0"/>
+                <a:ea typeface="맑은 고딕" charset="0"/>
+              </a:rPr>
+              <a:t>튜토리얼</a:t>
             </a:r>
             <a:endParaRPr lang="ko-KR" altLang="en-US" sz="3000" b="1">
               <a:solidFill>
@@ -12565,7 +12386,7 @@
       </p:pic>
       <p:pic>
         <p:nvPicPr>
-          <p:cNvPr id="1175" name="그림 22" descr="C:/Users/Admin1/AppData/Roaming/PolarisOffice/ETemp/13048_5691128/fImage1989133656500.png"/>
+          <p:cNvPr id="1175" name="그림 22"/>
           <p:cNvPicPr>
             <a:picLocks noChangeAspect="1"/>
           </p:cNvPicPr>
@@ -12727,8 +12548,8 @@
         </p:nvSpPr>
         <p:spPr>
           <a:xfrm rot="0">
-            <a:off x="4696460" y="380365"/>
-            <a:ext cx="2802890" cy="554990"/>
+            <a:off x="4272280" y="380365"/>
+            <a:ext cx="3642360" cy="554990"/>
           </a:xfrm>
           <a:prstGeom prst="rect"/>
           <a:noFill/>
@@ -12755,7 +12576,7 @@
                 <a:latin typeface="맑은 고딕" charset="0"/>
                 <a:ea typeface="맑은 고딕" charset="0"/>
               </a:rPr>
-              <a:t>여섯 번째 과정</a:t>
+              <a:t>일곱 번째 튜토리얼</a:t>
             </a:r>
             <a:endParaRPr lang="ko-KR" altLang="en-US" sz="3000" b="1">
               <a:solidFill>
@@ -12823,7 +12644,7 @@
       </p:sp>
       <p:pic>
         <p:nvPicPr>
-          <p:cNvPr id="1168" name="Picture " descr="C:/Users/Admin1/AppData/Roaming/PolarisOffice/ETemp/7956_23580608/fImage40303612391.png"/>
+          <p:cNvPr id="1168" name="Picture "/>
           <p:cNvPicPr>
             <a:picLocks noChangeAspect="1"/>
           </p:cNvPicPr>
@@ -12863,7 +12684,7 @@
         <p:spPr>
           <a:xfrm rot="0">
             <a:off x="6848475" y="2912110"/>
-            <a:ext cx="4157980" cy="677545"/>
+            <a:ext cx="4133850" cy="677545"/>
           </a:xfrm>
           <a:prstGeom prst="rect"/>
           <a:noFill/>
@@ -12908,7 +12729,7 @@
       </p:sp>
       <p:pic>
         <p:nvPicPr>
-          <p:cNvPr id="1174" name="그림 121" descr="C:/Users/Admin1/AppData/Roaming/PolarisOffice/ETemp/7956_23580608/fImage40103704604.png"/>
+          <p:cNvPr id="1174" name="그림 121" descr="C:/Users/Admin1/AppData/Roaming/PolarisOffice/ETemp/13876_17549616/fImage40103704604.png"/>
           <p:cNvPicPr>
             <a:picLocks noChangeAspect="1"/>
           </p:cNvPicPr>
@@ -12929,7 +12750,7 @@
         <p:spPr>
           <a:xfrm rot="0">
             <a:off x="6831965" y="1367790"/>
-            <a:ext cx="4166235" cy="1438275"/>
+            <a:ext cx="4142105" cy="1438910"/>
           </a:xfrm>
           <a:prstGeom prst="roundRect"/>
           <a:solidFill>
@@ -12939,7 +12760,7 @@
       </p:pic>
       <p:pic>
         <p:nvPicPr>
-          <p:cNvPr id="1175" name="그림 123" descr="C:/Users/Admin1/AppData/Roaming/PolarisOffice/ETemp/7956_23580608/fImage30643713902.png"/>
+          <p:cNvPr id="1175" name="그림 123"/>
           <p:cNvPicPr>
             <a:picLocks noChangeAspect="1"/>
           </p:cNvPicPr>
@@ -12978,8 +12799,8 @@
         </p:nvSpPr>
         <p:spPr>
           <a:xfrm rot="0">
-            <a:off x="1315720" y="2878455"/>
-            <a:ext cx="4065905" cy="954405"/>
+            <a:off x="1315720" y="2894965"/>
+            <a:ext cx="4066540" cy="955040"/>
           </a:xfrm>
           <a:prstGeom prst="rect"/>
           <a:noFill/>
@@ -13024,7 +12845,7 @@
       </p:sp>
       <p:pic>
         <p:nvPicPr>
-          <p:cNvPr id="1181" name="그림 23" descr="C:/Users/Admin1/AppData/Roaming/PolarisOffice/ETemp/7956_23580608/fImage70252245724.png"/>
+          <p:cNvPr id="1181" name="그림 23"/>
           <p:cNvPicPr>
             <a:picLocks noChangeAspect="1"/>
           </p:cNvPicPr>
@@ -13055,7 +12876,7 @@
       </p:pic>
       <p:pic>
         <p:nvPicPr>
-          <p:cNvPr id="1182" name="그림 26" descr="C:/Users/Admin1/AppData/Roaming/PolarisOffice/ETemp/7956_23580608/fImage22421734441.png"/>
+          <p:cNvPr id="1182" name="그림 26"/>
           <p:cNvPicPr>
             <a:picLocks noChangeAspect="1"/>
           </p:cNvPicPr>
@@ -13084,17 +12905,17 @@
       </p:pic>
       <p:pic>
         <p:nvPicPr>
-          <p:cNvPr id="1183" name="그림 46" descr="C:/Users/Admin1/AppData/Roaming/PolarisOffice/ETemp/7956_23580608/fImage158992341478.png"/>
+          <p:cNvPr id="1183" name="그림 46" descr="C:/Users/Admin1/AppData/Roaming/PolarisOffice/ETemp/13876_17549616/fImage158992341478.png"/>
           <p:cNvPicPr>
             <a:picLocks noChangeAspect="1"/>
           </p:cNvPicPr>
           <p:nvPr/>
         </p:nvPicPr>
         <p:blipFill rotWithShape="1">
-          <a:blip r:embed="rId13" cstate="print">
+          <a:blip r:embed="rId13" cstate="hqprint">
             <a:extLst>
               <a:ext uri="{28A0092B-C50C-407E-A947-70E740481C1C}">
-                <a14:useLocalDpi xmlns:a14="http://schemas.microsoft.com/office/drawing/2010/main" val="0"/>
+                <a14:useLocalDpi xmlns:a14="http://schemas.microsoft.com/office/drawing/2010/main"/>
               </a:ext>
             </a:extLst>
           </a:blip>
@@ -13105,7 +12926,7 @@
         <p:spPr>
           <a:xfrm rot="0">
             <a:off x="6840855" y="3731895"/>
-            <a:ext cx="4165600" cy="1680845"/>
+            <a:ext cx="4133215" cy="1681480"/>
           </a:xfrm>
           <a:prstGeom prst="roundRect"/>
           <a:solidFill>
@@ -13124,7 +12945,7 @@
         <p:spPr>
           <a:xfrm rot="0">
             <a:off x="6842125" y="5494655"/>
-            <a:ext cx="4173220" cy="677545"/>
+            <a:ext cx="4131945" cy="677545"/>
           </a:xfrm>
           <a:prstGeom prst="rect"/>
           <a:noFill/>
@@ -13151,31 +12972,14 @@
                 <a:latin typeface="맑은 고딕" charset="0"/>
                 <a:ea typeface="맑은 고딕" charset="0"/>
               </a:rPr>
-              <a:t>20</a:t>
-            </a:r>
-            <a:r>
-              <a:rPr lang="ko-KR" sz="2000" b="1">
-                <a:solidFill>
-                  <a:srgbClr val="0611F2"/>
-                </a:solidFill>
-                <a:latin typeface="맑은 고딕" charset="0"/>
-                <a:ea typeface="맑은 고딕" charset="0"/>
-              </a:rPr>
-              <a:t>. </a:t>
+              <a:t>20. </a:t>
             </a:r>
             <a:r>
               <a:rPr lang="ko-KR" sz="1800">
                 <a:latin typeface="맑은 고딕" charset="0"/>
                 <a:ea typeface="맑은 고딕" charset="0"/>
               </a:rPr>
-              <a:t>마지막으로 Dreyar By M.Aure 오브젝트의 Transform을 초기화합니다.</a:t>
-            </a:r>
-            <a:r>
-              <a:rPr lang="ko-KR" sz="1800">
-                <a:latin typeface="맑은 고딕" charset="0"/>
-                <a:ea typeface="맑은 고딕" charset="0"/>
-              </a:rPr>
-              <a:t> </a:t>
+              <a:t>마지막으로 Dreyar By M.Aure 오브젝트의 Transform을 초기화합니다. </a:t>
             </a:r>
             <a:endParaRPr lang="ko-KR" altLang="en-US" sz="1800">
               <a:latin typeface="맑은 고딕" charset="0"/>
@@ -13233,9 +13037,9 @@
           <p:nvPr/>
         </p:nvSpPr>
         <p:spPr>
-          <a:xfrm>
-            <a:off x="4696460" y="380365"/>
-            <a:ext cx="2803525" cy="554990"/>
+          <a:xfrm rot="0">
+            <a:off x="4239260" y="413385"/>
+            <a:ext cx="3717290" cy="554990"/>
           </a:xfrm>
           <a:prstGeom prst="rect"/>
           <a:noFill/>
@@ -13262,7 +13066,7 @@
                 <a:latin typeface="맑은 고딕" charset="0"/>
                 <a:ea typeface="맑은 고딕" charset="0"/>
               </a:rPr>
-              <a:t>일곱</a:t>
+              <a:t>여덟</a:t>
             </a:r>
             <a:r>
               <a:rPr lang="ko-KR" altLang="en-US" sz="3000" b="1">
@@ -13272,7 +13076,17 @@
                 <a:latin typeface="맑은 고딕" charset="0"/>
                 <a:ea typeface="맑은 고딕" charset="0"/>
               </a:rPr>
-              <a:t> 번째 과정</a:t>
+              <a:t> 번째 </a:t>
+            </a:r>
+            <a:r>
+              <a:rPr lang="ko-KR" altLang="en-US" sz="3000" b="1">
+                <a:solidFill>
+                  <a:schemeClr val="tx1"/>
+                </a:solidFill>
+                <a:latin typeface="맑은 고딕" charset="0"/>
+                <a:ea typeface="맑은 고딕" charset="0"/>
+              </a:rPr>
+              <a:t>튜토리얼</a:t>
             </a:r>
             <a:endParaRPr lang="ko-KR" altLang="en-US" sz="3000" b="1">
               <a:solidFill>
@@ -13293,9 +13107,9 @@
           <p:nvPr/>
         </p:nvSpPr>
         <p:spPr>
-          <a:xfrm>
-            <a:off x="6837045" y="4319905"/>
-            <a:ext cx="4364355" cy="1784985"/>
+          <a:xfrm rot="0">
+            <a:off x="6828790" y="4328160"/>
+            <a:ext cx="4128770" cy="1784985"/>
           </a:xfrm>
           <a:prstGeom prst="rect"/>
           <a:noFill/>
@@ -13322,48 +13136,14 @@
                 <a:latin typeface="맑은 고딕" charset="0"/>
                 <a:ea typeface="맑은 고딕" charset="0"/>
               </a:rPr>
-              <a:t>2</a:t>
-            </a:r>
-            <a:r>
-              <a:rPr lang="ko-KR" sz="2000" b="1">
-                <a:solidFill>
-                  <a:srgbClr val="0611F2"/>
-                </a:solidFill>
-                <a:latin typeface="맑은 고딕" charset="0"/>
-                <a:ea typeface="맑은 고딕" charset="0"/>
-              </a:rPr>
-              <a:t>2</a:t>
-            </a:r>
-            <a:r>
-              <a:rPr lang="ko-KR" sz="2000" b="1">
-                <a:solidFill>
-                  <a:srgbClr val="0611F2"/>
-                </a:solidFill>
-                <a:latin typeface="맑은 고딕" charset="0"/>
-                <a:ea typeface="맑은 고딕" charset="0"/>
-              </a:rPr>
-              <a:t>. </a:t>
+              <a:t>22. </a:t>
             </a:r>
             <a:r>
               <a:rPr lang="ko-KR" sz="1800">
                 <a:latin typeface="맑은 고딕" charset="0"/>
                 <a:ea typeface="맑은 고딕" charset="0"/>
               </a:rPr>
-              <a:t>그</a:t>
-            </a:r>
-            <a:r>
-              <a:rPr lang="ko-KR" sz="1800">
-                <a:latin typeface="맑은 고딕" charset="0"/>
-                <a:ea typeface="맑은 고딕" charset="0"/>
-              </a:rPr>
-              <a:t>리고</a:t>
-            </a:r>
-            <a:r>
-              <a:rPr lang="ko-KR" sz="1800">
-                <a:latin typeface="맑은 고딕" charset="0"/>
-                <a:ea typeface="맑은 고딕" charset="0"/>
-              </a:rPr>
-              <a:t> Running 애니메이션을 선택하고 In Place를 선택한 다음 Download합니다</a:t>
+              <a:t>그리고 Running 애니메이션을 선택하고 In Place를 선택한 다음 Download합니다</a:t>
             </a:r>
             <a:endParaRPr lang="ko-KR" altLang="en-US" sz="1800">
               <a:latin typeface="맑은 고딕" charset="0"/>
@@ -13390,21 +13170,7 @@
                 <a:latin typeface="맑은 고딕" charset="0"/>
                 <a:ea typeface="맑은 고딕" charset="0"/>
               </a:rPr>
-              <a:t>그</a:t>
-            </a:r>
-            <a:r>
-              <a:rPr lang="ko-KR" sz="1800">
-                <a:latin typeface="맑은 고딕" charset="0"/>
-                <a:ea typeface="맑은 고딕" charset="0"/>
-              </a:rPr>
-              <a:t>런 다음</a:t>
-            </a:r>
-            <a:r>
-              <a:rPr lang="ko-KR" sz="1800">
-                <a:latin typeface="맑은 고딕" charset="0"/>
-                <a:ea typeface="맑은 고딕" charset="0"/>
-              </a:rPr>
-              <a:t> Mma Kick 애니메이션도 함께 Download 합니다.</a:t>
+              <a:t>그런 다음 Mma Kick 애니메이션도 함께 Download 합니다.</a:t>
             </a:r>
             <a:endParaRPr lang="ko-KR" altLang="en-US" sz="1800">
               <a:latin typeface="맑은 고딕" charset="0"/>
@@ -13415,7 +13181,7 @@
       </p:sp>
       <p:pic>
         <p:nvPicPr>
-          <p:cNvPr id="1168" name="그림 162" descr="C:/Users/Admin1/AppData/Roaming/PolarisOffice/ETemp/7956_23580608/fImage2468734327421.png"/>
+          <p:cNvPr id="1168" name="그림 162"/>
           <p:cNvPicPr>
             <a:picLocks noChangeAspect="1"/>
           </p:cNvPicPr>
@@ -13541,7 +13307,7 @@
       </p:sp>
       <p:pic>
         <p:nvPicPr>
-          <p:cNvPr id="1172" name="그림 170" descr="C:/Users/Admin1/AppData/Roaming/PolarisOffice/ETemp/7956_23580608/fImage1290804479718.png"/>
+          <p:cNvPr id="1172" name="그림 170" descr="C:/Users/Admin1/AppData/Roaming/PolarisOffice/ETemp/13876_17549616/fImage1290804479718.png"/>
           <p:cNvPicPr>
             <a:picLocks noChangeAspect="1"/>
           </p:cNvPicPr>
@@ -13561,16 +13327,18 @@
         </p:blipFill>
         <p:spPr>
           <a:xfrm rot="0">
-            <a:off x="6817995" y="1409065"/>
-            <a:ext cx="2099945" cy="2774315"/>
-          </a:xfrm>
-          <a:prstGeom prst="rect"/>
-          <a:noFill/>
+            <a:off x="6833235" y="1392555"/>
+            <a:ext cx="1971040" cy="2774950"/>
+          </a:xfrm>
+          <a:prstGeom prst="roundRect"/>
+          <a:solidFill>
+            <a:srgbClr val="EDEDED"/>
+          </a:solidFill>
         </p:spPr>
       </p:pic>
       <p:pic>
         <p:nvPicPr>
-          <p:cNvPr id="1173" name="그림 172"/>
+          <p:cNvPr id="1173" name="그림 172" descr="C:/Users/Admin1/AppData/Roaming/PolarisOffice/ETemp/13876_17549616/fImage1268824489895.png"/>
           <p:cNvPicPr>
             <a:picLocks noChangeAspect="1"/>
           </p:cNvPicPr>
@@ -13590,11 +13358,13 @@
         </p:blipFill>
         <p:spPr>
           <a:xfrm rot="0">
-            <a:off x="9115425" y="1401445"/>
-            <a:ext cx="2094230" cy="2763520"/>
-          </a:xfrm>
-          <a:prstGeom prst="rect"/>
-          <a:noFill/>
+            <a:off x="9003030" y="1384935"/>
+            <a:ext cx="1962785" cy="2764155"/>
+          </a:xfrm>
+          <a:prstGeom prst="roundRect"/>
+          <a:solidFill>
+            <a:srgbClr val="EDEDED"/>
+          </a:solidFill>
         </p:spPr>
       </p:pic>
     </p:spTree>
@@ -13647,8 +13417,8 @@
         </p:nvSpPr>
         <p:spPr>
           <a:xfrm rot="0">
-            <a:off x="4696460" y="380365"/>
-            <a:ext cx="2837815" cy="554990"/>
+            <a:off x="4297045" y="380365"/>
+            <a:ext cx="3592195" cy="554990"/>
           </a:xfrm>
           <a:prstGeom prst="rect"/>
           <a:noFill/>
@@ -13675,7 +13445,7 @@
                 <a:latin typeface="맑은 고딕" charset="0"/>
                 <a:ea typeface="맑은 고딕" charset="0"/>
               </a:rPr>
-              <a:t>여덟</a:t>
+              <a:t>아홉</a:t>
             </a:r>
             <a:r>
               <a:rPr lang="ko-KR" altLang="en-US" sz="3000" b="1">
@@ -13685,7 +13455,17 @@
                 <a:latin typeface="맑은 고딕" charset="0"/>
                 <a:ea typeface="맑은 고딕" charset="0"/>
               </a:rPr>
-              <a:t> 번째 과정</a:t>
+              <a:t> 번째 </a:t>
+            </a:r>
+            <a:r>
+              <a:rPr lang="ko-KR" altLang="en-US" sz="3000" b="1">
+                <a:solidFill>
+                  <a:schemeClr val="tx1"/>
+                </a:solidFill>
+                <a:latin typeface="맑은 고딕" charset="0"/>
+                <a:ea typeface="맑은 고딕" charset="0"/>
+              </a:rPr>
+              <a:t>튜토리얼</a:t>
             </a:r>
             <a:endParaRPr lang="ko-KR" altLang="en-US" sz="3000" b="1">
               <a:solidFill>
@@ -13707,8 +13487,8 @@
         </p:nvSpPr>
         <p:spPr>
           <a:xfrm rot="0">
-            <a:off x="6835775" y="5572125"/>
-            <a:ext cx="4167505" cy="677545"/>
+            <a:off x="6827520" y="5580380"/>
+            <a:ext cx="4146550" cy="677545"/>
           </a:xfrm>
           <a:prstGeom prst="rect"/>
           <a:noFill/>
@@ -13735,48 +13515,14 @@
                 <a:latin typeface="맑은 고딕" charset="0"/>
                 <a:ea typeface="맑은 고딕" charset="0"/>
               </a:rPr>
-              <a:t>2</a:t>
-            </a:r>
-            <a:r>
-              <a:rPr lang="ko-KR" sz="2000" b="1">
-                <a:solidFill>
-                  <a:srgbClr val="0611F2"/>
-                </a:solidFill>
-                <a:latin typeface="맑은 고딕" charset="0"/>
-                <a:ea typeface="맑은 고딕" charset="0"/>
-              </a:rPr>
-              <a:t>5</a:t>
-            </a:r>
-            <a:r>
-              <a:rPr lang="ko-KR" sz="2000" b="1">
-                <a:solidFill>
-                  <a:srgbClr val="0611F2"/>
-                </a:solidFill>
-                <a:latin typeface="맑은 고딕" charset="0"/>
-                <a:ea typeface="맑은 고딕" charset="0"/>
-              </a:rPr>
-              <a:t>. </a:t>
+              <a:t>25. </a:t>
             </a:r>
             <a:r>
               <a:rPr lang="ko-KR" sz="1800">
                 <a:latin typeface="맑은 고딕" charset="0"/>
                 <a:ea typeface="맑은 고딕" charset="0"/>
               </a:rPr>
-              <a:t>그</a:t>
-            </a:r>
-            <a:r>
-              <a:rPr lang="ko-KR" sz="1800">
-                <a:latin typeface="맑은 고딕" charset="0"/>
-                <a:ea typeface="맑은 고딕" charset="0"/>
-              </a:rPr>
-              <a:t>런 다음</a:t>
-            </a:r>
-            <a:r>
-              <a:rPr lang="ko-KR" sz="1800">
-                <a:latin typeface="맑은 고딕" charset="0"/>
-                <a:ea typeface="맑은 고딕" charset="0"/>
-              </a:rPr>
-              <a:t> 각각의 애니메이션을 Base Layer에 추가합니다.</a:t>
+              <a:t>그런 다음 각각의 애니메이션을 Base Layer에 추가합니다.</a:t>
             </a:r>
             <a:endParaRPr lang="ko-KR" altLang="en-US" sz="1800">
               <a:latin typeface="맑은 고딕" charset="0"/>
@@ -13795,8 +13541,8 @@
         </p:nvSpPr>
         <p:spPr>
           <a:xfrm rot="0">
-            <a:off x="1184275" y="2285365"/>
-            <a:ext cx="4167505" cy="677545"/>
+            <a:off x="1230630" y="2285365"/>
+            <a:ext cx="4121785" cy="677545"/>
           </a:xfrm>
           <a:prstGeom prst="rect"/>
           <a:noFill/>
@@ -13823,41 +13569,14 @@
                 <a:latin typeface="맑은 고딕" charset="0"/>
                 <a:ea typeface="맑은 고딕" charset="0"/>
               </a:rPr>
-              <a:t>2</a:t>
-            </a:r>
-            <a:r>
-              <a:rPr lang="ko-KR" sz="2000" b="1">
-                <a:solidFill>
-                  <a:srgbClr val="0611F2"/>
-                </a:solidFill>
-                <a:latin typeface="맑은 고딕" charset="0"/>
-                <a:ea typeface="맑은 고딕" charset="0"/>
-              </a:rPr>
-              <a:t>3</a:t>
-            </a:r>
-            <a:r>
-              <a:rPr lang="ko-KR" sz="2000" b="1">
-                <a:solidFill>
-                  <a:srgbClr val="0611F2"/>
-                </a:solidFill>
-                <a:latin typeface="맑은 고딕" charset="0"/>
-                <a:ea typeface="맑은 고딕" charset="0"/>
-              </a:rPr>
-              <a:t>. </a:t>
+              <a:t>23. </a:t>
             </a:r>
             <a:r>
               <a:rPr lang="ko-KR" sz="1800">
                 <a:latin typeface="맑은 고딕" charset="0"/>
                 <a:ea typeface="맑은 고딕" charset="0"/>
               </a:rPr>
-              <a:t>이제</a:t>
-            </a:r>
-            <a:r>
-              <a:rPr lang="ko-KR" sz="1800">
-                <a:latin typeface="맑은 고딕" charset="0"/>
-                <a:ea typeface="맑은 고딕" charset="0"/>
-              </a:rPr>
-              <a:t> 애니메이션 파일을 유니티 프로젝트에 추가합니다. </a:t>
+              <a:t>이제 애니메이션 파일을 유니티 프로젝트에 추가합니다. </a:t>
             </a:r>
             <a:endParaRPr lang="ko-KR" altLang="en-US" sz="1800">
               <a:latin typeface="맑은 고딕" charset="0"/>
@@ -13868,7 +13587,7 @@
       </p:sp>
       <p:pic>
         <p:nvPicPr>
-          <p:cNvPr id="1171" name="그림 173" descr="C:/Users/Admin1/AppData/Roaming/PolarisOffice/ETemp/7956_23580608/fImage226374495447.png"/>
+          <p:cNvPr id="1171" name="그림 173" descr="C:/Users/Admin1/AppData/Roaming/PolarisOffice/ETemp/13876_17549616/fImage226374495447.png"/>
           <p:cNvPicPr>
             <a:picLocks noChangeAspect="1"/>
           </p:cNvPicPr>
@@ -13888,8 +13607,8 @@
         </p:blipFill>
         <p:spPr>
           <a:xfrm rot="0">
-            <a:off x="1188085" y="1360805"/>
-            <a:ext cx="2012950" cy="847725"/>
+            <a:off x="1238885" y="1360805"/>
+            <a:ext cx="1962785" cy="848360"/>
           </a:xfrm>
           <a:prstGeom prst="roundRect"/>
           <a:solidFill>
@@ -13899,7 +13618,7 @@
       </p:pic>
       <p:pic>
         <p:nvPicPr>
-          <p:cNvPr id="1176" name="그림 180" descr="C:/Users/Admin1/AppData/Roaming/PolarisOffice/ETemp/7956_23580608/fImage40644541726.png"/>
+          <p:cNvPr id="1176" name="그림 180"/>
           <p:cNvPicPr>
             <a:picLocks noChangeAspect="1"/>
           </p:cNvPicPr>
@@ -13930,7 +13649,7 @@
       </p:pic>
       <p:pic>
         <p:nvPicPr>
-          <p:cNvPr id="1177" name="그림 181" descr="C:/Users/Admin1/AppData/Roaming/PolarisOffice/ETemp/7956_23580608/fImage41594554771.png"/>
+          <p:cNvPr id="1177" name="그림 181"/>
           <p:cNvPicPr>
             <a:picLocks noChangeAspect="1"/>
           </p:cNvPicPr>
@@ -13961,7 +13680,7 @@
       </p:pic>
       <p:pic>
         <p:nvPicPr>
-          <p:cNvPr id="1178" name="그림 186" descr="C:/Users/Admin1/AppData/Roaming/PolarisOffice/ETemp/7956_23580608/fImage61714561538.png"/>
+          <p:cNvPr id="1178" name="그림 186" descr="C:/Users/Admin1/AppData/Roaming/PolarisOffice/ETemp/13876_17549616/fImage61714561538.png"/>
           <p:cNvPicPr>
             <a:picLocks noChangeAspect="1"/>
           </p:cNvPicPr>
@@ -13982,7 +13701,7 @@
         <p:spPr>
           <a:xfrm rot="0">
             <a:off x="6823710" y="3380105"/>
-            <a:ext cx="4187825" cy="2066925"/>
+            <a:ext cx="4133850" cy="2067560"/>
           </a:xfrm>
           <a:prstGeom prst="roundRect"/>
           <a:solidFill>
@@ -13992,7 +13711,7 @@
       </p:pic>
       <p:pic>
         <p:nvPicPr>
-          <p:cNvPr id="1179" name="그림 189" descr="C:/Users/Admin1/AppData/Roaming/PolarisOffice/ETemp/7956_23580608/fImage40104711869.png"/>
+          <p:cNvPr id="1179" name="그림 189" descr="C:/Users/Admin1/AppData/Roaming/PolarisOffice/ETemp/13876_17549616/fImage40104711869.png"/>
           <p:cNvPicPr>
             <a:picLocks noChangeAspect="1"/>
           </p:cNvPicPr>
@@ -14013,7 +13732,7 @@
         <p:spPr>
           <a:xfrm rot="0">
             <a:off x="7888605" y="1359535"/>
-            <a:ext cx="3114040" cy="1784350"/>
+            <a:ext cx="3085465" cy="1784985"/>
           </a:xfrm>
           <a:prstGeom prst="roundRect"/>
           <a:solidFill>
@@ -14023,7 +13742,7 @@
       </p:pic>
       <p:pic>
         <p:nvPicPr>
-          <p:cNvPr id="1180" name="그림 190" descr="C:/Users/Admin1/AppData/Roaming/PolarisOffice/ETemp/7956_23580608/fImage40644729912.png"/>
+          <p:cNvPr id="1180" name="그림 190"/>
           <p:cNvPicPr>
             <a:picLocks noChangeAspect="1"/>
           </p:cNvPicPr>
@@ -14054,7 +13773,7 @@
       </p:pic>
       <p:pic>
         <p:nvPicPr>
-          <p:cNvPr id="1181" name="그림 191" descr="C:/Users/Admin1/AppData/Roaming/PolarisOffice/ETemp/7956_23580608/fImage41594735667.png"/>
+          <p:cNvPr id="1181" name="그림 191"/>
           <p:cNvPicPr>
             <a:picLocks noChangeAspect="1"/>
           </p:cNvPicPr>
@@ -14093,8 +13812,8 @@
         </p:nvSpPr>
         <p:spPr>
           <a:xfrm rot="0">
-            <a:off x="1184275" y="5297170"/>
-            <a:ext cx="4160520" cy="954405"/>
+            <a:off x="1222375" y="5297170"/>
+            <a:ext cx="4123055" cy="954405"/>
           </a:xfrm>
           <a:prstGeom prst="rect"/>
           <a:noFill/>
@@ -14121,27 +13840,7 @@
                 <a:latin typeface="맑은 고딕" charset="0"/>
                 <a:ea typeface="맑은 고딕" charset="0"/>
               </a:rPr>
-              <a:t>2</a:t>
-            </a:r>
-            <a:r>
-              <a:rPr lang="ko-KR" sz="2000" b="1">
-                <a:solidFill>
-                  <a:srgbClr val="0611F2"/>
-                </a:solidFill>
-                <a:latin typeface="맑은 고딕" charset="0"/>
-                <a:ea typeface="맑은 고딕" charset="0"/>
-              </a:rPr>
-              <a:t>4</a:t>
-            </a:r>
-            <a:r>
-              <a:rPr lang="ko-KR" sz="2000" b="1">
-                <a:solidFill>
-                  <a:srgbClr val="0611F2"/>
-                </a:solidFill>
-                <a:latin typeface="맑은 고딕" charset="0"/>
-                <a:ea typeface="맑은 고딕" charset="0"/>
-              </a:rPr>
-              <a:t>. </a:t>
+              <a:t>24. </a:t>
             </a:r>
             <a:r>
               <a:rPr lang="ko-KR" sz="1800">
@@ -14159,17 +13858,17 @@
       </p:sp>
       <p:pic>
         <p:nvPicPr>
-          <p:cNvPr id="1191" name="그림 38" descr="C:/Users/Admin1/AppData/Roaming/PolarisOffice/ETemp/7956_23580608/fImage71452309358.png"/>
+          <p:cNvPr id="1191" name="그림 38" descr="C:/Users/Admin1/AppData/Roaming/PolarisOffice/ETemp/13876_17549616/fImage71452309358.png"/>
           <p:cNvPicPr>
             <a:picLocks noChangeAspect="1"/>
           </p:cNvPicPr>
           <p:nvPr/>
         </p:nvPicPr>
         <p:blipFill rotWithShape="1">
-          <a:blip r:embed="rId16" cstate="print">
+          <a:blip r:embed="rId16" cstate="hqprint">
             <a:extLst>
               <a:ext uri="{28A0092B-C50C-407E-A947-70E740481C1C}">
-                <a14:useLocalDpi xmlns:a14="http://schemas.microsoft.com/office/drawing/2010/main" val="0"/>
+                <a14:useLocalDpi xmlns:a14="http://schemas.microsoft.com/office/drawing/2010/main"/>
               </a:ext>
             </a:extLst>
           </a:blip>
@@ -14179,8 +13878,8 @@
         </p:blipFill>
         <p:spPr>
           <a:xfrm rot="0">
-            <a:off x="1195070" y="3088640"/>
-            <a:ext cx="4165600" cy="981710"/>
+            <a:off x="1247140" y="3088640"/>
+            <a:ext cx="4114165" cy="982345"/>
           </a:xfrm>
           <a:prstGeom prst="roundRect"/>
           <a:solidFill>
@@ -14190,17 +13889,17 @@
       </p:pic>
       <p:pic>
         <p:nvPicPr>
-          <p:cNvPr id="1192" name="그림 41" descr="C:/Users/Admin1/AppData/Roaming/PolarisOffice/ETemp/7956_23580608/fImage66992316962.png"/>
+          <p:cNvPr id="1192" name="그림 41" descr="C:/Users/Admin1/AppData/Roaming/PolarisOffice/ETemp/13876_17549616/fImage66992316962.png"/>
           <p:cNvPicPr>
             <a:picLocks noChangeAspect="1"/>
           </p:cNvPicPr>
           <p:nvPr/>
         </p:nvPicPr>
         <p:blipFill rotWithShape="1">
-          <a:blip r:embed="rId17" cstate="print">
+          <a:blip r:embed="rId17" cstate="hqprint">
             <a:extLst>
               <a:ext uri="{28A0092B-C50C-407E-A947-70E740481C1C}">
-                <a14:useLocalDpi xmlns:a14="http://schemas.microsoft.com/office/drawing/2010/main" val="0"/>
+                <a14:useLocalDpi xmlns:a14="http://schemas.microsoft.com/office/drawing/2010/main"/>
               </a:ext>
             </a:extLst>
           </a:blip>
@@ -14210,8 +13909,8 @@
         </p:blipFill>
         <p:spPr>
           <a:xfrm rot="0">
-            <a:off x="1184910" y="4208780"/>
-            <a:ext cx="4175760" cy="987425"/>
+            <a:off x="1238885" y="4208780"/>
+            <a:ext cx="4122420" cy="988060"/>
           </a:xfrm>
           <a:prstGeom prst="roundRect"/>
           <a:solidFill>
@@ -14221,7 +13920,7 @@
       </p:pic>
       <p:pic>
         <p:nvPicPr>
-          <p:cNvPr id="1193" name="그림 44" descr="C:/Users/Admin1/AppData/Roaming/PolarisOffice/ETemp/7956_23580608/fImage22421734441.png"/>
+          <p:cNvPr id="1193" name="그림 44" descr="C:/Users/Admin1/AppData/Roaming/PolarisOffice/ETemp/13876_17549616/fImage22421734441.png"/>
           <p:cNvPicPr>
             <a:picLocks noChangeAspect="1"/>
           </p:cNvPicPr>
@@ -14241,8 +13940,8 @@
         </p:blipFill>
         <p:spPr>
           <a:xfrm rot="0">
-            <a:off x="7593965" y="1786255"/>
-            <a:ext cx="615315" cy="424815"/>
+            <a:off x="7585710" y="1628140"/>
+            <a:ext cx="615950" cy="425450"/>
           </a:xfrm>
           <a:prstGeom prst="rect"/>
           <a:noFill/>
@@ -14250,7 +13949,7 @@
       </p:pic>
       <p:pic>
         <p:nvPicPr>
-          <p:cNvPr id="1194" name="그림 45" descr="C:/Users/Admin1/AppData/Roaming/PolarisOffice/ETemp/7956_23580608/fImage22421734441.png"/>
+          <p:cNvPr id="1194" name="그림 45" descr="C:/Users/Admin1/AppData/Roaming/PolarisOffice/ETemp/13876_17549616/fImage22421734441.png"/>
           <p:cNvPicPr>
             <a:picLocks noChangeAspect="1"/>
           </p:cNvPicPr>
@@ -14270,8 +13969,8 @@
         </p:blipFill>
         <p:spPr>
           <a:xfrm rot="0">
-            <a:off x="7588250" y="2619375"/>
-            <a:ext cx="615315" cy="424815"/>
+            <a:off x="7579995" y="2519680"/>
+            <a:ext cx="615950" cy="425450"/>
           </a:xfrm>
           <a:prstGeom prst="rect"/>
           <a:noFill/>

--- a/Assets/Class/Animator/PPT Data/Animator Example.pptx
+++ b/Assets/Class/Animator/PPT Data/Animator Example.pptx
@@ -2,26 +2,26 @@
 <file path=ppt/presentation.xml><?xml version="1.0" encoding="utf-8"?>
 <p:presentation xmlns:a="http://schemas.openxmlformats.org/drawingml/2006/main" xmlns:r="http://schemas.openxmlformats.org/officeDocument/2006/relationships" xmlns:p="http://schemas.openxmlformats.org/presentationml/2006/main" xmlns:p14="http://schemas.microsoft.com/office/powerpoint/2010/main" saveSubsetFonts="1" firstSlideNum="0">
   <p:sldMasterIdLst>
-    <p:sldMasterId id="2147486293" r:id="rId12"/>
+    <p:sldMasterId id="2147486295" r:id="rId12"/>
   </p:sldMasterIdLst>
   <p:notesMasterIdLst>
     <p:notesMasterId r:id="rId14"/>
   </p:notesMasterIdLst>
   <p:sldIdLst>
     <p:sldId id="294" r:id="rId16"/>
-    <p:sldId id="295" r:id="rId18"/>
-    <p:sldId id="296" r:id="rId20"/>
+    <p:sldId id="295" r:id="rId17"/>
+    <p:sldId id="296" r:id="rId19"/>
     <p:sldId id="316" r:id="rId21"/>
     <p:sldId id="291" r:id="rId23"/>
-    <p:sldId id="297" r:id="rId24"/>
-    <p:sldId id="298" r:id="rId25"/>
-    <p:sldId id="300" r:id="rId26"/>
-    <p:sldId id="301" r:id="rId27"/>
-    <p:sldId id="302" r:id="rId28"/>
-    <p:sldId id="292" r:id="rId29"/>
-    <p:sldId id="303" r:id="rId30"/>
-    <p:sldId id="304" r:id="rId31"/>
-    <p:sldId id="317" r:id="rId32"/>
+    <p:sldId id="297" r:id="rId25"/>
+    <p:sldId id="298" r:id="rId27"/>
+    <p:sldId id="300" r:id="rId29"/>
+    <p:sldId id="301" r:id="rId31"/>
+    <p:sldId id="302" r:id="rId33"/>
+    <p:sldId id="292" r:id="rId35"/>
+    <p:sldId id="303" r:id="rId37"/>
+    <p:sldId id="304" r:id="rId39"/>
+    <p:sldId id="317" r:id="rId41"/>
   </p:sldIdLst>
   <p:sldSz cx="12192000" cy="6858000"/>
   <p:notesSz cx="6858000" cy="9144000"/>
@@ -7853,64 +7853,6 @@
           </a:p>
         </p:txBody>
       </p:sp>
-      <p:pic>
-        <p:nvPicPr>
-          <p:cNvPr id="1158" name="그림 3"/>
-          <p:cNvPicPr>
-            <a:picLocks noChangeAspect="1"/>
-          </p:cNvPicPr>
-          <p:nvPr/>
-        </p:nvPicPr>
-        <p:blipFill rotWithShape="1">
-          <a:blip r:embed="rId2" cstate="hqprint">
-            <a:extLst>
-              <a:ext uri="{28A0092B-C50C-407E-A947-70E740481C1C}">
-                <a14:useLocalDpi xmlns:a14="http://schemas.microsoft.com/office/drawing/2010/main"/>
-              </a:ext>
-            </a:extLst>
-          </a:blip>
-          <a:stretch>
-            <a:fillRect/>
-          </a:stretch>
-        </p:blipFill>
-        <p:spPr>
-          <a:xfrm rot="0">
-            <a:off x="1267460" y="1371600"/>
-            <a:ext cx="4137660" cy="3709035"/>
-          </a:xfrm>
-          <a:prstGeom prst="rect"/>
-          <a:noFill/>
-        </p:spPr>
-      </p:pic>
-      <p:pic>
-        <p:nvPicPr>
-          <p:cNvPr id="1159" name="그림 4"/>
-          <p:cNvPicPr>
-            <a:picLocks noChangeAspect="1"/>
-          </p:cNvPicPr>
-          <p:nvPr/>
-        </p:nvPicPr>
-        <p:blipFill rotWithShape="1">
-          <a:blip r:embed="rId3" cstate="hqprint">
-            <a:extLst>
-              <a:ext uri="{28A0092B-C50C-407E-A947-70E740481C1C}">
-                <a14:useLocalDpi xmlns:a14="http://schemas.microsoft.com/office/drawing/2010/main"/>
-              </a:ext>
-            </a:extLst>
-          </a:blip>
-          <a:stretch>
-            <a:fillRect/>
-          </a:stretch>
-        </p:blipFill>
-        <p:spPr>
-          <a:xfrm rot="0">
-            <a:off x="6816725" y="1359535"/>
-            <a:ext cx="4259580" cy="4003040"/>
-          </a:xfrm>
-          <a:prstGeom prst="rect"/>
-          <a:noFill/>
-        </p:spPr>
-      </p:pic>
       <p:sp>
         <p:nvSpPr>
           <p:cNvPr id="1160" name="텍스트 상자 1"/>
@@ -7961,179 +7903,6 @@
           </a:p>
         </p:txBody>
       </p:sp>
-      <p:sp>
-        <p:nvSpPr>
-          <p:cNvPr id="1161" name="텍스트 상자 2"/>
-          <p:cNvSpPr txBox="1">
-            <a:spLocks/>
-          </p:cNvSpPr>
-          <p:nvPr/>
-        </p:nvSpPr>
-        <p:spPr>
-          <a:xfrm rot="0">
-            <a:off x="1263650" y="5208905"/>
-            <a:ext cx="4142740" cy="955040"/>
-          </a:xfrm>
-          <a:prstGeom prst="rect"/>
-          <a:noFill/>
-          <a:ln w="0">
-            <a:noFill/>
-            <a:prstDash/>
-          </a:ln>
-        </p:spPr>
-        <p:txBody>
-          <a:bodyPr wrap="square" lIns="89535" tIns="46355" rIns="89535" bIns="46355" numCol="1" vert="horz" anchor="t">
-            <a:spAutoFit/>
-          </a:bodyPr>
-          <a:lstStyle/>
-          <a:p>
-            <a:pPr marL="0" indent="0" algn="l" latinLnBrk="0" hangingPunct="1">
-              <a:buFontTx/>
-              <a:buNone/>
-            </a:pPr>
-            <a:r>
-              <a:rPr lang="ko-KR" sz="2000" b="1">
-                <a:solidFill>
-                  <a:srgbClr val="0611F2"/>
-                </a:solidFill>
-                <a:latin typeface="맑은 고딕" charset="0"/>
-                <a:ea typeface="맑은 고딕" charset="0"/>
-              </a:rPr>
-              <a:t>1.</a:t>
-            </a:r>
-            <a:r>
-              <a:rPr lang="ko-KR" sz="2000">
-                <a:latin typeface="맑은 고딕" charset="0"/>
-                <a:ea typeface="맑은 고딕" charset="0"/>
-              </a:rPr>
-              <a:t> 첫 번째로 Google에 </a:t>
-            </a:r>
-            <a:r>
-              <a:rPr lang="ko-KR" sz="1800">
-                <a:latin typeface="맑은 고딕" charset="0"/>
-                <a:ea typeface="맑은 고딕" charset="0"/>
-              </a:rPr>
-              <a:t>mixamo라고 검색한 다음 사이트에 접속하여 Sign Up for Free를 선택합니다.</a:t>
-            </a:r>
-            <a:endParaRPr lang="ko-KR" altLang="en-US" sz="1800">
-              <a:latin typeface="맑은 고딕" charset="0"/>
-              <a:ea typeface="맑은 고딕" charset="0"/>
-            </a:endParaRPr>
-          </a:p>
-        </p:txBody>
-      </p:sp>
-      <p:sp>
-        <p:nvSpPr>
-          <p:cNvPr id="1162" name="텍스트 상자 3"/>
-          <p:cNvSpPr txBox="1">
-            <a:spLocks/>
-          </p:cNvSpPr>
-          <p:nvPr/>
-        </p:nvSpPr>
-        <p:spPr>
-          <a:xfrm rot="0">
-            <a:off x="6825615" y="5482590"/>
-            <a:ext cx="4259580" cy="680085"/>
-          </a:xfrm>
-          <a:prstGeom prst="rect"/>
-          <a:noFill/>
-          <a:ln w="0">
-            <a:noFill/>
-            <a:prstDash/>
-          </a:ln>
-        </p:spPr>
-        <p:txBody>
-          <a:bodyPr wrap="square" lIns="89535" tIns="46355" rIns="89535" bIns="46355" numCol="1" vert="horz" anchor="t">
-            <a:spAutoFit/>
-          </a:bodyPr>
-          <a:lstStyle/>
-          <a:p>
-            <a:pPr marL="0" indent="0" algn="l" latinLnBrk="0" hangingPunct="1">
-              <a:buFontTx/>
-              <a:buNone/>
-            </a:pPr>
-            <a:r>
-              <a:rPr lang="ko-KR" sz="2000" b="1">
-                <a:solidFill>
-                  <a:srgbClr val="0611F2"/>
-                </a:solidFill>
-                <a:latin typeface="맑은 고딕" charset="0"/>
-                <a:ea typeface="맑은 고딕" charset="0"/>
-              </a:rPr>
-              <a:t>2. </a:t>
-            </a:r>
-            <a:r>
-              <a:rPr lang="ko-KR" sz="1800">
-                <a:latin typeface="맑은 고딕" charset="0"/>
-                <a:ea typeface="맑은 고딕" charset="0"/>
-              </a:rPr>
-              <a:t>그리고 Google 계정으로 로그인을 시도합니다.</a:t>
-            </a:r>
-            <a:endParaRPr lang="ko-KR" altLang="en-US" sz="1800">
-              <a:latin typeface="맑은 고딕" charset="0"/>
-              <a:ea typeface="맑은 고딕" charset="0"/>
-            </a:endParaRPr>
-          </a:p>
-        </p:txBody>
-      </p:sp>
-      <p:pic>
-        <p:nvPicPr>
-          <p:cNvPr id="1163" name="그림 4" descr="C:/Users/Admin1/AppData/Roaming/PolarisOffice/ETemp/14200_8900632/fImage40558127141.png"/>
-          <p:cNvPicPr>
-            <a:picLocks noChangeAspect="1"/>
-          </p:cNvPicPr>
-          <p:nvPr/>
-        </p:nvPicPr>
-        <p:blipFill rotWithShape="1">
-          <a:blip r:embed="rId2" cstate="hqprint">
-            <a:extLst>
-              <a:ext uri="{28A0092B-C50C-407E-A947-70E740481C1C}">
-                <a14:useLocalDpi xmlns:a14="http://schemas.microsoft.com/office/drawing/2010/main"/>
-              </a:ext>
-            </a:extLst>
-          </a:blip>
-          <a:stretch>
-            <a:fillRect/>
-          </a:stretch>
-        </p:blipFill>
-        <p:spPr>
-          <a:xfrm rot="0">
-            <a:off x="1267460" y="1371600"/>
-            <a:ext cx="4138295" cy="3709670"/>
-          </a:xfrm>
-          <a:prstGeom prst="rect"/>
-          <a:noFill/>
-        </p:spPr>
-      </p:pic>
-      <p:pic>
-        <p:nvPicPr>
-          <p:cNvPr id="1164" name="그림 5" descr="C:/Users/Admin1/AppData/Roaming/PolarisOffice/ETemp/14200_8900632/fImage211862728467.png"/>
-          <p:cNvPicPr>
-            <a:picLocks noChangeAspect="1"/>
-          </p:cNvPicPr>
-          <p:nvPr/>
-        </p:nvPicPr>
-        <p:blipFill rotWithShape="1">
-          <a:blip r:embed="rId3" cstate="hqprint">
-            <a:extLst>
-              <a:ext uri="{28A0092B-C50C-407E-A947-70E740481C1C}">
-                <a14:useLocalDpi xmlns:a14="http://schemas.microsoft.com/office/drawing/2010/main"/>
-              </a:ext>
-            </a:extLst>
-          </a:blip>
-          <a:stretch>
-            <a:fillRect/>
-          </a:stretch>
-        </p:blipFill>
-        <p:spPr>
-          <a:xfrm rot="0">
-            <a:off x="6816725" y="1359535"/>
-            <a:ext cx="4260215" cy="4003675"/>
-          </a:xfrm>
-          <a:prstGeom prst="rect"/>
-          <a:noFill/>
-        </p:spPr>
-      </p:pic>
     </p:spTree>
   </p:cSld>
   <p:clrMapOvr>
